--- a/DataScience_Salaries.pptx
+++ b/DataScience_Salaries.pptx
@@ -5,7 +5,7 @@
     <p:sldMasterId id="2147483673" r:id="rId1"/>
   </p:sldMasterIdLst>
   <p:notesMasterIdLst>
-    <p:notesMasterId r:id="rId23"/>
+    <p:notesMasterId r:id="rId17"/>
   </p:notesMasterIdLst>
   <p:sldIdLst>
     <p:sldId id="267" r:id="rId2"/>
@@ -14,21 +14,15 @@
     <p:sldId id="311" r:id="rId5"/>
     <p:sldId id="315" r:id="rId6"/>
     <p:sldId id="316" r:id="rId7"/>
-    <p:sldId id="309" r:id="rId8"/>
-    <p:sldId id="310" r:id="rId9"/>
-    <p:sldId id="312" r:id="rId10"/>
-    <p:sldId id="313" r:id="rId11"/>
-    <p:sldId id="314" r:id="rId12"/>
-    <p:sldId id="308" r:id="rId13"/>
-    <p:sldId id="297" r:id="rId14"/>
-    <p:sldId id="268" r:id="rId15"/>
-    <p:sldId id="279" r:id="rId16"/>
-    <p:sldId id="278" r:id="rId17"/>
-    <p:sldId id="300" r:id="rId18"/>
-    <p:sldId id="303" r:id="rId19"/>
-    <p:sldId id="274" r:id="rId20"/>
-    <p:sldId id="261" r:id="rId21"/>
-    <p:sldId id="258" r:id="rId22"/>
+    <p:sldId id="262" r:id="rId8"/>
+    <p:sldId id="263" r:id="rId9"/>
+    <p:sldId id="317" r:id="rId10"/>
+    <p:sldId id="318" r:id="rId11"/>
+    <p:sldId id="312" r:id="rId12"/>
+    <p:sldId id="321" r:id="rId13"/>
+    <p:sldId id="320" r:id="rId14"/>
+    <p:sldId id="322" r:id="rId15"/>
+    <p:sldId id="297" r:id="rId16"/>
   </p:sldIdLst>
   <p:sldSz cx="12192000" cy="6858000"/>
   <p:notesSz cx="6858000" cy="9144000"/>
@@ -228,7 +222,7 @@
           <a:p>
             <a:fld id="{91E551B2-72B9-4805-8062-4939F9ED4BD5}" type="datetimeFigureOut">
               <a:rPr lang="en-US"/>
-              <a:t>1/29/2023</a:t>
+              <a:t>1/30/2023</a:t>
             </a:fld>
             <a:endParaRPr lang="en-US" dirty="0"/>
           </a:p>
@@ -565,7 +559,7 @@
               <a:rPr lang="en-US" smtClean="0"/>
               <a:t>3</a:t>
             </a:fld>
-            <a:endParaRPr lang="en-US"/>
+            <a:endParaRPr lang="en-US" dirty="0"/>
           </a:p>
         </p:txBody>
       </p:sp>
@@ -583,11 +577,11 @@
 </file>
 
 <file path=ppt/notesSlides/notesSlide2.xml><?xml version="1.0" encoding="utf-8"?>
-<p:notes xmlns:a="http://schemas.openxmlformats.org/drawingml/2006/main" xmlns:r="http://schemas.openxmlformats.org/officeDocument/2006/relationships" xmlns:p="http://schemas.openxmlformats.org/presentationml/2006/main">
+<p:notes xmlns:a="http://schemas.openxmlformats.org/drawingml/2006/main" xmlns:r="http://schemas.openxmlformats.org/officeDocument/2006/relationships" xmlns:p="http://schemas.openxmlformats.org/presentationml/2006/main" showMasterSp="0" showMasterPhAnim="0">
   <p:cSld>
     <p:spTree>
       <p:nvGrpSpPr>
-        <p:cNvPr id="1" name=""/>
+        <p:cNvPr id="1" name="Shape 105"/>
         <p:cNvGrpSpPr/>
         <p:nvPr/>
       </p:nvGrpSpPr>
@@ -601,38 +595,50 @@
       </p:grpSpPr>
       <p:sp>
         <p:nvSpPr>
-          <p:cNvPr id="7" name="Rectangle 5"/>
-          <p:cNvSpPr>
-            <a:spLocks noGrp="1" noChangeArrowheads="1"/>
+          <p:cNvPr id="106" name="Google Shape;106;g20266313f4a_0_0:notes"/>
+          <p:cNvSpPr txBox="1">
+            <a:spLocks noGrp="1"/>
           </p:cNvSpPr>
           <p:nvPr>
-            <p:ph type="sldNum" sz="quarter" idx="5"/>
+            <p:ph type="body" idx="1"/>
           </p:nvPr>
         </p:nvSpPr>
         <p:spPr>
-          <a:ln/>
+          <a:xfrm>
+            <a:off x="685800" y="4400550"/>
+            <a:ext cx="5486400" cy="3600600"/>
+          </a:xfrm>
+          <a:prstGeom prst="rect">
+            <a:avLst/>
+          </a:prstGeom>
         </p:spPr>
         <p:txBody>
-          <a:bodyPr/>
+          <a:bodyPr spcFirstLastPara="1" wrap="square" lIns="91425" tIns="45700" rIns="91425" bIns="45700" anchor="t" anchorCtr="0">
+            <a:noAutofit/>
+          </a:bodyPr>
           <a:lstStyle/>
           <a:p>
-            <a:fld id="{7F1FCCB6-F9A8-465F-861C-256322524500}" type="slidenum">
-              <a:rPr lang="en-US"/>
-              <a:pPr/>
-              <a:t>20</a:t>
-            </a:fld>
-            <a:endParaRPr lang="en-US" dirty="0"/>
+            <a:pPr marL="0" lvl="0" indent="0" algn="l" rtl="0">
+              <a:spcBef>
+                <a:spcPts val="0"/>
+              </a:spcBef>
+              <a:spcAft>
+                <a:spcPts val="0"/>
+              </a:spcAft>
+              <a:buNone/>
+            </a:pPr>
+            <a:endParaRPr dirty="0"/>
           </a:p>
         </p:txBody>
       </p:sp>
       <p:sp>
         <p:nvSpPr>
-          <p:cNvPr id="1683458" name="Rectangle 2"/>
+          <p:cNvPr id="107" name="Google Shape;107;g20266313f4a_0_0:notes"/>
           <p:cNvSpPr>
-            <a:spLocks noGrp="1" noRot="1" noChangeAspect="1" noChangeArrowheads="1" noTextEdit="1"/>
+            <a:spLocks noGrp="1" noRot="1" noChangeAspect="1"/>
           </p:cNvSpPr>
           <p:nvPr>
-            <p:ph type="sldImg"/>
+            <p:ph type="sldImg" idx="2"/>
           </p:nvPr>
         </p:nvSpPr>
         <p:spPr>
@@ -640,61 +646,137 @@
             <a:off x="685800" y="1143000"/>
             <a:ext cx="5486400" cy="3086100"/>
           </a:xfrm>
-          <a:ln/>
+          <a:custGeom>
+            <a:avLst/>
+            <a:gdLst/>
+            <a:ahLst/>
+            <a:cxnLst/>
+            <a:rect l="l" t="t" r="r" b="b"/>
+            <a:pathLst>
+              <a:path w="120000" h="120000" extrusionOk="0">
+                <a:moveTo>
+                  <a:pt x="0" y="0"/>
+                </a:moveTo>
+                <a:lnTo>
+                  <a:pt x="120000" y="0"/>
+                </a:lnTo>
+                <a:lnTo>
+                  <a:pt x="120000" y="120000"/>
+                </a:lnTo>
+                <a:lnTo>
+                  <a:pt x="0" y="120000"/>
+                </a:lnTo>
+                <a:close/>
+              </a:path>
+            </a:pathLst>
+          </a:custGeom>
         </p:spPr>
       </p:sp>
+    </p:spTree>
+  </p:cSld>
+  <p:clrMapOvr>
+    <a:masterClrMapping/>
+  </p:clrMapOvr>
+</p:notes>
+</file>
+
+<file path=ppt/notesSlides/notesSlide3.xml><?xml version="1.0" encoding="utf-8"?>
+<p:notes xmlns:a="http://schemas.openxmlformats.org/drawingml/2006/main" xmlns:r="http://schemas.openxmlformats.org/officeDocument/2006/relationships" xmlns:p="http://schemas.openxmlformats.org/presentationml/2006/main" showMasterSp="0" showMasterPhAnim="0">
+  <p:cSld>
+    <p:spTree>
+      <p:nvGrpSpPr>
+        <p:cNvPr id="1" name="Shape 114"/>
+        <p:cNvGrpSpPr/>
+        <p:nvPr/>
+      </p:nvGrpSpPr>
+      <p:grpSpPr>
+        <a:xfrm>
+          <a:off x="0" y="0"/>
+          <a:ext cx="0" cy="0"/>
+          <a:chOff x="0" y="0"/>
+          <a:chExt cx="0" cy="0"/>
+        </a:xfrm>
+      </p:grpSpPr>
       <p:sp>
         <p:nvSpPr>
-          <p:cNvPr id="1683459" name="Rectangle 3"/>
-          <p:cNvSpPr>
-            <a:spLocks noGrp="1" noChangeArrowheads="1"/>
+          <p:cNvPr id="115" name="Google Shape;115;g20266313f4a_0_10:notes"/>
+          <p:cNvSpPr txBox="1">
+            <a:spLocks noGrp="1"/>
           </p:cNvSpPr>
           <p:nvPr>
             <p:ph type="body" idx="1"/>
           </p:nvPr>
         </p:nvSpPr>
-        <p:spPr/>
+        <p:spPr>
+          <a:xfrm>
+            <a:off x="685800" y="4400550"/>
+            <a:ext cx="5486400" cy="3600600"/>
+          </a:xfrm>
+          <a:prstGeom prst="rect">
+            <a:avLst/>
+          </a:prstGeom>
+        </p:spPr>
         <p:txBody>
-          <a:bodyPr/>
+          <a:bodyPr spcFirstLastPara="1" wrap="square" lIns="91425" tIns="45700" rIns="91425" bIns="45700" anchor="t" anchorCtr="0">
+            <a:noAutofit/>
+          </a:bodyPr>
           <a:lstStyle/>
           <a:p>
-            <a:r>
-              <a:rPr lang="en-US" dirty="0"/>
-              <a:t>A few years ago, users of Internet services began to realize that when an online service is free, you’re not the customer. You’re the product. But at Apple, we believe a great customer experience shouldn’t come at the expense of your privacy.</a:t>
-            </a:r>
-          </a:p>
-          <a:p>
-            <a:endParaRPr lang="en-US" dirty="0"/>
-          </a:p>
-          <a:p>
-            <a:r>
-              <a:rPr lang="en-US" dirty="0"/>
-              <a:t>Our business model is very straightforward: We sell great products. We don’t build a profile based on your email content or web browsing habits to sell to advertisers. We don’t “monetize” the information you store on your iPhone or in iCloud. And we don’t read your email or your messages to get information to market to you. Our software and services are designed to make our devices better. Plain and simple.</a:t>
-            </a:r>
-          </a:p>
-          <a:p>
-            <a:endParaRPr lang="en-US" dirty="0"/>
-          </a:p>
-          <a:p>
-            <a:endParaRPr lang="en-US" dirty="0"/>
-          </a:p>
-          <a:p>
-            <a:endParaRPr lang="en-US" dirty="0"/>
-          </a:p>
-          <a:p>
-            <a:r>
-              <a:rPr lang="en-US" dirty="0"/>
-              <a:t>Read more: http://www.businessinsider.com/tim-cook-privacy-letter-2014-9#ixzz3Dg0eJ4Ll</a:t>
-            </a:r>
+            <a:pPr marL="0" lvl="0" indent="0" algn="l" rtl="0">
+              <a:spcBef>
+                <a:spcPts val="0"/>
+              </a:spcBef>
+              <a:spcAft>
+                <a:spcPts val="0"/>
+              </a:spcAft>
+              <a:buNone/>
+            </a:pPr>
+            <a:endParaRPr dirty="0"/>
           </a:p>
         </p:txBody>
       </p:sp>
+      <p:sp>
+        <p:nvSpPr>
+          <p:cNvPr id="116" name="Google Shape;116;g20266313f4a_0_10:notes"/>
+          <p:cNvSpPr>
+            <a:spLocks noGrp="1" noRot="1" noChangeAspect="1"/>
+          </p:cNvSpPr>
+          <p:nvPr>
+            <p:ph type="sldImg" idx="2"/>
+          </p:nvPr>
+        </p:nvSpPr>
+        <p:spPr>
+          <a:xfrm>
+            <a:off x="685800" y="1143000"/>
+            <a:ext cx="5486400" cy="3086100"/>
+          </a:xfrm>
+          <a:custGeom>
+            <a:avLst/>
+            <a:gdLst/>
+            <a:ahLst/>
+            <a:cxnLst/>
+            <a:rect l="l" t="t" r="r" b="b"/>
+            <a:pathLst>
+              <a:path w="120000" h="120000" extrusionOk="0">
+                <a:moveTo>
+                  <a:pt x="0" y="0"/>
+                </a:moveTo>
+                <a:lnTo>
+                  <a:pt x="120000" y="0"/>
+                </a:lnTo>
+                <a:lnTo>
+                  <a:pt x="120000" y="120000"/>
+                </a:lnTo>
+                <a:lnTo>
+                  <a:pt x="0" y="120000"/>
+                </a:lnTo>
+                <a:close/>
+              </a:path>
+            </a:pathLst>
+          </a:custGeom>
+        </p:spPr>
+      </p:sp>
     </p:spTree>
-    <p:extLst>
-      <p:ext uri="{BB962C8B-B14F-4D97-AF65-F5344CB8AC3E}">
-        <p14:creationId xmlns:p14="http://schemas.microsoft.com/office/powerpoint/2010/main" val="1493162473"/>
-      </p:ext>
-    </p:extLst>
   </p:cSld>
   <p:clrMapOvr>
     <a:masterClrMapping/>
@@ -1228,6 +1310,993 @@
 </p:sldLayout>
 </file>
 
+<file path=ppt/slideLayouts/slideLayout15.xml><?xml version="1.0" encoding="utf-8"?>
+<p:sldLayout xmlns:a="http://schemas.openxmlformats.org/drawingml/2006/main" xmlns:r="http://schemas.openxmlformats.org/officeDocument/2006/relationships" xmlns:p="http://schemas.openxmlformats.org/presentationml/2006/main" matchingName="1_P14 title, 1-1 columns, feature">
+  <p:cSld name="3_P14 title, 1-1 columns, feature">
+    <p:spTree>
+      <p:nvGrpSpPr>
+        <p:cNvPr id="1" name="Shape 23"/>
+        <p:cNvGrpSpPr/>
+        <p:nvPr/>
+      </p:nvGrpSpPr>
+      <p:grpSpPr>
+        <a:xfrm>
+          <a:off x="0" y="0"/>
+          <a:ext cx="0" cy="0"/>
+          <a:chOff x="0" y="0"/>
+          <a:chExt cx="0" cy="0"/>
+        </a:xfrm>
+      </p:grpSpPr>
+      <p:sp>
+        <p:nvSpPr>
+          <p:cNvPr id="24" name="Google Shape;24;p26"/>
+          <p:cNvSpPr txBox="1">
+            <a:spLocks noGrp="1"/>
+          </p:cNvSpPr>
+          <p:nvPr>
+            <p:ph type="body" idx="1"/>
+          </p:nvPr>
+        </p:nvSpPr>
+        <p:spPr>
+          <a:xfrm>
+            <a:off x="527052" y="1844824"/>
+            <a:ext cx="5472000" cy="4032000"/>
+          </a:xfrm>
+          <a:prstGeom prst="rect">
+            <a:avLst/>
+          </a:prstGeom>
+          <a:noFill/>
+          <a:ln>
+            <a:noFill/>
+          </a:ln>
+        </p:spPr>
+        <p:txBody>
+          <a:bodyPr spcFirstLastPara="1" wrap="square" lIns="91425" tIns="45700" rIns="91425" bIns="45700" anchor="t" anchorCtr="0">
+            <a:noAutofit/>
+          </a:bodyPr>
+          <a:lstStyle>
+            <a:lvl1pPr marL="457200" marR="0" lvl="0" indent="-355600" algn="l" rtl="0">
+              <a:spcBef>
+                <a:spcPts val="400"/>
+              </a:spcBef>
+              <a:spcAft>
+                <a:spcPts val="0"/>
+              </a:spcAft>
+              <a:buClr>
+                <a:schemeClr val="dk2"/>
+              </a:buClr>
+              <a:buSzPts val="2000"/>
+              <a:buFont typeface="Noto Sans Symbols"/>
+              <a:buChar char="▪"/>
+              <a:defRPr sz="2000" b="0" i="0" u="none" strike="noStrike" cap="none">
+                <a:solidFill>
+                  <a:schemeClr val="dk1"/>
+                </a:solidFill>
+                <a:latin typeface="Arial"/>
+                <a:ea typeface="Arial"/>
+                <a:cs typeface="Arial"/>
+                <a:sym typeface="Arial"/>
+              </a:defRPr>
+            </a:lvl1pPr>
+            <a:lvl2pPr marL="914400" marR="0" lvl="1" indent="-342900" algn="l" rtl="0">
+              <a:spcBef>
+                <a:spcPts val="360"/>
+              </a:spcBef>
+              <a:spcAft>
+                <a:spcPts val="0"/>
+              </a:spcAft>
+              <a:buClr>
+                <a:schemeClr val="dk2"/>
+              </a:buClr>
+              <a:buSzPts val="1800"/>
+              <a:buFont typeface="Noto Sans Symbols"/>
+              <a:buChar char="▪"/>
+              <a:defRPr sz="1800" b="0" i="0" u="none" strike="noStrike" cap="none">
+                <a:solidFill>
+                  <a:schemeClr val="dk1"/>
+                </a:solidFill>
+                <a:latin typeface="Arial"/>
+                <a:ea typeface="Arial"/>
+                <a:cs typeface="Arial"/>
+                <a:sym typeface="Arial"/>
+              </a:defRPr>
+            </a:lvl2pPr>
+            <a:lvl3pPr marL="1371600" marR="0" lvl="2" indent="-342900" algn="l" rtl="0">
+              <a:spcBef>
+                <a:spcPts val="360"/>
+              </a:spcBef>
+              <a:spcAft>
+                <a:spcPts val="0"/>
+              </a:spcAft>
+              <a:buClr>
+                <a:schemeClr val="dk2"/>
+              </a:buClr>
+              <a:buSzPts val="1800"/>
+              <a:buFont typeface="Noto Sans Symbols"/>
+              <a:buChar char="▪"/>
+              <a:defRPr sz="1800" b="0" i="0" u="none" strike="noStrike" cap="none">
+                <a:solidFill>
+                  <a:schemeClr val="dk1"/>
+                </a:solidFill>
+                <a:latin typeface="Arial"/>
+                <a:ea typeface="Arial"/>
+                <a:cs typeface="Arial"/>
+                <a:sym typeface="Arial"/>
+              </a:defRPr>
+            </a:lvl3pPr>
+            <a:lvl4pPr marL="1828800" marR="0" lvl="3" indent="-342900" algn="l" rtl="0">
+              <a:spcBef>
+                <a:spcPts val="360"/>
+              </a:spcBef>
+              <a:spcAft>
+                <a:spcPts val="0"/>
+              </a:spcAft>
+              <a:buClr>
+                <a:schemeClr val="dk2"/>
+              </a:buClr>
+              <a:buSzPts val="1800"/>
+              <a:buFont typeface="Noto Sans Symbols"/>
+              <a:buChar char="▪"/>
+              <a:defRPr sz="1800" b="0" i="0" u="none" strike="noStrike" cap="none">
+                <a:solidFill>
+                  <a:schemeClr val="dk1"/>
+                </a:solidFill>
+                <a:latin typeface="Arial"/>
+                <a:ea typeface="Arial"/>
+                <a:cs typeface="Arial"/>
+                <a:sym typeface="Arial"/>
+              </a:defRPr>
+            </a:lvl4pPr>
+            <a:lvl5pPr marL="2286000" marR="0" lvl="4" indent="-342900" algn="l" rtl="0">
+              <a:spcBef>
+                <a:spcPts val="360"/>
+              </a:spcBef>
+              <a:spcAft>
+                <a:spcPts val="0"/>
+              </a:spcAft>
+              <a:buClr>
+                <a:schemeClr val="dk2"/>
+              </a:buClr>
+              <a:buSzPts val="1800"/>
+              <a:buFont typeface="Noto Sans Symbols"/>
+              <a:buChar char="▪"/>
+              <a:defRPr sz="1800" b="0" i="0" u="none" strike="noStrike" cap="none">
+                <a:solidFill>
+                  <a:schemeClr val="dk1"/>
+                </a:solidFill>
+                <a:latin typeface="Arial"/>
+                <a:ea typeface="Arial"/>
+                <a:cs typeface="Arial"/>
+                <a:sym typeface="Arial"/>
+              </a:defRPr>
+            </a:lvl5pPr>
+            <a:lvl6pPr marL="2743200" marR="0" lvl="5" indent="-342900" algn="l" rtl="0">
+              <a:spcBef>
+                <a:spcPts val="360"/>
+              </a:spcBef>
+              <a:spcAft>
+                <a:spcPts val="0"/>
+              </a:spcAft>
+              <a:buClr>
+                <a:schemeClr val="folHlink"/>
+              </a:buClr>
+              <a:buSzPts val="1800"/>
+              <a:buFont typeface="Noto Sans Symbols"/>
+              <a:buChar char="▪"/>
+              <a:defRPr sz="1800" b="0" i="0" u="none" strike="noStrike" cap="none">
+                <a:solidFill>
+                  <a:schemeClr val="dk1"/>
+                </a:solidFill>
+                <a:latin typeface="Arial"/>
+                <a:ea typeface="Arial"/>
+                <a:cs typeface="Arial"/>
+                <a:sym typeface="Arial"/>
+              </a:defRPr>
+            </a:lvl6pPr>
+            <a:lvl7pPr marL="3200400" marR="0" lvl="6" indent="-342900" algn="l" rtl="0">
+              <a:spcBef>
+                <a:spcPts val="360"/>
+              </a:spcBef>
+              <a:spcAft>
+                <a:spcPts val="0"/>
+              </a:spcAft>
+              <a:buClr>
+                <a:schemeClr val="folHlink"/>
+              </a:buClr>
+              <a:buSzPts val="1800"/>
+              <a:buFont typeface="Noto Sans Symbols"/>
+              <a:buChar char="▪"/>
+              <a:defRPr sz="1800" b="0" i="0" u="none" strike="noStrike" cap="none">
+                <a:solidFill>
+                  <a:schemeClr val="dk1"/>
+                </a:solidFill>
+                <a:latin typeface="Arial"/>
+                <a:ea typeface="Arial"/>
+                <a:cs typeface="Arial"/>
+                <a:sym typeface="Arial"/>
+              </a:defRPr>
+            </a:lvl7pPr>
+            <a:lvl8pPr marL="3657600" marR="0" lvl="7" indent="-342900" algn="l" rtl="0">
+              <a:spcBef>
+                <a:spcPts val="360"/>
+              </a:spcBef>
+              <a:spcAft>
+                <a:spcPts val="0"/>
+              </a:spcAft>
+              <a:buClr>
+                <a:schemeClr val="folHlink"/>
+              </a:buClr>
+              <a:buSzPts val="1800"/>
+              <a:buFont typeface="Noto Sans Symbols"/>
+              <a:buChar char="▪"/>
+              <a:defRPr sz="1800" b="0" i="0" u="none" strike="noStrike" cap="none">
+                <a:solidFill>
+                  <a:schemeClr val="dk1"/>
+                </a:solidFill>
+                <a:latin typeface="Arial"/>
+                <a:ea typeface="Arial"/>
+                <a:cs typeface="Arial"/>
+                <a:sym typeface="Arial"/>
+              </a:defRPr>
+            </a:lvl8pPr>
+            <a:lvl9pPr marL="4114800" marR="0" lvl="8" indent="-342900" algn="l" rtl="0">
+              <a:spcBef>
+                <a:spcPts val="360"/>
+              </a:spcBef>
+              <a:spcAft>
+                <a:spcPts val="0"/>
+              </a:spcAft>
+              <a:buClr>
+                <a:schemeClr val="folHlink"/>
+              </a:buClr>
+              <a:buSzPts val="1800"/>
+              <a:buFont typeface="Noto Sans Symbols"/>
+              <a:buChar char="▪"/>
+              <a:defRPr sz="1800" b="0" i="0" u="none" strike="noStrike" cap="none">
+                <a:solidFill>
+                  <a:schemeClr val="dk1"/>
+                </a:solidFill>
+                <a:latin typeface="Arial"/>
+                <a:ea typeface="Arial"/>
+                <a:cs typeface="Arial"/>
+                <a:sym typeface="Arial"/>
+              </a:defRPr>
+            </a:lvl9pPr>
+          </a:lstStyle>
+          <a:p>
+            <a:endParaRPr/>
+          </a:p>
+        </p:txBody>
+      </p:sp>
+      <p:sp>
+        <p:nvSpPr>
+          <p:cNvPr id="25" name="Google Shape;25;p26"/>
+          <p:cNvSpPr txBox="1">
+            <a:spLocks noGrp="1"/>
+          </p:cNvSpPr>
+          <p:nvPr>
+            <p:ph type="body" idx="2"/>
+          </p:nvPr>
+        </p:nvSpPr>
+        <p:spPr>
+          <a:xfrm>
+            <a:off x="6191250" y="1828800"/>
+            <a:ext cx="5473700" cy="4048124"/>
+          </a:xfrm>
+          <a:prstGeom prst="rect">
+            <a:avLst/>
+          </a:prstGeom>
+          <a:noFill/>
+          <a:ln>
+            <a:noFill/>
+          </a:ln>
+        </p:spPr>
+        <p:txBody>
+          <a:bodyPr spcFirstLastPara="1" wrap="square" lIns="91425" tIns="45700" rIns="91425" bIns="45700" anchor="t" anchorCtr="0">
+            <a:noAutofit/>
+          </a:bodyPr>
+          <a:lstStyle>
+            <a:lvl1pPr marL="457200" marR="0" lvl="0" indent="-355600" algn="l" rtl="0">
+              <a:spcBef>
+                <a:spcPts val="400"/>
+              </a:spcBef>
+              <a:spcAft>
+                <a:spcPts val="0"/>
+              </a:spcAft>
+              <a:buClr>
+                <a:schemeClr val="dk2"/>
+              </a:buClr>
+              <a:buSzPts val="2000"/>
+              <a:buFont typeface="Noto Sans Symbols"/>
+              <a:buChar char="▪"/>
+              <a:defRPr sz="2000" b="0" i="0" u="none" strike="noStrike" cap="none">
+                <a:solidFill>
+                  <a:schemeClr val="dk1"/>
+                </a:solidFill>
+                <a:latin typeface="Arial"/>
+                <a:ea typeface="Arial"/>
+                <a:cs typeface="Arial"/>
+                <a:sym typeface="Arial"/>
+              </a:defRPr>
+            </a:lvl1pPr>
+            <a:lvl2pPr marL="914400" marR="0" lvl="1" indent="-342900" algn="l" rtl="0">
+              <a:spcBef>
+                <a:spcPts val="360"/>
+              </a:spcBef>
+              <a:spcAft>
+                <a:spcPts val="0"/>
+              </a:spcAft>
+              <a:buClr>
+                <a:schemeClr val="dk2"/>
+              </a:buClr>
+              <a:buSzPts val="1800"/>
+              <a:buFont typeface="Noto Sans Symbols"/>
+              <a:buChar char="▪"/>
+              <a:defRPr sz="1800" b="0" i="0" u="none" strike="noStrike" cap="none">
+                <a:solidFill>
+                  <a:schemeClr val="dk1"/>
+                </a:solidFill>
+                <a:latin typeface="Arial"/>
+                <a:ea typeface="Arial"/>
+                <a:cs typeface="Arial"/>
+                <a:sym typeface="Arial"/>
+              </a:defRPr>
+            </a:lvl2pPr>
+            <a:lvl3pPr marL="1371600" marR="0" lvl="2" indent="-342900" algn="l" rtl="0">
+              <a:spcBef>
+                <a:spcPts val="360"/>
+              </a:spcBef>
+              <a:spcAft>
+                <a:spcPts val="0"/>
+              </a:spcAft>
+              <a:buClr>
+                <a:schemeClr val="dk2"/>
+              </a:buClr>
+              <a:buSzPts val="1800"/>
+              <a:buFont typeface="Noto Sans Symbols"/>
+              <a:buChar char="▪"/>
+              <a:defRPr sz="1800" b="0" i="0" u="none" strike="noStrike" cap="none">
+                <a:solidFill>
+                  <a:schemeClr val="dk1"/>
+                </a:solidFill>
+                <a:latin typeface="Arial"/>
+                <a:ea typeface="Arial"/>
+                <a:cs typeface="Arial"/>
+                <a:sym typeface="Arial"/>
+              </a:defRPr>
+            </a:lvl3pPr>
+            <a:lvl4pPr marL="1828800" marR="0" lvl="3" indent="-342900" algn="l" rtl="0">
+              <a:spcBef>
+                <a:spcPts val="360"/>
+              </a:spcBef>
+              <a:spcAft>
+                <a:spcPts val="0"/>
+              </a:spcAft>
+              <a:buClr>
+                <a:schemeClr val="dk2"/>
+              </a:buClr>
+              <a:buSzPts val="1800"/>
+              <a:buFont typeface="Noto Sans Symbols"/>
+              <a:buChar char="▪"/>
+              <a:defRPr sz="1800" b="0" i="0" u="none" strike="noStrike" cap="none">
+                <a:solidFill>
+                  <a:schemeClr val="dk1"/>
+                </a:solidFill>
+                <a:latin typeface="Arial"/>
+                <a:ea typeface="Arial"/>
+                <a:cs typeface="Arial"/>
+                <a:sym typeface="Arial"/>
+              </a:defRPr>
+            </a:lvl4pPr>
+            <a:lvl5pPr marL="2286000" marR="0" lvl="4" indent="-342900" algn="l" rtl="0">
+              <a:spcBef>
+                <a:spcPts val="360"/>
+              </a:spcBef>
+              <a:spcAft>
+                <a:spcPts val="0"/>
+              </a:spcAft>
+              <a:buClr>
+                <a:schemeClr val="dk2"/>
+              </a:buClr>
+              <a:buSzPts val="1800"/>
+              <a:buFont typeface="Noto Sans Symbols"/>
+              <a:buChar char="▪"/>
+              <a:defRPr sz="1800" b="0" i="0" u="none" strike="noStrike" cap="none">
+                <a:solidFill>
+                  <a:schemeClr val="dk1"/>
+                </a:solidFill>
+                <a:latin typeface="Arial"/>
+                <a:ea typeface="Arial"/>
+                <a:cs typeface="Arial"/>
+                <a:sym typeface="Arial"/>
+              </a:defRPr>
+            </a:lvl5pPr>
+            <a:lvl6pPr marL="2743200" marR="0" lvl="5" indent="-342900" algn="l" rtl="0">
+              <a:spcBef>
+                <a:spcPts val="360"/>
+              </a:spcBef>
+              <a:spcAft>
+                <a:spcPts val="0"/>
+              </a:spcAft>
+              <a:buClr>
+                <a:schemeClr val="folHlink"/>
+              </a:buClr>
+              <a:buSzPts val="1800"/>
+              <a:buFont typeface="Noto Sans Symbols"/>
+              <a:buChar char="▪"/>
+              <a:defRPr sz="1800" b="0" i="0" u="none" strike="noStrike" cap="none">
+                <a:solidFill>
+                  <a:schemeClr val="dk1"/>
+                </a:solidFill>
+                <a:latin typeface="Arial"/>
+                <a:ea typeface="Arial"/>
+                <a:cs typeface="Arial"/>
+                <a:sym typeface="Arial"/>
+              </a:defRPr>
+            </a:lvl6pPr>
+            <a:lvl7pPr marL="3200400" marR="0" lvl="6" indent="-342900" algn="l" rtl="0">
+              <a:spcBef>
+                <a:spcPts val="360"/>
+              </a:spcBef>
+              <a:spcAft>
+                <a:spcPts val="0"/>
+              </a:spcAft>
+              <a:buClr>
+                <a:schemeClr val="folHlink"/>
+              </a:buClr>
+              <a:buSzPts val="1800"/>
+              <a:buFont typeface="Noto Sans Symbols"/>
+              <a:buChar char="▪"/>
+              <a:defRPr sz="1800" b="0" i="0" u="none" strike="noStrike" cap="none">
+                <a:solidFill>
+                  <a:schemeClr val="dk1"/>
+                </a:solidFill>
+                <a:latin typeface="Arial"/>
+                <a:ea typeface="Arial"/>
+                <a:cs typeface="Arial"/>
+                <a:sym typeface="Arial"/>
+              </a:defRPr>
+            </a:lvl7pPr>
+            <a:lvl8pPr marL="3657600" marR="0" lvl="7" indent="-342900" algn="l" rtl="0">
+              <a:spcBef>
+                <a:spcPts val="360"/>
+              </a:spcBef>
+              <a:spcAft>
+                <a:spcPts val="0"/>
+              </a:spcAft>
+              <a:buClr>
+                <a:schemeClr val="folHlink"/>
+              </a:buClr>
+              <a:buSzPts val="1800"/>
+              <a:buFont typeface="Noto Sans Symbols"/>
+              <a:buChar char="▪"/>
+              <a:defRPr sz="1800" b="0" i="0" u="none" strike="noStrike" cap="none">
+                <a:solidFill>
+                  <a:schemeClr val="dk1"/>
+                </a:solidFill>
+                <a:latin typeface="Arial"/>
+                <a:ea typeface="Arial"/>
+                <a:cs typeface="Arial"/>
+                <a:sym typeface="Arial"/>
+              </a:defRPr>
+            </a:lvl8pPr>
+            <a:lvl9pPr marL="4114800" marR="0" lvl="8" indent="-342900" algn="l" rtl="0">
+              <a:spcBef>
+                <a:spcPts val="360"/>
+              </a:spcBef>
+              <a:spcAft>
+                <a:spcPts val="0"/>
+              </a:spcAft>
+              <a:buClr>
+                <a:schemeClr val="folHlink"/>
+              </a:buClr>
+              <a:buSzPts val="1800"/>
+              <a:buFont typeface="Noto Sans Symbols"/>
+              <a:buChar char="▪"/>
+              <a:defRPr sz="1800" b="0" i="0" u="none" strike="noStrike" cap="none">
+                <a:solidFill>
+                  <a:schemeClr val="dk1"/>
+                </a:solidFill>
+                <a:latin typeface="Arial"/>
+                <a:ea typeface="Arial"/>
+                <a:cs typeface="Arial"/>
+                <a:sym typeface="Arial"/>
+              </a:defRPr>
+            </a:lvl9pPr>
+          </a:lstStyle>
+          <a:p>
+            <a:endParaRPr/>
+          </a:p>
+        </p:txBody>
+      </p:sp>
+      <p:sp>
+        <p:nvSpPr>
+          <p:cNvPr id="26" name="Google Shape;26;p26"/>
+          <p:cNvSpPr txBox="1">
+            <a:spLocks noGrp="1"/>
+          </p:cNvSpPr>
+          <p:nvPr>
+            <p:ph type="title"/>
+          </p:nvPr>
+        </p:nvSpPr>
+        <p:spPr>
+          <a:xfrm>
+            <a:off x="527050" y="188913"/>
+            <a:ext cx="11137900" cy="1008062"/>
+          </a:xfrm>
+          <a:prstGeom prst="rect">
+            <a:avLst/>
+          </a:prstGeom>
+          <a:noFill/>
+          <a:ln>
+            <a:noFill/>
+          </a:ln>
+        </p:spPr>
+        <p:txBody>
+          <a:bodyPr spcFirstLastPara="1" wrap="square" lIns="0" tIns="0" rIns="0" bIns="0" anchor="ctr" anchorCtr="0">
+            <a:noAutofit/>
+          </a:bodyPr>
+          <a:lstStyle>
+            <a:lvl1pPr marR="0" lvl="0" algn="l" rtl="0">
+              <a:lnSpc>
+                <a:spcPct val="90000"/>
+              </a:lnSpc>
+              <a:spcBef>
+                <a:spcPts val="0"/>
+              </a:spcBef>
+              <a:spcAft>
+                <a:spcPts val="0"/>
+              </a:spcAft>
+              <a:buSzPts val="1400"/>
+              <a:buNone/>
+              <a:defRPr sz="3200" b="1" i="0" u="none" strike="noStrike" cap="none">
+                <a:solidFill>
+                  <a:schemeClr val="dk2"/>
+                </a:solidFill>
+                <a:latin typeface="Arial"/>
+                <a:ea typeface="Arial"/>
+                <a:cs typeface="Arial"/>
+                <a:sym typeface="Arial"/>
+              </a:defRPr>
+            </a:lvl1pPr>
+            <a:lvl2pPr marR="0" lvl="1" algn="l" rtl="0">
+              <a:lnSpc>
+                <a:spcPct val="90000"/>
+              </a:lnSpc>
+              <a:spcBef>
+                <a:spcPts val="0"/>
+              </a:spcBef>
+              <a:spcAft>
+                <a:spcPts val="0"/>
+              </a:spcAft>
+              <a:buSzPts val="1400"/>
+              <a:buNone/>
+              <a:defRPr sz="3200" b="1" i="0" u="none" strike="noStrike" cap="none">
+                <a:solidFill>
+                  <a:schemeClr val="dk2"/>
+                </a:solidFill>
+                <a:latin typeface="Arial"/>
+                <a:ea typeface="Arial"/>
+                <a:cs typeface="Arial"/>
+                <a:sym typeface="Arial"/>
+              </a:defRPr>
+            </a:lvl2pPr>
+            <a:lvl3pPr marR="0" lvl="2" algn="l" rtl="0">
+              <a:lnSpc>
+                <a:spcPct val="90000"/>
+              </a:lnSpc>
+              <a:spcBef>
+                <a:spcPts val="0"/>
+              </a:spcBef>
+              <a:spcAft>
+                <a:spcPts val="0"/>
+              </a:spcAft>
+              <a:buSzPts val="1400"/>
+              <a:buNone/>
+              <a:defRPr sz="3200" b="1" i="0" u="none" strike="noStrike" cap="none">
+                <a:solidFill>
+                  <a:schemeClr val="dk2"/>
+                </a:solidFill>
+                <a:latin typeface="Arial"/>
+                <a:ea typeface="Arial"/>
+                <a:cs typeface="Arial"/>
+                <a:sym typeface="Arial"/>
+              </a:defRPr>
+            </a:lvl3pPr>
+            <a:lvl4pPr marR="0" lvl="3" algn="l" rtl="0">
+              <a:lnSpc>
+                <a:spcPct val="90000"/>
+              </a:lnSpc>
+              <a:spcBef>
+                <a:spcPts val="0"/>
+              </a:spcBef>
+              <a:spcAft>
+                <a:spcPts val="0"/>
+              </a:spcAft>
+              <a:buSzPts val="1400"/>
+              <a:buNone/>
+              <a:defRPr sz="3200" b="1" i="0" u="none" strike="noStrike" cap="none">
+                <a:solidFill>
+                  <a:schemeClr val="dk2"/>
+                </a:solidFill>
+                <a:latin typeface="Arial"/>
+                <a:ea typeface="Arial"/>
+                <a:cs typeface="Arial"/>
+                <a:sym typeface="Arial"/>
+              </a:defRPr>
+            </a:lvl4pPr>
+            <a:lvl5pPr marR="0" lvl="4" algn="l" rtl="0">
+              <a:lnSpc>
+                <a:spcPct val="90000"/>
+              </a:lnSpc>
+              <a:spcBef>
+                <a:spcPts val="0"/>
+              </a:spcBef>
+              <a:spcAft>
+                <a:spcPts val="0"/>
+              </a:spcAft>
+              <a:buSzPts val="1400"/>
+              <a:buNone/>
+              <a:defRPr sz="3200" b="1" i="0" u="none" strike="noStrike" cap="none">
+                <a:solidFill>
+                  <a:schemeClr val="dk2"/>
+                </a:solidFill>
+                <a:latin typeface="Arial"/>
+                <a:ea typeface="Arial"/>
+                <a:cs typeface="Arial"/>
+                <a:sym typeface="Arial"/>
+              </a:defRPr>
+            </a:lvl5pPr>
+            <a:lvl6pPr marR="0" lvl="5" algn="l" rtl="0">
+              <a:lnSpc>
+                <a:spcPct val="90000"/>
+              </a:lnSpc>
+              <a:spcBef>
+                <a:spcPts val="0"/>
+              </a:spcBef>
+              <a:spcAft>
+                <a:spcPts val="0"/>
+              </a:spcAft>
+              <a:buSzPts val="1400"/>
+              <a:buNone/>
+              <a:defRPr sz="3200" b="1" i="0" u="none" strike="noStrike" cap="none">
+                <a:solidFill>
+                  <a:schemeClr val="dk2"/>
+                </a:solidFill>
+                <a:latin typeface="Arial"/>
+                <a:ea typeface="Arial"/>
+                <a:cs typeface="Arial"/>
+                <a:sym typeface="Arial"/>
+              </a:defRPr>
+            </a:lvl6pPr>
+            <a:lvl7pPr marR="0" lvl="6" algn="l" rtl="0">
+              <a:lnSpc>
+                <a:spcPct val="90000"/>
+              </a:lnSpc>
+              <a:spcBef>
+                <a:spcPts val="0"/>
+              </a:spcBef>
+              <a:spcAft>
+                <a:spcPts val="0"/>
+              </a:spcAft>
+              <a:buSzPts val="1400"/>
+              <a:buNone/>
+              <a:defRPr sz="3200" b="1" i="0" u="none" strike="noStrike" cap="none">
+                <a:solidFill>
+                  <a:schemeClr val="dk2"/>
+                </a:solidFill>
+                <a:latin typeface="Arial"/>
+                <a:ea typeface="Arial"/>
+                <a:cs typeface="Arial"/>
+                <a:sym typeface="Arial"/>
+              </a:defRPr>
+            </a:lvl7pPr>
+            <a:lvl8pPr marR="0" lvl="7" algn="l" rtl="0">
+              <a:lnSpc>
+                <a:spcPct val="90000"/>
+              </a:lnSpc>
+              <a:spcBef>
+                <a:spcPts val="0"/>
+              </a:spcBef>
+              <a:spcAft>
+                <a:spcPts val="0"/>
+              </a:spcAft>
+              <a:buSzPts val="1400"/>
+              <a:buNone/>
+              <a:defRPr sz="3200" b="1" i="0" u="none" strike="noStrike" cap="none">
+                <a:solidFill>
+                  <a:schemeClr val="dk2"/>
+                </a:solidFill>
+                <a:latin typeface="Arial"/>
+                <a:ea typeface="Arial"/>
+                <a:cs typeface="Arial"/>
+                <a:sym typeface="Arial"/>
+              </a:defRPr>
+            </a:lvl8pPr>
+            <a:lvl9pPr marR="0" lvl="8" algn="l" rtl="0">
+              <a:lnSpc>
+                <a:spcPct val="90000"/>
+              </a:lnSpc>
+              <a:spcBef>
+                <a:spcPts val="0"/>
+              </a:spcBef>
+              <a:spcAft>
+                <a:spcPts val="0"/>
+              </a:spcAft>
+              <a:buSzPts val="1400"/>
+              <a:buNone/>
+              <a:defRPr sz="3200" b="1" i="0" u="none" strike="noStrike" cap="none">
+                <a:solidFill>
+                  <a:schemeClr val="dk2"/>
+                </a:solidFill>
+                <a:latin typeface="Arial"/>
+                <a:ea typeface="Arial"/>
+                <a:cs typeface="Arial"/>
+                <a:sym typeface="Arial"/>
+              </a:defRPr>
+            </a:lvl9pPr>
+          </a:lstStyle>
+          <a:p>
+            <a:endParaRPr/>
+          </a:p>
+        </p:txBody>
+      </p:sp>
+      <p:sp>
+        <p:nvSpPr>
+          <p:cNvPr id="27" name="Google Shape;27;p26"/>
+          <p:cNvSpPr txBox="1">
+            <a:spLocks noGrp="1"/>
+          </p:cNvSpPr>
+          <p:nvPr>
+            <p:ph type="body" idx="3"/>
+          </p:nvPr>
+        </p:nvSpPr>
+        <p:spPr>
+          <a:xfrm>
+            <a:off x="527051" y="1268413"/>
+            <a:ext cx="11156949" cy="504000"/>
+          </a:xfrm>
+          <a:prstGeom prst="rect">
+            <a:avLst/>
+          </a:prstGeom>
+          <a:solidFill>
+            <a:schemeClr val="accent5"/>
+          </a:solidFill>
+          <a:ln>
+            <a:noFill/>
+          </a:ln>
+        </p:spPr>
+        <p:txBody>
+          <a:bodyPr spcFirstLastPara="1" wrap="square" lIns="91425" tIns="45700" rIns="91425" bIns="45700" anchor="ctr" anchorCtr="0">
+            <a:noAutofit/>
+          </a:bodyPr>
+          <a:lstStyle>
+            <a:lvl1pPr marL="457200" marR="0" lvl="0" indent="-228600" algn="l" rtl="0">
+              <a:spcBef>
+                <a:spcPts val="480"/>
+              </a:spcBef>
+              <a:spcAft>
+                <a:spcPts val="0"/>
+              </a:spcAft>
+              <a:buClr>
+                <a:schemeClr val="folHlink"/>
+              </a:buClr>
+              <a:buSzPts val="2400"/>
+              <a:buFont typeface="Noto Sans Symbols"/>
+              <a:buNone/>
+              <a:defRPr sz="2400" b="1" i="0" u="none" strike="noStrike" cap="none">
+                <a:solidFill>
+                  <a:schemeClr val="lt1"/>
+                </a:solidFill>
+                <a:latin typeface="Arial"/>
+                <a:ea typeface="Arial"/>
+                <a:cs typeface="Arial"/>
+                <a:sym typeface="Arial"/>
+              </a:defRPr>
+            </a:lvl1pPr>
+            <a:lvl2pPr marL="914400" marR="0" lvl="1" indent="-381000" algn="l" rtl="0">
+              <a:spcBef>
+                <a:spcPts val="480"/>
+              </a:spcBef>
+              <a:spcAft>
+                <a:spcPts val="0"/>
+              </a:spcAft>
+              <a:buClr>
+                <a:schemeClr val="folHlink"/>
+              </a:buClr>
+              <a:buSzPts val="2400"/>
+              <a:buFont typeface="Noto Sans Symbols"/>
+              <a:buChar char="▪"/>
+              <a:defRPr sz="2400" b="0" i="0" u="none" strike="noStrike" cap="none">
+                <a:solidFill>
+                  <a:schemeClr val="dk1"/>
+                </a:solidFill>
+                <a:latin typeface="Arial"/>
+                <a:ea typeface="Arial"/>
+                <a:cs typeface="Arial"/>
+                <a:sym typeface="Arial"/>
+              </a:defRPr>
+            </a:lvl2pPr>
+            <a:lvl3pPr marL="1371600" marR="0" lvl="2" indent="-381000" algn="l" rtl="0">
+              <a:spcBef>
+                <a:spcPts val="480"/>
+              </a:spcBef>
+              <a:spcAft>
+                <a:spcPts val="0"/>
+              </a:spcAft>
+              <a:buClr>
+                <a:schemeClr val="folHlink"/>
+              </a:buClr>
+              <a:buSzPts val="2400"/>
+              <a:buFont typeface="Noto Sans Symbols"/>
+              <a:buChar char="▪"/>
+              <a:defRPr sz="2400" b="0" i="0" u="none" strike="noStrike" cap="none">
+                <a:solidFill>
+                  <a:schemeClr val="dk1"/>
+                </a:solidFill>
+                <a:latin typeface="Arial"/>
+                <a:ea typeface="Arial"/>
+                <a:cs typeface="Arial"/>
+                <a:sym typeface="Arial"/>
+              </a:defRPr>
+            </a:lvl3pPr>
+            <a:lvl4pPr marL="1828800" marR="0" lvl="3" indent="-381000" algn="l" rtl="0">
+              <a:spcBef>
+                <a:spcPts val="480"/>
+              </a:spcBef>
+              <a:spcAft>
+                <a:spcPts val="0"/>
+              </a:spcAft>
+              <a:buClr>
+                <a:schemeClr val="folHlink"/>
+              </a:buClr>
+              <a:buSzPts val="2400"/>
+              <a:buFont typeface="Noto Sans Symbols"/>
+              <a:buChar char="▪"/>
+              <a:defRPr sz="2400" b="0" i="0" u="none" strike="noStrike" cap="none">
+                <a:solidFill>
+                  <a:schemeClr val="dk1"/>
+                </a:solidFill>
+                <a:latin typeface="Arial"/>
+                <a:ea typeface="Arial"/>
+                <a:cs typeface="Arial"/>
+                <a:sym typeface="Arial"/>
+              </a:defRPr>
+            </a:lvl4pPr>
+            <a:lvl5pPr marL="2286000" marR="0" lvl="4" indent="-381000" algn="l" rtl="0">
+              <a:spcBef>
+                <a:spcPts val="480"/>
+              </a:spcBef>
+              <a:spcAft>
+                <a:spcPts val="0"/>
+              </a:spcAft>
+              <a:buClr>
+                <a:schemeClr val="folHlink"/>
+              </a:buClr>
+              <a:buSzPts val="2400"/>
+              <a:buFont typeface="Noto Sans Symbols"/>
+              <a:buChar char="▪"/>
+              <a:defRPr sz="2400" b="0" i="0" u="none" strike="noStrike" cap="none">
+                <a:solidFill>
+                  <a:schemeClr val="dk1"/>
+                </a:solidFill>
+                <a:latin typeface="Arial"/>
+                <a:ea typeface="Arial"/>
+                <a:cs typeface="Arial"/>
+                <a:sym typeface="Arial"/>
+              </a:defRPr>
+            </a:lvl5pPr>
+            <a:lvl6pPr marL="2743200" marR="0" lvl="5" indent="-342900" algn="l" rtl="0">
+              <a:spcBef>
+                <a:spcPts val="360"/>
+              </a:spcBef>
+              <a:spcAft>
+                <a:spcPts val="0"/>
+              </a:spcAft>
+              <a:buClr>
+                <a:schemeClr val="folHlink"/>
+              </a:buClr>
+              <a:buSzPts val="1800"/>
+              <a:buFont typeface="Noto Sans Symbols"/>
+              <a:buChar char="▪"/>
+              <a:defRPr sz="1800" b="0" i="0" u="none" strike="noStrike" cap="none">
+                <a:solidFill>
+                  <a:schemeClr val="dk1"/>
+                </a:solidFill>
+                <a:latin typeface="Arial"/>
+                <a:ea typeface="Arial"/>
+                <a:cs typeface="Arial"/>
+                <a:sym typeface="Arial"/>
+              </a:defRPr>
+            </a:lvl6pPr>
+            <a:lvl7pPr marL="3200400" marR="0" lvl="6" indent="-342900" algn="l" rtl="0">
+              <a:spcBef>
+                <a:spcPts val="360"/>
+              </a:spcBef>
+              <a:spcAft>
+                <a:spcPts val="0"/>
+              </a:spcAft>
+              <a:buClr>
+                <a:schemeClr val="folHlink"/>
+              </a:buClr>
+              <a:buSzPts val="1800"/>
+              <a:buFont typeface="Noto Sans Symbols"/>
+              <a:buChar char="▪"/>
+              <a:defRPr sz="1800" b="0" i="0" u="none" strike="noStrike" cap="none">
+                <a:solidFill>
+                  <a:schemeClr val="dk1"/>
+                </a:solidFill>
+                <a:latin typeface="Arial"/>
+                <a:ea typeface="Arial"/>
+                <a:cs typeface="Arial"/>
+                <a:sym typeface="Arial"/>
+              </a:defRPr>
+            </a:lvl7pPr>
+            <a:lvl8pPr marL="3657600" marR="0" lvl="7" indent="-342900" algn="l" rtl="0">
+              <a:spcBef>
+                <a:spcPts val="360"/>
+              </a:spcBef>
+              <a:spcAft>
+                <a:spcPts val="0"/>
+              </a:spcAft>
+              <a:buClr>
+                <a:schemeClr val="folHlink"/>
+              </a:buClr>
+              <a:buSzPts val="1800"/>
+              <a:buFont typeface="Noto Sans Symbols"/>
+              <a:buChar char="▪"/>
+              <a:defRPr sz="1800" b="0" i="0" u="none" strike="noStrike" cap="none">
+                <a:solidFill>
+                  <a:schemeClr val="dk1"/>
+                </a:solidFill>
+                <a:latin typeface="Arial"/>
+                <a:ea typeface="Arial"/>
+                <a:cs typeface="Arial"/>
+                <a:sym typeface="Arial"/>
+              </a:defRPr>
+            </a:lvl8pPr>
+            <a:lvl9pPr marL="4114800" marR="0" lvl="8" indent="-342900" algn="l" rtl="0">
+              <a:spcBef>
+                <a:spcPts val="360"/>
+              </a:spcBef>
+              <a:spcAft>
+                <a:spcPts val="0"/>
+              </a:spcAft>
+              <a:buClr>
+                <a:schemeClr val="folHlink"/>
+              </a:buClr>
+              <a:buSzPts val="1800"/>
+              <a:buFont typeface="Noto Sans Symbols"/>
+              <a:buChar char="▪"/>
+              <a:defRPr sz="1800" b="0" i="0" u="none" strike="noStrike" cap="none">
+                <a:solidFill>
+                  <a:schemeClr val="dk1"/>
+                </a:solidFill>
+                <a:latin typeface="Arial"/>
+                <a:ea typeface="Arial"/>
+                <a:cs typeface="Arial"/>
+                <a:sym typeface="Arial"/>
+              </a:defRPr>
+            </a:lvl9pPr>
+          </a:lstStyle>
+          <a:p>
+            <a:endParaRPr/>
+          </a:p>
+        </p:txBody>
+      </p:sp>
+    </p:spTree>
+    <p:extLst>
+      <p:ext uri="{BB962C8B-B14F-4D97-AF65-F5344CB8AC3E}">
+        <p14:creationId xmlns:p14="http://schemas.microsoft.com/office/powerpoint/2010/main" val="1174586529"/>
+      </p:ext>
+    </p:extLst>
+  </p:cSld>
+  <p:clrMapOvr>
+    <a:masterClrMapping/>
+  </p:clrMapOvr>
+</p:sldLayout>
+</file>
+
 <file path=ppt/slideLayouts/slideLayout2.xml><?xml version="1.0" encoding="utf-8"?>
 <p:sldLayout xmlns:a="http://schemas.openxmlformats.org/drawingml/2006/main" xmlns:r="http://schemas.openxmlformats.org/officeDocument/2006/relationships" xmlns:p="http://schemas.openxmlformats.org/presentationml/2006/main" preserve="1" userDrawn="1">
   <p:cSld name="1_P14 title, content">
@@ -3734,6 +4803,7 @@
     <p:sldLayoutId id="2147483686" r:id="rId12"/>
     <p:sldLayoutId id="2147483690" r:id="rId13"/>
     <p:sldLayoutId id="2147483688" r:id="rId14"/>
+    <p:sldLayoutId id="2147483691" r:id="rId15"/>
   </p:sldLayoutIdLst>
   <p:hf sldNum="0" hdr="0" ftr="0" dt="0"/>
   <p:txStyles>
@@ -4251,14 +5321,55 @@
         </p:blipFill>
         <p:spPr>
           <a:xfrm>
-            <a:off x="6096000" y="1244600"/>
-            <a:ext cx="5257800" cy="2463800"/>
+            <a:off x="6815847" y="4031547"/>
+            <a:ext cx="3699753" cy="1733701"/>
           </a:xfrm>
           <a:prstGeom prst="rect">
             <a:avLst/>
           </a:prstGeom>
         </p:spPr>
       </p:pic>
+      <p:sp>
+        <p:nvSpPr>
+          <p:cNvPr id="3" name="TextBox 2">
+            <a:extLst>
+              <a:ext uri="{FF2B5EF4-FFF2-40B4-BE49-F238E27FC236}">
+                <a16:creationId xmlns:a16="http://schemas.microsoft.com/office/drawing/2014/main" id="{DE408C9E-511E-7B7A-89A2-3AB8B4B030AC}"/>
+              </a:ext>
+            </a:extLst>
+          </p:cNvPr>
+          <p:cNvSpPr txBox="1"/>
+          <p:nvPr/>
+        </p:nvSpPr>
+        <p:spPr>
+          <a:xfrm>
+            <a:off x="1177047" y="700392"/>
+            <a:ext cx="6634264" cy="2554545"/>
+          </a:xfrm>
+          <a:prstGeom prst="rect">
+            <a:avLst/>
+          </a:prstGeom>
+          <a:noFill/>
+        </p:spPr>
+        <p:txBody>
+          <a:bodyPr wrap="square" rtlCol="0">
+            <a:spAutoFit/>
+          </a:bodyPr>
+          <a:lstStyle/>
+          <a:p>
+            <a:r>
+              <a:rPr lang="en-US" sz="8000" b="1" dirty="0">
+                <a:solidFill>
+                  <a:schemeClr val="accent6">
+                    <a:lumMod val="75000"/>
+                  </a:schemeClr>
+                </a:solidFill>
+              </a:rPr>
+              <a:t>Data Science Salaries</a:t>
+            </a:r>
+          </a:p>
+        </p:txBody>
+      </p:sp>
     </p:spTree>
     <p:extLst>
       <p:ext uri="{BB962C8B-B14F-4D97-AF65-F5344CB8AC3E}">
@@ -4273,6 +5384,494 @@
 </file>
 
 <file path=ppt/slides/slide10.xml><?xml version="1.0" encoding="utf-8"?>
+<p:sld xmlns:a="http://schemas.openxmlformats.org/drawingml/2006/main" xmlns:r="http://schemas.openxmlformats.org/officeDocument/2006/relationships" xmlns:p="http://schemas.openxmlformats.org/presentationml/2006/main">
+  <p:cSld>
+    <p:spTree>
+      <p:nvGrpSpPr>
+        <p:cNvPr id="1" name=""/>
+        <p:cNvGrpSpPr/>
+        <p:nvPr/>
+      </p:nvGrpSpPr>
+      <p:grpSpPr>
+        <a:xfrm>
+          <a:off x="0" y="0"/>
+          <a:ext cx="0" cy="0"/>
+          <a:chOff x="0" y="0"/>
+          <a:chExt cx="0" cy="0"/>
+        </a:xfrm>
+      </p:grpSpPr>
+      <p:sp>
+        <p:nvSpPr>
+          <p:cNvPr id="4" name="Title 3">
+            <a:extLst>
+              <a:ext uri="{FF2B5EF4-FFF2-40B4-BE49-F238E27FC236}">
+                <a16:creationId xmlns:a16="http://schemas.microsoft.com/office/drawing/2014/main" id="{F9D439AE-488A-332D-0ECD-6E6A2D375E4E}"/>
+              </a:ext>
+            </a:extLst>
+          </p:cNvPr>
+          <p:cNvSpPr>
+            <a:spLocks noGrp="1"/>
+          </p:cNvSpPr>
+          <p:nvPr>
+            <p:ph type="title"/>
+          </p:nvPr>
+        </p:nvSpPr>
+        <p:spPr/>
+        <p:txBody>
+          <a:bodyPr/>
+          <a:lstStyle/>
+          <a:p>
+            <a:r>
+              <a:rPr lang="en-US" dirty="0"/>
+              <a:t>Average Salaries by Location</a:t>
+            </a:r>
+          </a:p>
+        </p:txBody>
+      </p:sp>
+      <p:sp>
+        <p:nvSpPr>
+          <p:cNvPr id="5" name="Content Placeholder 4">
+            <a:extLst>
+              <a:ext uri="{FF2B5EF4-FFF2-40B4-BE49-F238E27FC236}">
+                <a16:creationId xmlns:a16="http://schemas.microsoft.com/office/drawing/2014/main" id="{B0CB3829-C73B-80C7-909D-0576EA455126}"/>
+              </a:ext>
+            </a:extLst>
+          </p:cNvPr>
+          <p:cNvSpPr>
+            <a:spLocks noGrp="1"/>
+          </p:cNvSpPr>
+          <p:nvPr>
+            <p:ph sz="half" idx="10"/>
+          </p:nvPr>
+        </p:nvSpPr>
+        <p:spPr/>
+        <p:txBody>
+          <a:bodyPr/>
+          <a:lstStyle/>
+          <a:p>
+            <a:r>
+              <a:rPr lang="en-US" dirty="0"/>
+              <a:t>https://jeffpinegar.github.io/Kristina_Location.html</a:t>
+            </a:r>
+          </a:p>
+        </p:txBody>
+      </p:sp>
+      <p:pic>
+        <p:nvPicPr>
+          <p:cNvPr id="8" name="Picture 7">
+            <a:extLst>
+              <a:ext uri="{FF2B5EF4-FFF2-40B4-BE49-F238E27FC236}">
+                <a16:creationId xmlns:a16="http://schemas.microsoft.com/office/drawing/2014/main" id="{B03C4812-1F1A-BBD0-F5F2-472247A161F9}"/>
+              </a:ext>
+            </a:extLst>
+          </p:cNvPr>
+          <p:cNvPicPr>
+            <a:picLocks noChangeAspect="1"/>
+          </p:cNvPicPr>
+          <p:nvPr/>
+        </p:nvPicPr>
+        <p:blipFill>
+          <a:blip r:embed="rId2"/>
+          <a:stretch>
+            <a:fillRect/>
+          </a:stretch>
+        </p:blipFill>
+        <p:spPr>
+          <a:xfrm>
+            <a:off x="237595" y="2029202"/>
+            <a:ext cx="7485649" cy="4353897"/>
+          </a:xfrm>
+          <a:prstGeom prst="rect">
+            <a:avLst/>
+          </a:prstGeom>
+        </p:spPr>
+      </p:pic>
+      <p:sp>
+        <p:nvSpPr>
+          <p:cNvPr id="9" name="TextBox 8">
+            <a:extLst>
+              <a:ext uri="{FF2B5EF4-FFF2-40B4-BE49-F238E27FC236}">
+                <a16:creationId xmlns:a16="http://schemas.microsoft.com/office/drawing/2014/main" id="{28EEF246-1A81-55B3-9570-A81FB8C84A7B}"/>
+              </a:ext>
+            </a:extLst>
+          </p:cNvPr>
+          <p:cNvSpPr txBox="1"/>
+          <p:nvPr/>
+        </p:nvSpPr>
+        <p:spPr>
+          <a:xfrm>
+            <a:off x="7580384" y="1919562"/>
+            <a:ext cx="4374021" cy="4524315"/>
+          </a:xfrm>
+          <a:prstGeom prst="rect">
+            <a:avLst/>
+          </a:prstGeom>
+          <a:noFill/>
+        </p:spPr>
+        <p:txBody>
+          <a:bodyPr wrap="square" rtlCol="0">
+            <a:spAutoFit/>
+          </a:bodyPr>
+          <a:lstStyle/>
+          <a:p>
+            <a:pPr algn="ctr"/>
+            <a:r>
+              <a:rPr lang="en-US" sz="3200" b="1" dirty="0"/>
+              <a:t>The Story</a:t>
+            </a:r>
+          </a:p>
+          <a:p>
+            <a:pPr marL="282575" indent="-282575">
+              <a:buSzPct val="100000"/>
+              <a:buFont typeface="Wingdings" panose="05000000000000000000" pitchFamily="2" charset="2"/>
+              <a:buChar char="§"/>
+            </a:pPr>
+            <a:r>
+              <a:rPr lang="en-US" sz="1200" dirty="0"/>
+              <a:t>607 reported salaries, 50 different countries</a:t>
+            </a:r>
+          </a:p>
+          <a:p>
+            <a:pPr marL="282575" indent="-282575">
+              <a:buSzPct val="100000"/>
+              <a:buFont typeface="Wingdings" panose="05000000000000000000" pitchFamily="2" charset="2"/>
+              <a:buChar char="§"/>
+            </a:pPr>
+            <a:r>
+              <a:rPr lang="en-US" sz="1200" dirty="0"/>
+              <a:t>Years 2020-2022 collectively averaged</a:t>
+            </a:r>
+          </a:p>
+          <a:p>
+            <a:pPr marL="282575" indent="-282575">
+              <a:buSzPct val="100000"/>
+              <a:buFont typeface="Wingdings" panose="05000000000000000000" pitchFamily="2" charset="2"/>
+              <a:buChar char="§"/>
+            </a:pPr>
+            <a:r>
+              <a:rPr lang="en-US" sz="1200" dirty="0"/>
+              <a:t>Country with the highest amount of collected data: US (840)</a:t>
+            </a:r>
+          </a:p>
+          <a:p>
+            <a:pPr marL="282575" indent="-282575">
+              <a:buSzPct val="100000"/>
+              <a:buFont typeface="Wingdings" panose="05000000000000000000" pitchFamily="2" charset="2"/>
+              <a:buChar char="§"/>
+            </a:pPr>
+            <a:r>
+              <a:rPr lang="en-US" sz="1200" dirty="0"/>
+              <a:t>Country with the least amount of collected data: Afghanistan (4)</a:t>
+            </a:r>
+          </a:p>
+          <a:p>
+            <a:pPr marL="282575" indent="-282575">
+              <a:buSzPct val="100000"/>
+              <a:buFont typeface="Wingdings" panose="05000000000000000000" pitchFamily="2" charset="2"/>
+              <a:buChar char="§"/>
+            </a:pPr>
+            <a:r>
+              <a:rPr lang="en-US" sz="1200" dirty="0"/>
+              <a:t>Year with the highest amount of reported data: 2022</a:t>
+            </a:r>
+          </a:p>
+          <a:p>
+            <a:pPr marL="282575" indent="-282575">
+              <a:buSzPct val="100000"/>
+              <a:buFont typeface="Wingdings" panose="05000000000000000000" pitchFamily="2" charset="2"/>
+              <a:buChar char="§"/>
+            </a:pPr>
+            <a:r>
+              <a:rPr lang="en-US" sz="1200" dirty="0"/>
+              <a:t>Highest reported salary:  $157, 500 (Russia)</a:t>
+            </a:r>
+          </a:p>
+          <a:p>
+            <a:pPr marL="282575" indent="-282575">
+              <a:buSzPct val="100000"/>
+              <a:buFont typeface="Wingdings" panose="05000000000000000000" pitchFamily="2" charset="2"/>
+              <a:buChar char="§"/>
+            </a:pPr>
+            <a:r>
+              <a:rPr lang="en-US" sz="1200" dirty="0"/>
+              <a:t>Lowest reported salaries: $4000 (Vietnam &amp; Iran)</a:t>
+            </a:r>
+          </a:p>
+          <a:p>
+            <a:pPr marL="282575" indent="-282575">
+              <a:buSzPct val="100000"/>
+              <a:buFont typeface="Wingdings" panose="05000000000000000000" pitchFamily="2" charset="2"/>
+              <a:buChar char="§"/>
+            </a:pPr>
+            <a:r>
+              <a:rPr lang="en-US" sz="1200" dirty="0"/>
+              <a:t>Countries that pay the most: Russia, the US, New Zealand, Israel, Japan</a:t>
+            </a:r>
+          </a:p>
+          <a:p>
+            <a:pPr marL="282575" indent="-282575">
+              <a:buSzPct val="100000"/>
+              <a:buFont typeface="Wingdings" panose="05000000000000000000" pitchFamily="2" charset="2"/>
+              <a:buChar char="§"/>
+            </a:pPr>
+            <a:r>
+              <a:rPr lang="en-US" sz="1200" dirty="0"/>
+              <a:t>Countries that pay the least: Ukraine, Pakistan, Kenya, Vietnam, Iran</a:t>
+            </a:r>
+          </a:p>
+          <a:p>
+            <a:pPr marL="457200" indent="-457200">
+              <a:buSzPct val="100000"/>
+              <a:buFont typeface="System Font Regular"/>
+              <a:buChar char="﹩"/>
+            </a:pPr>
+            <a:endParaRPr lang="en-US" sz="1200" dirty="0"/>
+          </a:p>
+          <a:p>
+            <a:pPr marL="233363">
+              <a:buSzPct val="100000"/>
+            </a:pPr>
+            <a:r>
+              <a:rPr lang="en-US" sz="1600" dirty="0"/>
+              <a:t>The best places to work as a data scientist if the salary were the only factor are Russia, the United States, New Zealand, Israel, and Japan.</a:t>
+            </a:r>
+          </a:p>
+          <a:p>
+            <a:pPr marL="233363">
+              <a:buSzPct val="100000"/>
+              <a:buFont typeface="System Font Regular"/>
+              <a:buChar char="﹩"/>
+            </a:pPr>
+            <a:endParaRPr lang="en-US" sz="1200" dirty="0"/>
+          </a:p>
+          <a:p>
+            <a:pPr>
+              <a:buSzPct val="100000"/>
+            </a:pPr>
+            <a:endParaRPr lang="en-US" sz="1200" dirty="0"/>
+          </a:p>
+        </p:txBody>
+      </p:sp>
+      <p:pic>
+        <p:nvPicPr>
+          <p:cNvPr id="2" name="Picture 1">
+            <a:extLst>
+              <a:ext uri="{FF2B5EF4-FFF2-40B4-BE49-F238E27FC236}">
+                <a16:creationId xmlns:a16="http://schemas.microsoft.com/office/drawing/2014/main" id="{EDBEB19F-D011-290D-1A69-E2454486CF36}"/>
+              </a:ext>
+            </a:extLst>
+          </p:cNvPr>
+          <p:cNvPicPr>
+            <a:picLocks noChangeAspect="1"/>
+          </p:cNvPicPr>
+          <p:nvPr/>
+        </p:nvPicPr>
+        <p:blipFill>
+          <a:blip r:embed="rId3"/>
+          <a:stretch>
+            <a:fillRect/>
+          </a:stretch>
+        </p:blipFill>
+        <p:spPr>
+          <a:xfrm>
+            <a:off x="11303272" y="58368"/>
+            <a:ext cx="830360" cy="389106"/>
+          </a:xfrm>
+          <a:prstGeom prst="rect">
+            <a:avLst/>
+          </a:prstGeom>
+        </p:spPr>
+      </p:pic>
+    </p:spTree>
+    <p:extLst>
+      <p:ext uri="{BB962C8B-B14F-4D97-AF65-F5344CB8AC3E}">
+        <p14:creationId xmlns:p14="http://schemas.microsoft.com/office/powerpoint/2010/main" val="3778105610"/>
+      </p:ext>
+    </p:extLst>
+  </p:cSld>
+  <p:clrMapOvr>
+    <a:masterClrMapping/>
+  </p:clrMapOvr>
+</p:sld>
+</file>
+
+<file path=ppt/slides/slide11.xml><?xml version="1.0" encoding="utf-8"?>
+<p:sld xmlns:a="http://schemas.openxmlformats.org/drawingml/2006/main" xmlns:r="http://schemas.openxmlformats.org/officeDocument/2006/relationships" xmlns:p="http://schemas.openxmlformats.org/presentationml/2006/main">
+  <p:cSld>
+    <p:spTree>
+      <p:nvGrpSpPr>
+        <p:cNvPr id="1" name=""/>
+        <p:cNvGrpSpPr/>
+        <p:nvPr/>
+      </p:nvGrpSpPr>
+      <p:grpSpPr>
+        <a:xfrm>
+          <a:off x="0" y="0"/>
+          <a:ext cx="0" cy="0"/>
+          <a:chOff x="0" y="0"/>
+          <a:chExt cx="0" cy="0"/>
+        </a:xfrm>
+      </p:grpSpPr>
+      <p:sp>
+        <p:nvSpPr>
+          <p:cNvPr id="3" name="Content Placeholder 2">
+            <a:extLst>
+              <a:ext uri="{FF2B5EF4-FFF2-40B4-BE49-F238E27FC236}">
+                <a16:creationId xmlns:a16="http://schemas.microsoft.com/office/drawing/2014/main" id="{DE1E9757-86EB-473F-E63E-3FCB7FD4F86E}"/>
+              </a:ext>
+            </a:extLst>
+          </p:cNvPr>
+          <p:cNvSpPr>
+            <a:spLocks noGrp="1"/>
+          </p:cNvSpPr>
+          <p:nvPr>
+            <p:ph sz="half" idx="2"/>
+          </p:nvPr>
+        </p:nvSpPr>
+        <p:spPr>
+          <a:xfrm>
+            <a:off x="527050" y="1828800"/>
+            <a:ext cx="11137900" cy="4048124"/>
+          </a:xfrm>
+        </p:spPr>
+        <p:txBody>
+          <a:bodyPr/>
+          <a:lstStyle/>
+          <a:p>
+            <a:r>
+              <a:rPr lang="en-US" dirty="0"/>
+              <a:t>Questions explored: </a:t>
+            </a:r>
+          </a:p>
+          <a:p>
+            <a:pPr lvl="1"/>
+            <a:r>
+              <a:rPr lang="en-US" dirty="0"/>
+              <a:t>How does salary vary by experience level?</a:t>
+            </a:r>
+          </a:p>
+          <a:p>
+            <a:pPr lvl="1"/>
+            <a:r>
+              <a:rPr lang="en-US" dirty="0"/>
+              <a:t>How has the level of employment changed with time?</a:t>
+            </a:r>
+          </a:p>
+          <a:p>
+            <a:pPr lvl="1"/>
+            <a:r>
+              <a:rPr lang="en-US" dirty="0"/>
+              <a:t>How do salaries vary by job title</a:t>
+            </a:r>
+          </a:p>
+          <a:p>
+            <a:r>
+              <a:rPr lang="en-US" dirty="0"/>
+              <a:t>The questions were examined for the whole data set and for USA alone</a:t>
+            </a:r>
+          </a:p>
+        </p:txBody>
+      </p:sp>
+      <p:sp>
+        <p:nvSpPr>
+          <p:cNvPr id="4" name="Title 3">
+            <a:extLst>
+              <a:ext uri="{FF2B5EF4-FFF2-40B4-BE49-F238E27FC236}">
+                <a16:creationId xmlns:a16="http://schemas.microsoft.com/office/drawing/2014/main" id="{F9D439AE-488A-332D-0ECD-6E6A2D375E4E}"/>
+              </a:ext>
+            </a:extLst>
+          </p:cNvPr>
+          <p:cNvSpPr>
+            <a:spLocks noGrp="1"/>
+          </p:cNvSpPr>
+          <p:nvPr>
+            <p:ph type="title"/>
+          </p:nvPr>
+        </p:nvSpPr>
+        <p:spPr/>
+        <p:txBody>
+          <a:bodyPr/>
+          <a:lstStyle/>
+          <a:p>
+            <a:r>
+              <a:rPr lang="en-US" dirty="0"/>
+              <a:t>Machine learning</a:t>
+            </a:r>
+          </a:p>
+        </p:txBody>
+      </p:sp>
+      <p:sp>
+        <p:nvSpPr>
+          <p:cNvPr id="5" name="Content Placeholder 4">
+            <a:extLst>
+              <a:ext uri="{FF2B5EF4-FFF2-40B4-BE49-F238E27FC236}">
+                <a16:creationId xmlns:a16="http://schemas.microsoft.com/office/drawing/2014/main" id="{B0CB3829-C73B-80C7-909D-0576EA455126}"/>
+              </a:ext>
+            </a:extLst>
+          </p:cNvPr>
+          <p:cNvSpPr>
+            <a:spLocks noGrp="1"/>
+          </p:cNvSpPr>
+          <p:nvPr>
+            <p:ph sz="half" idx="10"/>
+          </p:nvPr>
+        </p:nvSpPr>
+        <p:spPr/>
+        <p:txBody>
+          <a:bodyPr/>
+          <a:lstStyle/>
+          <a:p>
+            <a:r>
+              <a:rPr lang="en-US" dirty="0"/>
+              <a:t>https://jeffpinegar.github.io/Jeff_Machine_Learning.html</a:t>
+            </a:r>
+          </a:p>
+        </p:txBody>
+      </p:sp>
+      <p:pic>
+        <p:nvPicPr>
+          <p:cNvPr id="7" name="Picture 6">
+            <a:extLst>
+              <a:ext uri="{FF2B5EF4-FFF2-40B4-BE49-F238E27FC236}">
+                <a16:creationId xmlns:a16="http://schemas.microsoft.com/office/drawing/2014/main" id="{28F94FFE-006C-8CFB-E059-C6230A937E7E}"/>
+              </a:ext>
+            </a:extLst>
+          </p:cNvPr>
+          <p:cNvPicPr>
+            <a:picLocks noChangeAspect="1"/>
+          </p:cNvPicPr>
+          <p:nvPr/>
+        </p:nvPicPr>
+        <p:blipFill>
+          <a:blip r:embed="rId2"/>
+          <a:stretch>
+            <a:fillRect/>
+          </a:stretch>
+        </p:blipFill>
+        <p:spPr>
+          <a:xfrm>
+            <a:off x="11303272" y="58368"/>
+            <a:ext cx="830360" cy="389106"/>
+          </a:xfrm>
+          <a:prstGeom prst="rect">
+            <a:avLst/>
+          </a:prstGeom>
+        </p:spPr>
+      </p:pic>
+    </p:spTree>
+    <p:extLst>
+      <p:ext uri="{BB962C8B-B14F-4D97-AF65-F5344CB8AC3E}">
+        <p14:creationId xmlns:p14="http://schemas.microsoft.com/office/powerpoint/2010/main" val="3164216965"/>
+      </p:ext>
+    </p:extLst>
+  </p:cSld>
+  <p:clrMapOvr>
+    <a:masterClrMapping/>
+  </p:clrMapOvr>
+</p:sld>
+</file>
+
+<file path=ppt/slides/slide12.xml><?xml version="1.0" encoding="utf-8"?>
 <p:sld xmlns:a="http://schemas.openxmlformats.org/drawingml/2006/main" xmlns:r="http://schemas.openxmlformats.org/officeDocument/2006/relationships" xmlns:p="http://schemas.openxmlformats.org/presentationml/2006/main" show="0">
   <p:cSld>
     <p:spTree>
@@ -4289,12 +5888,262 @@
           <a:chExt cx="0" cy="0"/>
         </a:xfrm>
       </p:grpSpPr>
+      <p:sp>
+        <p:nvSpPr>
+          <p:cNvPr id="3" name="Content Placeholder 2">
+            <a:extLst>
+              <a:ext uri="{FF2B5EF4-FFF2-40B4-BE49-F238E27FC236}">
+                <a16:creationId xmlns:a16="http://schemas.microsoft.com/office/drawing/2014/main" id="{DE1E9757-86EB-473F-E63E-3FCB7FD4F86E}"/>
+              </a:ext>
+            </a:extLst>
+          </p:cNvPr>
+          <p:cNvSpPr>
+            <a:spLocks noGrp="1"/>
+          </p:cNvSpPr>
+          <p:nvPr>
+            <p:ph sz="half" idx="2"/>
+          </p:nvPr>
+        </p:nvSpPr>
+        <p:spPr>
+          <a:xfrm>
+            <a:off x="527050" y="1828800"/>
+            <a:ext cx="11137900" cy="4048124"/>
+          </a:xfrm>
+        </p:spPr>
+        <p:txBody>
+          <a:bodyPr/>
+          <a:lstStyle/>
+          <a:p>
+            <a:r>
+              <a:rPr lang="en-US" dirty="0"/>
+              <a:t>How has the level of employment changed with time?</a:t>
+            </a:r>
+          </a:p>
+        </p:txBody>
+      </p:sp>
+      <p:sp>
+        <p:nvSpPr>
+          <p:cNvPr id="4" name="Title 3">
+            <a:extLst>
+              <a:ext uri="{FF2B5EF4-FFF2-40B4-BE49-F238E27FC236}">
+                <a16:creationId xmlns:a16="http://schemas.microsoft.com/office/drawing/2014/main" id="{F9D439AE-488A-332D-0ECD-6E6A2D375E4E}"/>
+              </a:ext>
+            </a:extLst>
+          </p:cNvPr>
+          <p:cNvSpPr>
+            <a:spLocks noGrp="1"/>
+          </p:cNvSpPr>
+          <p:nvPr>
+            <p:ph type="title"/>
+          </p:nvPr>
+        </p:nvSpPr>
+        <p:spPr/>
+        <p:txBody>
+          <a:bodyPr/>
+          <a:lstStyle/>
+          <a:p>
+            <a:r>
+              <a:rPr lang="en-US" dirty="0"/>
+              <a:t>Machine learning</a:t>
+            </a:r>
+          </a:p>
+        </p:txBody>
+      </p:sp>
+      <p:sp>
+        <p:nvSpPr>
+          <p:cNvPr id="5" name="Content Placeholder 4">
+            <a:extLst>
+              <a:ext uri="{FF2B5EF4-FFF2-40B4-BE49-F238E27FC236}">
+                <a16:creationId xmlns:a16="http://schemas.microsoft.com/office/drawing/2014/main" id="{B0CB3829-C73B-80C7-909D-0576EA455126}"/>
+              </a:ext>
+            </a:extLst>
+          </p:cNvPr>
+          <p:cNvSpPr>
+            <a:spLocks noGrp="1"/>
+          </p:cNvSpPr>
+          <p:nvPr>
+            <p:ph sz="half" idx="10"/>
+          </p:nvPr>
+        </p:nvSpPr>
+        <p:spPr/>
+        <p:txBody>
+          <a:bodyPr/>
+          <a:lstStyle/>
+          <a:p>
+            <a:r>
+              <a:rPr lang="en-US" dirty="0"/>
+              <a:t>https://jeffpinegar.github.io/Jeff_Machine_Learning.html</a:t>
+            </a:r>
+          </a:p>
+        </p:txBody>
+      </p:sp>
+      <p:grpSp>
+        <p:nvGrpSpPr>
+          <p:cNvPr id="11" name="Group 10">
+            <a:extLst>
+              <a:ext uri="{FF2B5EF4-FFF2-40B4-BE49-F238E27FC236}">
+                <a16:creationId xmlns:a16="http://schemas.microsoft.com/office/drawing/2014/main" id="{611C2B90-B4BF-7AC1-95E3-190EE324812A}"/>
+              </a:ext>
+            </a:extLst>
+          </p:cNvPr>
+          <p:cNvGrpSpPr/>
+          <p:nvPr/>
+        </p:nvGrpSpPr>
+        <p:grpSpPr>
+          <a:xfrm>
+            <a:off x="1827909" y="2559880"/>
+            <a:ext cx="8555231" cy="3448763"/>
+            <a:chOff x="1743149" y="2404238"/>
+            <a:chExt cx="8555231" cy="3448763"/>
+          </a:xfrm>
+        </p:grpSpPr>
+        <p:pic>
+          <p:nvPicPr>
+            <p:cNvPr id="6" name="Picture 5">
+              <a:extLst>
+                <a:ext uri="{FF2B5EF4-FFF2-40B4-BE49-F238E27FC236}">
+                  <a16:creationId xmlns:a16="http://schemas.microsoft.com/office/drawing/2014/main" id="{EBE5F604-0147-B10F-FEC0-1CF58456B70B}"/>
+                </a:ext>
+              </a:extLst>
+            </p:cNvPr>
+            <p:cNvPicPr>
+              <a:picLocks noChangeAspect="1"/>
+            </p:cNvPicPr>
+            <p:nvPr/>
+          </p:nvPicPr>
+          <p:blipFill>
+            <a:blip r:embed="rId2"/>
+            <a:stretch>
+              <a:fillRect/>
+            </a:stretch>
+          </p:blipFill>
+          <p:spPr>
+            <a:xfrm>
+              <a:off x="6452014" y="2404238"/>
+              <a:ext cx="3846366" cy="3038888"/>
+            </a:xfrm>
+            <a:prstGeom prst="rect">
+              <a:avLst/>
+            </a:prstGeom>
+            <a:ln>
+              <a:solidFill>
+                <a:schemeClr val="accent1"/>
+              </a:solidFill>
+            </a:ln>
+          </p:spPr>
+        </p:pic>
+        <p:pic>
+          <p:nvPicPr>
+            <p:cNvPr id="8" name="Picture 7">
+              <a:extLst>
+                <a:ext uri="{FF2B5EF4-FFF2-40B4-BE49-F238E27FC236}">
+                  <a16:creationId xmlns:a16="http://schemas.microsoft.com/office/drawing/2014/main" id="{12210D2E-04F3-8ED8-18CA-46EB533B1773}"/>
+                </a:ext>
+              </a:extLst>
+            </p:cNvPr>
+            <p:cNvPicPr>
+              <a:picLocks noChangeAspect="1"/>
+            </p:cNvPicPr>
+            <p:nvPr/>
+          </p:nvPicPr>
+          <p:blipFill>
+            <a:blip r:embed="rId3"/>
+            <a:stretch>
+              <a:fillRect/>
+            </a:stretch>
+          </p:blipFill>
+          <p:spPr>
+            <a:xfrm>
+              <a:off x="1743149" y="2404238"/>
+              <a:ext cx="3750858" cy="3038889"/>
+            </a:xfrm>
+            <a:prstGeom prst="rect">
+              <a:avLst/>
+            </a:prstGeom>
+            <a:ln>
+              <a:solidFill>
+                <a:schemeClr val="accent1"/>
+              </a:solidFill>
+            </a:ln>
+          </p:spPr>
+        </p:pic>
+        <p:sp>
+          <p:nvSpPr>
+            <p:cNvPr id="9" name="TextBox 8">
+              <a:extLst>
+                <a:ext uri="{FF2B5EF4-FFF2-40B4-BE49-F238E27FC236}">
+                  <a16:creationId xmlns:a16="http://schemas.microsoft.com/office/drawing/2014/main" id="{54CBB9E9-E90C-607E-CA1E-31D2ACF8CB6D}"/>
+                </a:ext>
+              </a:extLst>
+            </p:cNvPr>
+            <p:cNvSpPr txBox="1"/>
+            <p:nvPr/>
+          </p:nvSpPr>
+          <p:spPr>
+            <a:xfrm>
+              <a:off x="2859396" y="5483669"/>
+              <a:ext cx="1518364" cy="369332"/>
+            </a:xfrm>
+            <a:prstGeom prst="rect">
+              <a:avLst/>
+            </a:prstGeom>
+            <a:noFill/>
+          </p:spPr>
+          <p:txBody>
+            <a:bodyPr wrap="none" rtlCol="0">
+              <a:spAutoFit/>
+            </a:bodyPr>
+            <a:lstStyle/>
+            <a:p>
+              <a:r>
+                <a:rPr lang="en-US" dirty="0"/>
+                <a:t>Full Data Set</a:t>
+              </a:r>
+            </a:p>
+          </p:txBody>
+        </p:sp>
+        <p:sp>
+          <p:nvSpPr>
+            <p:cNvPr id="10" name="TextBox 9">
+              <a:extLst>
+                <a:ext uri="{FF2B5EF4-FFF2-40B4-BE49-F238E27FC236}">
+                  <a16:creationId xmlns:a16="http://schemas.microsoft.com/office/drawing/2014/main" id="{C0795B51-6BD4-2708-FBF1-6315C5103E66}"/>
+                </a:ext>
+              </a:extLst>
+            </p:cNvPr>
+            <p:cNvSpPr txBox="1"/>
+            <p:nvPr/>
+          </p:nvSpPr>
+          <p:spPr>
+            <a:xfrm>
+              <a:off x="7590367" y="5483669"/>
+              <a:ext cx="1569660" cy="369332"/>
+            </a:xfrm>
+            <a:prstGeom prst="rect">
+              <a:avLst/>
+            </a:prstGeom>
+            <a:noFill/>
+          </p:spPr>
+          <p:txBody>
+            <a:bodyPr wrap="none" rtlCol="0">
+              <a:spAutoFit/>
+            </a:bodyPr>
+            <a:lstStyle/>
+            <a:p>
+              <a:r>
+                <a:rPr lang="en-US" dirty="0"/>
+                <a:t>United States</a:t>
+              </a:r>
+            </a:p>
+          </p:txBody>
+        </p:sp>
+      </p:grpSp>
       <p:pic>
         <p:nvPicPr>
-          <p:cNvPr id="8" name="Picture 7">
+          <p:cNvPr id="2" name="Picture 1">
             <a:extLst>
               <a:ext uri="{FF2B5EF4-FFF2-40B4-BE49-F238E27FC236}">
-                <a16:creationId xmlns:a16="http://schemas.microsoft.com/office/drawing/2014/main" id="{DA92B44B-8CA2-7DB4-DB95-26DED53FBAFB}"/>
+                <a16:creationId xmlns:a16="http://schemas.microsoft.com/office/drawing/2014/main" id="{3C63BAE3-7202-528B-B281-BB944B04B52F}"/>
               </a:ext>
             </a:extLst>
           </p:cNvPr>
@@ -4304,66 +6153,25 @@
           <p:nvPr/>
         </p:nvPicPr>
         <p:blipFill>
-          <a:blip r:embed="rId2"/>
+          <a:blip r:embed="rId4"/>
           <a:stretch>
             <a:fillRect/>
           </a:stretch>
         </p:blipFill>
         <p:spPr>
           <a:xfrm>
-            <a:off x="1097767" y="194224"/>
-            <a:ext cx="9996466" cy="6469551"/>
+            <a:off x="11303272" y="58368"/>
+            <a:ext cx="830360" cy="389106"/>
           </a:xfrm>
           <a:prstGeom prst="rect">
             <a:avLst/>
           </a:prstGeom>
-          <a:ln>
-            <a:solidFill>
-              <a:schemeClr val="accent1"/>
-            </a:solidFill>
-          </a:ln>
         </p:spPr>
       </p:pic>
-      <p:sp>
-        <p:nvSpPr>
-          <p:cNvPr id="9" name="Oval 8">
-            <a:extLst>
-              <a:ext uri="{FF2B5EF4-FFF2-40B4-BE49-F238E27FC236}">
-                <a16:creationId xmlns:a16="http://schemas.microsoft.com/office/drawing/2014/main" id="{D5FE4129-0B07-4DC7-AEDA-C3B46CF47B28}"/>
-              </a:ext>
-            </a:extLst>
-          </p:cNvPr>
-          <p:cNvSpPr/>
-          <p:nvPr/>
-        </p:nvSpPr>
-        <p:spPr>
-          <a:xfrm>
-            <a:off x="953311" y="2052537"/>
-            <a:ext cx="1605063" cy="447472"/>
-          </a:xfrm>
-          <a:prstGeom prst="ellipse">
-            <a:avLst/>
-          </a:prstGeom>
-          <a:noFill/>
-          <a:ln w="28575">
-            <a:solidFill>
-              <a:srgbClr val="FF0000"/>
-            </a:solidFill>
-          </a:ln>
-        </p:spPr>
-        <p:txBody>
-          <a:bodyPr rtlCol="0" anchor="ctr"/>
-          <a:lstStyle/>
-          <a:p>
-            <a:pPr algn="ctr"/>
-            <a:endParaRPr lang="en-US"/>
-          </a:p>
-        </p:txBody>
-      </p:sp>
     </p:spTree>
     <p:extLst>
       <p:ext uri="{BB962C8B-B14F-4D97-AF65-F5344CB8AC3E}">
-        <p14:creationId xmlns:p14="http://schemas.microsoft.com/office/powerpoint/2010/main" val="509668654"/>
+        <p14:creationId xmlns:p14="http://schemas.microsoft.com/office/powerpoint/2010/main" val="1680730822"/>
       </p:ext>
     </p:extLst>
   </p:cSld>
@@ -4373,7 +6181,7 @@
 </p:sld>
 </file>
 
-<file path=ppt/slides/slide11.xml><?xml version="1.0" encoding="utf-8"?>
+<file path=ppt/slides/slide13.xml><?xml version="1.0" encoding="utf-8"?>
 <p:sld xmlns:a="http://schemas.openxmlformats.org/drawingml/2006/main" xmlns:r="http://schemas.openxmlformats.org/officeDocument/2006/relationships" xmlns:p="http://schemas.openxmlformats.org/presentationml/2006/main" show="0">
   <p:cSld>
     <p:spTree>
@@ -4390,12 +6198,262 @@
           <a:chExt cx="0" cy="0"/>
         </a:xfrm>
       </p:grpSpPr>
+      <p:sp>
+        <p:nvSpPr>
+          <p:cNvPr id="3" name="Content Placeholder 2">
+            <a:extLst>
+              <a:ext uri="{FF2B5EF4-FFF2-40B4-BE49-F238E27FC236}">
+                <a16:creationId xmlns:a16="http://schemas.microsoft.com/office/drawing/2014/main" id="{DE1E9757-86EB-473F-E63E-3FCB7FD4F86E}"/>
+              </a:ext>
+            </a:extLst>
+          </p:cNvPr>
+          <p:cNvSpPr>
+            <a:spLocks noGrp="1"/>
+          </p:cNvSpPr>
+          <p:nvPr>
+            <p:ph sz="half" idx="2"/>
+          </p:nvPr>
+        </p:nvSpPr>
+        <p:spPr>
+          <a:xfrm>
+            <a:off x="527050" y="1828800"/>
+            <a:ext cx="11137900" cy="504000"/>
+          </a:xfrm>
+        </p:spPr>
+        <p:txBody>
+          <a:bodyPr/>
+          <a:lstStyle/>
+          <a:p>
+            <a:r>
+              <a:rPr lang="en-US" dirty="0"/>
+              <a:t>How do salaries vary by job title?</a:t>
+            </a:r>
+          </a:p>
+        </p:txBody>
+      </p:sp>
+      <p:sp>
+        <p:nvSpPr>
+          <p:cNvPr id="4" name="Title 3">
+            <a:extLst>
+              <a:ext uri="{FF2B5EF4-FFF2-40B4-BE49-F238E27FC236}">
+                <a16:creationId xmlns:a16="http://schemas.microsoft.com/office/drawing/2014/main" id="{F9D439AE-488A-332D-0ECD-6E6A2D375E4E}"/>
+              </a:ext>
+            </a:extLst>
+          </p:cNvPr>
+          <p:cNvSpPr>
+            <a:spLocks noGrp="1"/>
+          </p:cNvSpPr>
+          <p:nvPr>
+            <p:ph type="title"/>
+          </p:nvPr>
+        </p:nvSpPr>
+        <p:spPr/>
+        <p:txBody>
+          <a:bodyPr/>
+          <a:lstStyle/>
+          <a:p>
+            <a:r>
+              <a:rPr lang="en-US" dirty="0"/>
+              <a:t>Machine learning</a:t>
+            </a:r>
+          </a:p>
+        </p:txBody>
+      </p:sp>
+      <p:sp>
+        <p:nvSpPr>
+          <p:cNvPr id="5" name="Content Placeholder 4">
+            <a:extLst>
+              <a:ext uri="{FF2B5EF4-FFF2-40B4-BE49-F238E27FC236}">
+                <a16:creationId xmlns:a16="http://schemas.microsoft.com/office/drawing/2014/main" id="{B0CB3829-C73B-80C7-909D-0576EA455126}"/>
+              </a:ext>
+            </a:extLst>
+          </p:cNvPr>
+          <p:cNvSpPr>
+            <a:spLocks noGrp="1"/>
+          </p:cNvSpPr>
+          <p:nvPr>
+            <p:ph sz="half" idx="10"/>
+          </p:nvPr>
+        </p:nvSpPr>
+        <p:spPr/>
+        <p:txBody>
+          <a:bodyPr/>
+          <a:lstStyle/>
+          <a:p>
+            <a:r>
+              <a:rPr lang="en-US" dirty="0"/>
+              <a:t>https://jeffpinegar.github.io/Jeff_Machine_Learning.html</a:t>
+            </a:r>
+          </a:p>
+        </p:txBody>
+      </p:sp>
+      <p:grpSp>
+        <p:nvGrpSpPr>
+          <p:cNvPr id="21" name="Group 20">
+            <a:extLst>
+              <a:ext uri="{FF2B5EF4-FFF2-40B4-BE49-F238E27FC236}">
+                <a16:creationId xmlns:a16="http://schemas.microsoft.com/office/drawing/2014/main" id="{2B476BD2-50B5-F2F5-BB0A-5AE4E87CFE32}"/>
+              </a:ext>
+            </a:extLst>
+          </p:cNvPr>
+          <p:cNvGrpSpPr/>
+          <p:nvPr/>
+        </p:nvGrpSpPr>
+        <p:grpSpPr>
+          <a:xfrm>
+            <a:off x="1088474" y="2170774"/>
+            <a:ext cx="9742678" cy="1964579"/>
+            <a:chOff x="1224661" y="2404238"/>
+            <a:chExt cx="9742678" cy="1964579"/>
+          </a:xfrm>
+        </p:grpSpPr>
+        <p:sp>
+          <p:nvSpPr>
+            <p:cNvPr id="9" name="TextBox 8">
+              <a:extLst>
+                <a:ext uri="{FF2B5EF4-FFF2-40B4-BE49-F238E27FC236}">
+                  <a16:creationId xmlns:a16="http://schemas.microsoft.com/office/drawing/2014/main" id="{54CBB9E9-E90C-607E-CA1E-31D2ACF8CB6D}"/>
+                </a:ext>
+              </a:extLst>
+            </p:cNvPr>
+            <p:cNvSpPr txBox="1"/>
+            <p:nvPr/>
+          </p:nvSpPr>
+          <p:spPr>
+            <a:xfrm>
+              <a:off x="2371766" y="2404238"/>
+              <a:ext cx="1518364" cy="369332"/>
+            </a:xfrm>
+            <a:prstGeom prst="rect">
+              <a:avLst/>
+            </a:prstGeom>
+            <a:noFill/>
+          </p:spPr>
+          <p:txBody>
+            <a:bodyPr wrap="none" rtlCol="0">
+              <a:spAutoFit/>
+            </a:bodyPr>
+            <a:lstStyle/>
+            <a:p>
+              <a:r>
+                <a:rPr lang="en-US" dirty="0"/>
+                <a:t>Full Data Set</a:t>
+              </a:r>
+            </a:p>
+          </p:txBody>
+        </p:sp>
+        <p:sp>
+          <p:nvSpPr>
+            <p:cNvPr id="10" name="TextBox 9">
+              <a:extLst>
+                <a:ext uri="{FF2B5EF4-FFF2-40B4-BE49-F238E27FC236}">
+                  <a16:creationId xmlns:a16="http://schemas.microsoft.com/office/drawing/2014/main" id="{C0795B51-6BD4-2708-FBF1-6315C5103E66}"/>
+                </a:ext>
+              </a:extLst>
+            </p:cNvPr>
+            <p:cNvSpPr txBox="1"/>
+            <p:nvPr/>
+          </p:nvSpPr>
+          <p:spPr>
+            <a:xfrm>
+              <a:off x="8254152" y="2404238"/>
+              <a:ext cx="1569660" cy="369332"/>
+            </a:xfrm>
+            <a:prstGeom prst="rect">
+              <a:avLst/>
+            </a:prstGeom>
+            <a:noFill/>
+          </p:spPr>
+          <p:txBody>
+            <a:bodyPr wrap="none" rtlCol="0">
+              <a:spAutoFit/>
+            </a:bodyPr>
+            <a:lstStyle/>
+            <a:p>
+              <a:r>
+                <a:rPr lang="en-US" dirty="0"/>
+                <a:t>United States</a:t>
+              </a:r>
+            </a:p>
+          </p:txBody>
+        </p:sp>
+        <p:pic>
+          <p:nvPicPr>
+            <p:cNvPr id="13" name="Picture 12">
+              <a:extLst>
+                <a:ext uri="{FF2B5EF4-FFF2-40B4-BE49-F238E27FC236}">
+                  <a16:creationId xmlns:a16="http://schemas.microsoft.com/office/drawing/2014/main" id="{81AC8295-BA16-09CA-F2CC-68E14B064849}"/>
+                </a:ext>
+              </a:extLst>
+            </p:cNvPr>
+            <p:cNvPicPr>
+              <a:picLocks noChangeAspect="1"/>
+            </p:cNvPicPr>
+            <p:nvPr/>
+          </p:nvPicPr>
+          <p:blipFill>
+            <a:blip r:embed="rId2"/>
+            <a:stretch>
+              <a:fillRect/>
+            </a:stretch>
+          </p:blipFill>
+          <p:spPr>
+            <a:xfrm>
+              <a:off x="1224661" y="2773570"/>
+              <a:ext cx="4151187" cy="1595247"/>
+            </a:xfrm>
+            <a:prstGeom prst="rect">
+              <a:avLst/>
+            </a:prstGeom>
+            <a:ln>
+              <a:solidFill>
+                <a:schemeClr val="accent1"/>
+              </a:solidFill>
+            </a:ln>
+          </p:spPr>
+        </p:pic>
+        <p:pic>
+          <p:nvPicPr>
+            <p:cNvPr id="15" name="Picture 14">
+              <a:extLst>
+                <a:ext uri="{FF2B5EF4-FFF2-40B4-BE49-F238E27FC236}">
+                  <a16:creationId xmlns:a16="http://schemas.microsoft.com/office/drawing/2014/main" id="{697B1DA9-4DD8-1BAD-5E06-8BE8109CFD42}"/>
+                </a:ext>
+              </a:extLst>
+            </p:cNvPr>
+            <p:cNvPicPr>
+              <a:picLocks noChangeAspect="1"/>
+            </p:cNvPicPr>
+            <p:nvPr/>
+          </p:nvPicPr>
+          <p:blipFill>
+            <a:blip r:embed="rId3"/>
+            <a:stretch>
+              <a:fillRect/>
+            </a:stretch>
+          </p:blipFill>
+          <p:spPr>
+            <a:xfrm>
+              <a:off x="7017908" y="2773570"/>
+              <a:ext cx="3949431" cy="1587389"/>
+            </a:xfrm>
+            <a:prstGeom prst="rect">
+              <a:avLst/>
+            </a:prstGeom>
+            <a:ln>
+              <a:solidFill>
+                <a:schemeClr val="accent1"/>
+              </a:solidFill>
+            </a:ln>
+          </p:spPr>
+        </p:pic>
+      </p:grpSp>
       <p:pic>
         <p:nvPicPr>
-          <p:cNvPr id="3" name="Picture 2">
+          <p:cNvPr id="20" name="Picture 19">
             <a:extLst>
               <a:ext uri="{FF2B5EF4-FFF2-40B4-BE49-F238E27FC236}">
-                <a16:creationId xmlns:a16="http://schemas.microsoft.com/office/drawing/2014/main" id="{4B89B0A9-681E-9231-84BF-1039E8193879}"/>
+                <a16:creationId xmlns:a16="http://schemas.microsoft.com/office/drawing/2014/main" id="{E5024815-77CE-6122-609B-EA44D5C46F03}"/>
               </a:ext>
             </a:extLst>
           </p:cNvPr>
@@ -4405,30 +6463,55 @@
           <p:nvPr/>
         </p:nvPicPr>
         <p:blipFill>
-          <a:blip r:embed="rId2"/>
+          <a:blip r:embed="rId4"/>
           <a:stretch>
             <a:fillRect/>
           </a:stretch>
         </p:blipFill>
         <p:spPr>
           <a:xfrm>
-            <a:off x="1353143" y="576619"/>
-            <a:ext cx="9485714" cy="5704762"/>
+            <a:off x="1088474" y="4251628"/>
+            <a:ext cx="4143375" cy="2247900"/>
           </a:xfrm>
           <a:prstGeom prst="rect">
             <a:avLst/>
           </a:prstGeom>
-          <a:ln>
-            <a:solidFill>
-              <a:schemeClr val="accent1"/>
-            </a:solidFill>
-          </a:ln>
+        </p:spPr>
+      </p:pic>
+      <p:pic>
+        <p:nvPicPr>
+          <p:cNvPr id="22" name="Picture 21">
+            <a:extLst>
+              <a:ext uri="{FF2B5EF4-FFF2-40B4-BE49-F238E27FC236}">
+                <a16:creationId xmlns:a16="http://schemas.microsoft.com/office/drawing/2014/main" id="{F1731BA1-74AC-F8F4-6969-22EEDDE883A0}"/>
+              </a:ext>
+            </a:extLst>
+          </p:cNvPr>
+          <p:cNvPicPr>
+            <a:picLocks noChangeAspect="1"/>
+          </p:cNvPicPr>
+          <p:nvPr/>
+        </p:nvPicPr>
+        <p:blipFill>
+          <a:blip r:embed="rId5"/>
+          <a:stretch>
+            <a:fillRect/>
+          </a:stretch>
+        </p:blipFill>
+        <p:spPr>
+          <a:xfrm>
+            <a:off x="11303272" y="58368"/>
+            <a:ext cx="830360" cy="389106"/>
+          </a:xfrm>
+          <a:prstGeom prst="rect">
+            <a:avLst/>
+          </a:prstGeom>
         </p:spPr>
       </p:pic>
     </p:spTree>
     <p:extLst>
       <p:ext uri="{BB962C8B-B14F-4D97-AF65-F5344CB8AC3E}">
-        <p14:creationId xmlns:p14="http://schemas.microsoft.com/office/powerpoint/2010/main" val="1392460082"/>
+        <p14:creationId xmlns:p14="http://schemas.microsoft.com/office/powerpoint/2010/main" val="4223974590"/>
       </p:ext>
     </p:extLst>
   </p:cSld>
@@ -4438,7 +6521,7 @@
 </p:sld>
 </file>
 
-<file path=ppt/slides/slide12.xml><?xml version="1.0" encoding="utf-8"?>
+<file path=ppt/slides/slide14.xml><?xml version="1.0" encoding="utf-8"?>
 <p:sld xmlns:a="http://schemas.openxmlformats.org/drawingml/2006/main" xmlns:r="http://schemas.openxmlformats.org/officeDocument/2006/relationships" xmlns:p="http://schemas.openxmlformats.org/presentationml/2006/main">
   <p:cSld>
     <p:spTree>
@@ -4460,7 +6543,7 @@
           <p:cNvPr id="2" name="Content Placeholder 1">
             <a:extLst>
               <a:ext uri="{FF2B5EF4-FFF2-40B4-BE49-F238E27FC236}">
-                <a16:creationId xmlns:a16="http://schemas.microsoft.com/office/drawing/2014/main" id="{05979C55-382B-4FE0-8A66-7CB5CD9348CF}"/>
+                <a16:creationId xmlns:a16="http://schemas.microsoft.com/office/drawing/2014/main" id="{E47277F2-84BC-85FC-4E72-33D73627DB69}"/>
               </a:ext>
             </a:extLst>
           </p:cNvPr>
@@ -4476,10 +6559,44 @@
           <a:bodyPr/>
           <a:lstStyle/>
           <a:p>
-            <a:pPr marL="0" indent="0">
-              <a:buNone/>
-            </a:pPr>
-            <a:endParaRPr lang="en-US" dirty="0"/>
+            <a:r>
+              <a:rPr lang="en-US" dirty="0"/>
+              <a:t>Employment in Data Science is increasing</a:t>
+            </a:r>
+          </a:p>
+          <a:p>
+            <a:r>
+              <a:rPr lang="en-US" dirty="0"/>
+              <a:t>The highest paying jobs are at large companies (&gt; 250 Emp.)</a:t>
+            </a:r>
+          </a:p>
+          <a:p>
+            <a:r>
+              <a:rPr lang="en-US" dirty="0"/>
+              <a:t>Average Salaries are increasing significantly with experience</a:t>
+            </a:r>
+          </a:p>
+          <a:p>
+            <a:r>
+              <a:rPr lang="en-US" dirty="0"/>
+              <a:t>People described as Scientists and Engineers are the highest-paid individual contributors.</a:t>
+            </a:r>
+          </a:p>
+          <a:p>
+            <a:r>
+              <a:rPr lang="en-US" dirty="0"/>
+              <a:t>Russia, the United States, New Zealand, Israel, or Japan are the highest paid</a:t>
+            </a:r>
+            <a:r>
+              <a:rPr lang="en-US" baseline="30000" dirty="0"/>
+              <a:t>§</a:t>
+            </a:r>
+          </a:p>
+          <a:p>
+            <a:r>
+              <a:rPr lang="en-US" dirty="0"/>
+              <a:t>Machine learning in the USA appear more concentrated in ML development compared to the rest of the world, which has more employment in ML application.</a:t>
+            </a:r>
           </a:p>
           <a:p>
             <a:endParaRPr lang="en-US" dirty="0"/>
@@ -4491,7 +6608,7 @@
           <p:cNvPr id="3" name="Title 2">
             <a:extLst>
               <a:ext uri="{FF2B5EF4-FFF2-40B4-BE49-F238E27FC236}">
-                <a16:creationId xmlns:a16="http://schemas.microsoft.com/office/drawing/2014/main" id="{12E072EB-EC40-486B-833C-2503D1547BEE}"/>
+                <a16:creationId xmlns:a16="http://schemas.microsoft.com/office/drawing/2014/main" id="{F4BCE4C9-504D-2216-8E6E-A62EA552AD4F}"/>
               </a:ext>
             </a:extLst>
           </p:cNvPr>
@@ -4514,10 +6631,75 @@
           </a:p>
         </p:txBody>
       </p:sp>
+      <p:sp>
+        <p:nvSpPr>
+          <p:cNvPr id="5" name="TextBox 4">
+            <a:extLst>
+              <a:ext uri="{FF2B5EF4-FFF2-40B4-BE49-F238E27FC236}">
+                <a16:creationId xmlns:a16="http://schemas.microsoft.com/office/drawing/2014/main" id="{5159CAEC-FB70-C8C2-6BB8-AF91ED58017E}"/>
+              </a:ext>
+            </a:extLst>
+          </p:cNvPr>
+          <p:cNvSpPr txBox="1"/>
+          <p:nvPr/>
+        </p:nvSpPr>
+        <p:spPr>
+          <a:xfrm>
+            <a:off x="527050" y="6167337"/>
+            <a:ext cx="4982198" cy="307777"/>
+          </a:xfrm>
+          <a:prstGeom prst="rect">
+            <a:avLst/>
+          </a:prstGeom>
+          <a:noFill/>
+        </p:spPr>
+        <p:txBody>
+          <a:bodyPr wrap="none" rtlCol="0">
+            <a:spAutoFit/>
+          </a:bodyPr>
+          <a:lstStyle/>
+          <a:p>
+            <a:r>
+              <a:rPr lang="en-US" sz="1400" dirty="0"/>
+              <a:t>§ Observations USA 355; Russia 2; Japan 6, New Zealand 1</a:t>
+            </a:r>
+          </a:p>
+        </p:txBody>
+      </p:sp>
+      <p:pic>
+        <p:nvPicPr>
+          <p:cNvPr id="8" name="Picture 7">
+            <a:extLst>
+              <a:ext uri="{FF2B5EF4-FFF2-40B4-BE49-F238E27FC236}">
+                <a16:creationId xmlns:a16="http://schemas.microsoft.com/office/drawing/2014/main" id="{F17789C5-C0E8-E69B-B2F8-DBDA59F34495}"/>
+              </a:ext>
+            </a:extLst>
+          </p:cNvPr>
+          <p:cNvPicPr>
+            <a:picLocks noChangeAspect="1"/>
+          </p:cNvPicPr>
+          <p:nvPr/>
+        </p:nvPicPr>
+        <p:blipFill>
+          <a:blip r:embed="rId2"/>
+          <a:stretch>
+            <a:fillRect/>
+          </a:stretch>
+        </p:blipFill>
+        <p:spPr>
+          <a:xfrm>
+            <a:off x="11303272" y="58368"/>
+            <a:ext cx="830360" cy="389106"/>
+          </a:xfrm>
+          <a:prstGeom prst="rect">
+            <a:avLst/>
+          </a:prstGeom>
+        </p:spPr>
+      </p:pic>
     </p:spTree>
     <p:extLst>
       <p:ext uri="{BB962C8B-B14F-4D97-AF65-F5344CB8AC3E}">
-        <p14:creationId xmlns:p14="http://schemas.microsoft.com/office/powerpoint/2010/main" val="114328860"/>
+        <p14:creationId xmlns:p14="http://schemas.microsoft.com/office/powerpoint/2010/main" val="327708408"/>
       </p:ext>
     </p:extLst>
   </p:cSld>
@@ -4527,7 +6709,7 @@
 </p:sld>
 </file>
 
-<file path=ppt/slides/slide13.xml><?xml version="1.0" encoding="utf-8"?>
+<file path=ppt/slides/slide15.xml><?xml version="1.0" encoding="utf-8"?>
 <p:sld xmlns:a="http://schemas.openxmlformats.org/drawingml/2006/main" xmlns:r="http://schemas.openxmlformats.org/officeDocument/2006/relationships" xmlns:p="http://schemas.openxmlformats.org/presentationml/2006/main">
   <p:cSld>
     <p:spTree>
@@ -4587,487 +6769,6 @@
 </p:sld>
 </file>
 
-<file path=ppt/slides/slide14.xml><?xml version="1.0" encoding="utf-8"?>
-<p:sld xmlns:a="http://schemas.openxmlformats.org/drawingml/2006/main" xmlns:r="http://schemas.openxmlformats.org/officeDocument/2006/relationships" xmlns:p="http://schemas.openxmlformats.org/presentationml/2006/main" show="0">
-  <p:cSld>
-    <p:spTree>
-      <p:nvGrpSpPr>
-        <p:cNvPr id="1" name=""/>
-        <p:cNvGrpSpPr/>
-        <p:nvPr/>
-      </p:nvGrpSpPr>
-      <p:grpSpPr>
-        <a:xfrm>
-          <a:off x="0" y="0"/>
-          <a:ext cx="0" cy="0"/>
-          <a:chOff x="0" y="0"/>
-          <a:chExt cx="0" cy="0"/>
-        </a:xfrm>
-      </p:grpSpPr>
-    </p:spTree>
-    <p:extLst>
-      <p:ext uri="{BB962C8B-B14F-4D97-AF65-F5344CB8AC3E}">
-        <p14:creationId xmlns:p14="http://schemas.microsoft.com/office/powerpoint/2010/main" val="3949269715"/>
-      </p:ext>
-    </p:extLst>
-  </p:cSld>
-  <p:clrMapOvr>
-    <a:masterClrMapping/>
-  </p:clrMapOvr>
-</p:sld>
-</file>
-
-<file path=ppt/slides/slide15.xml><?xml version="1.0" encoding="utf-8"?>
-<p:sld xmlns:a="http://schemas.openxmlformats.org/drawingml/2006/main" xmlns:r="http://schemas.openxmlformats.org/officeDocument/2006/relationships" xmlns:p="http://schemas.openxmlformats.org/presentationml/2006/main" show="0">
-  <p:cSld>
-    <p:spTree>
-      <p:nvGrpSpPr>
-        <p:cNvPr id="1" name=""/>
-        <p:cNvGrpSpPr/>
-        <p:nvPr/>
-      </p:nvGrpSpPr>
-      <p:grpSpPr>
-        <a:xfrm>
-          <a:off x="0" y="0"/>
-          <a:ext cx="0" cy="0"/>
-          <a:chOff x="0" y="0"/>
-          <a:chExt cx="0" cy="0"/>
-        </a:xfrm>
-      </p:grpSpPr>
-      <p:pic>
-        <p:nvPicPr>
-          <p:cNvPr id="5" name="Picture 4">
-            <a:extLst>
-              <a:ext uri="{FF2B5EF4-FFF2-40B4-BE49-F238E27FC236}">
-                <a16:creationId xmlns:a16="http://schemas.microsoft.com/office/drawing/2014/main" id="{234BC3BD-3A62-4DFC-8200-441CFFF0D04C}"/>
-              </a:ext>
-            </a:extLst>
-          </p:cNvPr>
-          <p:cNvPicPr>
-            <a:picLocks noChangeAspect="1"/>
-          </p:cNvPicPr>
-          <p:nvPr/>
-        </p:nvPicPr>
-        <p:blipFill>
-          <a:blip r:embed="rId2"/>
-          <a:stretch>
-            <a:fillRect/>
-          </a:stretch>
-        </p:blipFill>
-        <p:spPr>
-          <a:xfrm>
-            <a:off x="829333" y="1362333"/>
-            <a:ext cx="10533333" cy="4133333"/>
-          </a:xfrm>
-          <a:prstGeom prst="rect">
-            <a:avLst/>
-          </a:prstGeom>
-        </p:spPr>
-      </p:pic>
-      <p:sp>
-        <p:nvSpPr>
-          <p:cNvPr id="6" name="Rectangle 5">
-            <a:extLst>
-              <a:ext uri="{FF2B5EF4-FFF2-40B4-BE49-F238E27FC236}">
-                <a16:creationId xmlns:a16="http://schemas.microsoft.com/office/drawing/2014/main" id="{5E414CA3-EFA0-433B-A527-02A1779B61AB}"/>
-              </a:ext>
-            </a:extLst>
-          </p:cNvPr>
-          <p:cNvSpPr/>
-          <p:nvPr/>
-        </p:nvSpPr>
-        <p:spPr>
-          <a:xfrm>
-            <a:off x="6858000" y="4667250"/>
-            <a:ext cx="1943100" cy="323850"/>
-          </a:xfrm>
-          <a:prstGeom prst="rect">
-            <a:avLst/>
-          </a:prstGeom>
-          <a:solidFill>
-            <a:srgbClr val="FFFFFF"/>
-          </a:solidFill>
-          <a:ln>
-            <a:noFill/>
-          </a:ln>
-        </p:spPr>
-        <p:txBody>
-          <a:bodyPr rtlCol="0" anchor="ctr"/>
-          <a:lstStyle/>
-          <a:p>
-            <a:pPr algn="ctr"/>
-            <a:endParaRPr lang="en-US"/>
-          </a:p>
-        </p:txBody>
-      </p:sp>
-    </p:spTree>
-    <p:extLst>
-      <p:ext uri="{BB962C8B-B14F-4D97-AF65-F5344CB8AC3E}">
-        <p14:creationId xmlns:p14="http://schemas.microsoft.com/office/powerpoint/2010/main" val="2124044676"/>
-      </p:ext>
-    </p:extLst>
-  </p:cSld>
-  <p:clrMapOvr>
-    <a:masterClrMapping/>
-  </p:clrMapOvr>
-</p:sld>
-</file>
-
-<file path=ppt/slides/slide16.xml><?xml version="1.0" encoding="utf-8"?>
-<p:sld xmlns:a="http://schemas.openxmlformats.org/drawingml/2006/main" xmlns:r="http://schemas.openxmlformats.org/officeDocument/2006/relationships" xmlns:p="http://schemas.openxmlformats.org/presentationml/2006/main" show="0">
-  <p:cSld>
-    <p:spTree>
-      <p:nvGrpSpPr>
-        <p:cNvPr id="1" name=""/>
-        <p:cNvGrpSpPr/>
-        <p:nvPr/>
-      </p:nvGrpSpPr>
-      <p:grpSpPr>
-        <a:xfrm>
-          <a:off x="0" y="0"/>
-          <a:ext cx="0" cy="0"/>
-          <a:chOff x="0" y="0"/>
-          <a:chExt cx="0" cy="0"/>
-        </a:xfrm>
-      </p:grpSpPr>
-      <p:pic>
-        <p:nvPicPr>
-          <p:cNvPr id="3" name="Picture 2">
-            <a:extLst>
-              <a:ext uri="{FF2B5EF4-FFF2-40B4-BE49-F238E27FC236}">
-                <a16:creationId xmlns:a16="http://schemas.microsoft.com/office/drawing/2014/main" id="{CFA76F85-2BB7-4C0D-9819-344E941CD0D7}"/>
-              </a:ext>
-            </a:extLst>
-          </p:cNvPr>
-          <p:cNvPicPr>
-            <a:picLocks noChangeAspect="1"/>
-          </p:cNvPicPr>
-          <p:nvPr/>
-        </p:nvPicPr>
-        <p:blipFill>
-          <a:blip r:embed="rId2"/>
-          <a:stretch>
-            <a:fillRect/>
-          </a:stretch>
-        </p:blipFill>
-        <p:spPr>
-          <a:xfrm>
-            <a:off x="1362666" y="1019476"/>
-            <a:ext cx="9466667" cy="4819048"/>
-          </a:xfrm>
-          <a:prstGeom prst="rect">
-            <a:avLst/>
-          </a:prstGeom>
-        </p:spPr>
-      </p:pic>
-    </p:spTree>
-    <p:extLst>
-      <p:ext uri="{BB962C8B-B14F-4D97-AF65-F5344CB8AC3E}">
-        <p14:creationId xmlns:p14="http://schemas.microsoft.com/office/powerpoint/2010/main" val="97304364"/>
-      </p:ext>
-    </p:extLst>
-  </p:cSld>
-  <p:clrMapOvr>
-    <a:masterClrMapping/>
-  </p:clrMapOvr>
-</p:sld>
-</file>
-
-<file path=ppt/slides/slide17.xml><?xml version="1.0" encoding="utf-8"?>
-<p:sld xmlns:a="http://schemas.openxmlformats.org/drawingml/2006/main" xmlns:r="http://schemas.openxmlformats.org/officeDocument/2006/relationships" xmlns:p="http://schemas.openxmlformats.org/presentationml/2006/main" show="0">
-  <p:cSld>
-    <p:spTree>
-      <p:nvGrpSpPr>
-        <p:cNvPr id="1" name=""/>
-        <p:cNvGrpSpPr/>
-        <p:nvPr/>
-      </p:nvGrpSpPr>
-      <p:grpSpPr>
-        <a:xfrm>
-          <a:off x="0" y="0"/>
-          <a:ext cx="0" cy="0"/>
-          <a:chOff x="0" y="0"/>
-          <a:chExt cx="0" cy="0"/>
-        </a:xfrm>
-      </p:grpSpPr>
-      <p:pic>
-        <p:nvPicPr>
-          <p:cNvPr id="4" name="Picture 3">
-            <a:extLst>
-              <a:ext uri="{FF2B5EF4-FFF2-40B4-BE49-F238E27FC236}">
-                <a16:creationId xmlns:a16="http://schemas.microsoft.com/office/drawing/2014/main" id="{38A0E1E0-0EE9-46D3-8943-18405E79CC5D}"/>
-              </a:ext>
-            </a:extLst>
-          </p:cNvPr>
-          <p:cNvPicPr>
-            <a:picLocks noChangeAspect="1"/>
-          </p:cNvPicPr>
-          <p:nvPr/>
-        </p:nvPicPr>
-        <p:blipFill>
-          <a:blip r:embed="rId2"/>
-          <a:stretch>
-            <a:fillRect/>
-          </a:stretch>
-        </p:blipFill>
-        <p:spPr>
-          <a:xfrm>
-            <a:off x="335461" y="0"/>
-            <a:ext cx="11521077" cy="6858000"/>
-          </a:xfrm>
-          <a:prstGeom prst="rect">
-            <a:avLst/>
-          </a:prstGeom>
-        </p:spPr>
-      </p:pic>
-      <p:sp>
-        <p:nvSpPr>
-          <p:cNvPr id="5" name="TextBox 4">
-            <a:extLst>
-              <a:ext uri="{FF2B5EF4-FFF2-40B4-BE49-F238E27FC236}">
-                <a16:creationId xmlns:a16="http://schemas.microsoft.com/office/drawing/2014/main" id="{4B812974-6929-4234-97CA-F66EB18D1462}"/>
-              </a:ext>
-            </a:extLst>
-          </p:cNvPr>
-          <p:cNvSpPr txBox="1"/>
-          <p:nvPr/>
-        </p:nvSpPr>
-        <p:spPr>
-          <a:xfrm>
-            <a:off x="1271088" y="3530600"/>
-            <a:ext cx="2132512" cy="2462213"/>
-          </a:xfrm>
-          <a:prstGeom prst="rect">
-            <a:avLst/>
-          </a:prstGeom>
-          <a:noFill/>
-        </p:spPr>
-        <p:txBody>
-          <a:bodyPr wrap="square" rtlCol="0">
-            <a:spAutoFit/>
-          </a:bodyPr>
-          <a:lstStyle/>
-          <a:p>
-            <a:r>
-              <a:rPr lang="en-US" sz="1400" b="0" i="0" dirty="0">
-                <a:solidFill>
-                  <a:srgbClr val="786E6E"/>
-                </a:solidFill>
-                <a:effectLst/>
-                <a:latin typeface="Open Sans" panose="020B0606030504020204" pitchFamily="34" charset="0"/>
-              </a:rPr>
-              <a:t>Lorem ipsum dolor sit amet, consectetur adipiscing elit. Ut venenatis eget augue eget vulputate. Proin placerat est mattis dignissim blandit. Duis lectus diam, scelerisque sed posuere blandit, euismod sit amet sem</a:t>
-            </a:r>
-            <a:endParaRPr lang="en-US" sz="1400" dirty="0">
-              <a:solidFill>
-                <a:srgbClr val="786E6E"/>
-              </a:solidFill>
-            </a:endParaRPr>
-          </a:p>
-        </p:txBody>
-      </p:sp>
-    </p:spTree>
-    <p:extLst>
-      <p:ext uri="{BB962C8B-B14F-4D97-AF65-F5344CB8AC3E}">
-        <p14:creationId xmlns:p14="http://schemas.microsoft.com/office/powerpoint/2010/main" val="3636843643"/>
-      </p:ext>
-    </p:extLst>
-  </p:cSld>
-  <p:clrMapOvr>
-    <a:masterClrMapping/>
-  </p:clrMapOvr>
-</p:sld>
-</file>
-
-<file path=ppt/slides/slide18.xml><?xml version="1.0" encoding="utf-8"?>
-<p:sld xmlns:a="http://schemas.openxmlformats.org/drawingml/2006/main" xmlns:r="http://schemas.openxmlformats.org/officeDocument/2006/relationships" xmlns:p="http://schemas.openxmlformats.org/presentationml/2006/main" show="0">
-  <p:cSld>
-    <p:spTree>
-      <p:nvGrpSpPr>
-        <p:cNvPr id="1" name=""/>
-        <p:cNvGrpSpPr/>
-        <p:nvPr/>
-      </p:nvGrpSpPr>
-      <p:grpSpPr>
-        <a:xfrm>
-          <a:off x="0" y="0"/>
-          <a:ext cx="0" cy="0"/>
-          <a:chOff x="0" y="0"/>
-          <a:chExt cx="0" cy="0"/>
-        </a:xfrm>
-      </p:grpSpPr>
-      <p:pic>
-        <p:nvPicPr>
-          <p:cNvPr id="3" name="Picture 2">
-            <a:extLst>
-              <a:ext uri="{FF2B5EF4-FFF2-40B4-BE49-F238E27FC236}">
-                <a16:creationId xmlns:a16="http://schemas.microsoft.com/office/drawing/2014/main" id="{C79BC6A8-167E-4963-880A-FF0CD9F07589}"/>
-              </a:ext>
-            </a:extLst>
-          </p:cNvPr>
-          <p:cNvPicPr>
-            <a:picLocks noChangeAspect="1"/>
-          </p:cNvPicPr>
-          <p:nvPr/>
-        </p:nvPicPr>
-        <p:blipFill>
-          <a:blip r:embed="rId2"/>
-          <a:stretch>
-            <a:fillRect/>
-          </a:stretch>
-        </p:blipFill>
-        <p:spPr>
-          <a:xfrm>
-            <a:off x="512771" y="0"/>
-            <a:ext cx="11166458" cy="6858000"/>
-          </a:xfrm>
-          <a:prstGeom prst="rect">
-            <a:avLst/>
-          </a:prstGeom>
-        </p:spPr>
-      </p:pic>
-      <p:sp>
-        <p:nvSpPr>
-          <p:cNvPr id="5" name="TextBox 4">
-            <a:extLst>
-              <a:ext uri="{FF2B5EF4-FFF2-40B4-BE49-F238E27FC236}">
-                <a16:creationId xmlns:a16="http://schemas.microsoft.com/office/drawing/2014/main" id="{9E39C366-A849-4C70-8D9C-E2E30842862C}"/>
-              </a:ext>
-            </a:extLst>
-          </p:cNvPr>
-          <p:cNvSpPr txBox="1"/>
-          <p:nvPr/>
-        </p:nvSpPr>
-        <p:spPr>
-          <a:xfrm>
-            <a:off x="1271088" y="3530600"/>
-            <a:ext cx="2132512" cy="2462213"/>
-          </a:xfrm>
-          <a:prstGeom prst="rect">
-            <a:avLst/>
-          </a:prstGeom>
-          <a:noFill/>
-        </p:spPr>
-        <p:txBody>
-          <a:bodyPr wrap="square" rtlCol="0">
-            <a:spAutoFit/>
-          </a:bodyPr>
-          <a:lstStyle/>
-          <a:p>
-            <a:r>
-              <a:rPr lang="en-US" sz="1400" b="0" i="0" dirty="0">
-                <a:solidFill>
-                  <a:srgbClr val="786E6E"/>
-                </a:solidFill>
-                <a:effectLst/>
-                <a:latin typeface="Open Sans" panose="020B0606030504020204" pitchFamily="34" charset="0"/>
-              </a:rPr>
-              <a:t>Lorem ipsum dolor sit amet, consectetur adipiscing elit. Ut venenatis eget augue eget vulputate. Proin placerat est mattis dignissim blandit. Duis lectus diam, scelerisque sed posuere blandit, euismod sit amet sem</a:t>
-            </a:r>
-            <a:endParaRPr lang="en-US" sz="1400" dirty="0">
-              <a:solidFill>
-                <a:srgbClr val="786E6E"/>
-              </a:solidFill>
-            </a:endParaRPr>
-          </a:p>
-        </p:txBody>
-      </p:sp>
-    </p:spTree>
-    <p:extLst>
-      <p:ext uri="{BB962C8B-B14F-4D97-AF65-F5344CB8AC3E}">
-        <p14:creationId xmlns:p14="http://schemas.microsoft.com/office/powerpoint/2010/main" val="2963159764"/>
-      </p:ext>
-    </p:extLst>
-  </p:cSld>
-  <p:clrMapOvr>
-    <a:masterClrMapping/>
-  </p:clrMapOvr>
-</p:sld>
-</file>
-
-<file path=ppt/slides/slide19.xml><?xml version="1.0" encoding="utf-8"?>
-<p:sld xmlns:a="http://schemas.openxmlformats.org/drawingml/2006/main" xmlns:r="http://schemas.openxmlformats.org/officeDocument/2006/relationships" xmlns:p="http://schemas.openxmlformats.org/presentationml/2006/main" show="0">
-  <p:cSld>
-    <p:spTree>
-      <p:nvGrpSpPr>
-        <p:cNvPr id="1" name=""/>
-        <p:cNvGrpSpPr/>
-        <p:nvPr/>
-      </p:nvGrpSpPr>
-      <p:grpSpPr>
-        <a:xfrm>
-          <a:off x="0" y="0"/>
-          <a:ext cx="0" cy="0"/>
-          <a:chOff x="0" y="0"/>
-          <a:chExt cx="0" cy="0"/>
-        </a:xfrm>
-      </p:grpSpPr>
-      <p:sp>
-        <p:nvSpPr>
-          <p:cNvPr id="2" name="Content Placeholder 1">
-            <a:extLst>
-              <a:ext uri="{FF2B5EF4-FFF2-40B4-BE49-F238E27FC236}">
-                <a16:creationId xmlns:a16="http://schemas.microsoft.com/office/drawing/2014/main" id="{0DBAF39D-5F98-4E1B-9ABF-8AA7152B85E4}"/>
-              </a:ext>
-            </a:extLst>
-          </p:cNvPr>
-          <p:cNvSpPr>
-            <a:spLocks noGrp="1"/>
-          </p:cNvSpPr>
-          <p:nvPr>
-            <p:ph idx="1"/>
-          </p:nvPr>
-        </p:nvSpPr>
-        <p:spPr/>
-        <p:txBody>
-          <a:bodyPr/>
-          <a:lstStyle/>
-          <a:p>
-            <a:endParaRPr lang="en-US" dirty="0"/>
-          </a:p>
-        </p:txBody>
-      </p:sp>
-      <p:sp>
-        <p:nvSpPr>
-          <p:cNvPr id="3" name="Title 2">
-            <a:extLst>
-              <a:ext uri="{FF2B5EF4-FFF2-40B4-BE49-F238E27FC236}">
-                <a16:creationId xmlns:a16="http://schemas.microsoft.com/office/drawing/2014/main" id="{ABA857AD-AE79-4871-A159-61A8AD407E99}"/>
-              </a:ext>
-            </a:extLst>
-          </p:cNvPr>
-          <p:cNvSpPr>
-            <a:spLocks noGrp="1"/>
-          </p:cNvSpPr>
-          <p:nvPr>
-            <p:ph type="title"/>
-          </p:nvPr>
-        </p:nvSpPr>
-        <p:spPr/>
-        <p:txBody>
-          <a:bodyPr/>
-          <a:lstStyle/>
-          <a:p>
-            <a:r>
-              <a:rPr lang="en-US" dirty="0"/>
-              <a:t>Potential Statistics</a:t>
-            </a:r>
-          </a:p>
-        </p:txBody>
-      </p:sp>
-    </p:spTree>
-    <p:extLst>
-      <p:ext uri="{BB962C8B-B14F-4D97-AF65-F5344CB8AC3E}">
-        <p14:creationId xmlns:p14="http://schemas.microsoft.com/office/powerpoint/2010/main" val="3603813485"/>
-      </p:ext>
-    </p:extLst>
-  </p:cSld>
-  <p:clrMapOvr>
-    <a:masterClrMapping/>
-  </p:clrMapOvr>
-</p:sld>
-</file>
-
 <file path=ppt/slides/slide2.xml><?xml version="1.0" encoding="utf-8"?>
 <p:sld xmlns:a="http://schemas.openxmlformats.org/drawingml/2006/main" xmlns:r="http://schemas.openxmlformats.org/officeDocument/2006/relationships" xmlns:p="http://schemas.openxmlformats.org/presentationml/2006/main">
   <p:cSld>
@@ -5128,14 +6829,14 @@
           <p:nvPr>
             <p:extLst>
               <p:ext uri="{D42A27DB-BD31-4B8C-83A1-F6EECF244321}">
-                <p14:modId xmlns:p14="http://schemas.microsoft.com/office/powerpoint/2010/main" val="3483950091"/>
+                <p14:modId xmlns:p14="http://schemas.microsoft.com/office/powerpoint/2010/main" val="2346105759"/>
               </p:ext>
             </p:extLst>
           </p:nvPr>
         </p:nvGraphicFramePr>
         <p:xfrm>
-          <a:off x="631826" y="1831975"/>
-          <a:ext cx="10747407" cy="3562810"/>
+          <a:off x="2032609" y="1579056"/>
+          <a:ext cx="7777963" cy="3562810"/>
         </p:xfrm>
         <a:graphic>
           <a:graphicData uri="http://schemas.openxmlformats.org/drawingml/2006/table">
@@ -5155,13 +6856,6 @@
                   <a:extLst>
                     <a:ext uri="{9D8B030D-6E8A-4147-A177-3AD203B41FA5}">
                       <a16:colId xmlns:a16="http://schemas.microsoft.com/office/drawing/2014/main" val="418927161"/>
-                    </a:ext>
-                  </a:extLst>
-                </a:gridCol>
-                <a:gridCol w="2969444">
-                  <a:extLst>
-                    <a:ext uri="{9D8B030D-6E8A-4147-A177-3AD203B41FA5}">
-                      <a16:colId xmlns:a16="http://schemas.microsoft.com/office/drawing/2014/main" val="3990237153"/>
                     </a:ext>
                   </a:extLst>
                 </a:gridCol>
@@ -5188,19 +6882,6 @@
                       <a:r>
                         <a:rPr lang="en-US" sz="2400" dirty="0"/>
                         <a:t>Email Address</a:t>
-                      </a:r>
-                    </a:p>
-                  </a:txBody>
-                  <a:tcPr anchor="ctr"/>
-                </a:tc>
-                <a:tc>
-                  <a:txBody>
-                    <a:bodyPr/>
-                    <a:lstStyle/>
-                    <a:p>
-                      <a:r>
-                        <a:rPr lang="en-US" sz="2400" dirty="0"/>
-                        <a:t>Phone</a:t>
                       </a:r>
                     </a:p>
                   </a:txBody>
@@ -5239,17 +6920,6 @@
                   </a:txBody>
                   <a:tcPr anchor="ctr"/>
                 </a:tc>
-                <a:tc>
-                  <a:txBody>
-                    <a:bodyPr/>
-                    <a:lstStyle/>
-                    <a:p>
-                      <a:pPr algn="ctr"/>
-                      <a:endParaRPr lang="en-US" sz="2400" dirty="0"/>
-                    </a:p>
-                  </a:txBody>
-                  <a:tcPr anchor="ctr"/>
-                </a:tc>
                 <a:extLst>
                   <a:ext uri="{0D108BD9-81ED-4DB2-BD59-A6C34878D82A}">
                     <a16:rowId xmlns:a16="http://schemas.microsoft.com/office/drawing/2014/main" val="2886427900"/>
@@ -5283,17 +6953,6 @@
                   </a:txBody>
                   <a:tcPr anchor="ctr"/>
                 </a:tc>
-                <a:tc>
-                  <a:txBody>
-                    <a:bodyPr/>
-                    <a:lstStyle/>
-                    <a:p>
-                      <a:pPr algn="ctr"/>
-                      <a:endParaRPr lang="en-US" sz="2400" dirty="0"/>
-                    </a:p>
-                  </a:txBody>
-                  <a:tcPr anchor="ctr"/>
-                </a:tc>
                 <a:extLst>
                   <a:ext uri="{0D108BD9-81ED-4DB2-BD59-A6C34878D82A}">
                     <a16:rowId xmlns:a16="http://schemas.microsoft.com/office/drawing/2014/main" val="4009337728"/>
@@ -5320,23 +6979,8 @@
                     <a:lstStyle/>
                     <a:p>
                       <a:r>
-                        <a:rPr lang="en-US" sz="2400" dirty="0" err="1"/>
+                        <a:rPr lang="en-US" sz="2400" dirty="0"/>
                         <a:t>mulhollandkristina@gmail.com</a:t>
-                      </a:r>
-                      <a:endParaRPr lang="en-US" sz="2400" dirty="0"/>
-                    </a:p>
-                  </a:txBody>
-                  <a:tcPr anchor="ctr"/>
-                </a:tc>
-                <a:tc>
-                  <a:txBody>
-                    <a:bodyPr/>
-                    <a:lstStyle/>
-                    <a:p>
-                      <a:pPr algn="ctr"/>
-                      <a:r>
-                        <a:rPr lang="en-US" sz="2400" dirty="0"/>
-                        <a:t>732-682-6220</a:t>
                       </a:r>
                     </a:p>
                   </a:txBody>
@@ -5375,20 +7019,6 @@
                   </a:txBody>
                   <a:tcPr anchor="ctr"/>
                 </a:tc>
-                <a:tc>
-                  <a:txBody>
-                    <a:bodyPr/>
-                    <a:lstStyle/>
-                    <a:p>
-                      <a:pPr algn="ctr"/>
-                      <a:r>
-                        <a:rPr lang="en-US" sz="2400" dirty="0"/>
-                        <a:t>717-982-0516</a:t>
-                      </a:r>
-                    </a:p>
-                  </a:txBody>
-                  <a:tcPr anchor="ctr"/>
-                </a:tc>
                 <a:extLst>
                   <a:ext uri="{0D108BD9-81ED-4DB2-BD59-A6C34878D82A}">
                     <a16:rowId xmlns:a16="http://schemas.microsoft.com/office/drawing/2014/main" val="988999623"/>
@@ -5399,610 +7029,40 @@
           </a:graphicData>
         </a:graphic>
       </p:graphicFrame>
+      <p:pic>
+        <p:nvPicPr>
+          <p:cNvPr id="2" name="Picture 1">
+            <a:extLst>
+              <a:ext uri="{FF2B5EF4-FFF2-40B4-BE49-F238E27FC236}">
+                <a16:creationId xmlns:a16="http://schemas.microsoft.com/office/drawing/2014/main" id="{220996B2-5788-B360-9D8A-8895C96D350D}"/>
+              </a:ext>
+            </a:extLst>
+          </p:cNvPr>
+          <p:cNvPicPr>
+            <a:picLocks noChangeAspect="1"/>
+          </p:cNvPicPr>
+          <p:nvPr/>
+        </p:nvPicPr>
+        <p:blipFill>
+          <a:blip r:embed="rId2"/>
+          <a:stretch>
+            <a:fillRect/>
+          </a:stretch>
+        </p:blipFill>
+        <p:spPr>
+          <a:xfrm>
+            <a:off x="11303272" y="58368"/>
+            <a:ext cx="830360" cy="389106"/>
+          </a:xfrm>
+          <a:prstGeom prst="rect">
+            <a:avLst/>
+          </a:prstGeom>
+        </p:spPr>
+      </p:pic>
     </p:spTree>
     <p:extLst>
       <p:ext uri="{BB962C8B-B14F-4D97-AF65-F5344CB8AC3E}">
         <p14:creationId xmlns:p14="http://schemas.microsoft.com/office/powerpoint/2010/main" val="3830361461"/>
-      </p:ext>
-    </p:extLst>
-  </p:cSld>
-  <p:clrMapOvr>
-    <a:masterClrMapping/>
-  </p:clrMapOvr>
-</p:sld>
-</file>
-
-<file path=ppt/slides/slide20.xml><?xml version="1.0" encoding="utf-8"?>
-<p:sld xmlns:a="http://schemas.openxmlformats.org/drawingml/2006/main" xmlns:r="http://schemas.openxmlformats.org/officeDocument/2006/relationships" xmlns:p="http://schemas.openxmlformats.org/presentationml/2006/main" show="0">
-  <p:cSld>
-    <p:spTree>
-      <p:nvGrpSpPr>
-        <p:cNvPr id="1" name=""/>
-        <p:cNvGrpSpPr/>
-        <p:nvPr/>
-      </p:nvGrpSpPr>
-      <p:grpSpPr>
-        <a:xfrm>
-          <a:off x="0" y="0"/>
-          <a:ext cx="0" cy="0"/>
-          <a:chOff x="0" y="0"/>
-          <a:chExt cx="0" cy="0"/>
-        </a:xfrm>
-      </p:grpSpPr>
-      <p:sp>
-        <p:nvSpPr>
-          <p:cNvPr id="1682440" name="Rectangle 8"/>
-          <p:cNvSpPr>
-            <a:spLocks noGrp="1" noChangeArrowheads="1"/>
-          </p:cNvSpPr>
-          <p:nvPr>
-            <p:ph type="title"/>
-          </p:nvPr>
-        </p:nvSpPr>
-        <p:spPr/>
-        <p:txBody>
-          <a:bodyPr/>
-          <a:lstStyle/>
-          <a:p>
-            <a:r>
-              <a:rPr lang="en-US" dirty="0"/>
-              <a:t>“… when an online service is free, you’re not the customer. You’re the product.”</a:t>
-            </a:r>
-          </a:p>
-        </p:txBody>
-      </p:sp>
-      <p:sp>
-        <p:nvSpPr>
-          <p:cNvPr id="3" name="Rectangle 9"/>
-          <p:cNvSpPr>
-            <a:spLocks noGrp="1" noChangeArrowheads="1"/>
-          </p:cNvSpPr>
-          <p:nvPr>
-            <p:ph type="subTitle" idx="1"/>
-          </p:nvPr>
-        </p:nvSpPr>
-        <p:spPr/>
-        <p:txBody>
-          <a:bodyPr/>
-          <a:lstStyle/>
-          <a:p>
-            <a:r>
-              <a:rPr lang="en-US" dirty="0"/>
-              <a:t>Tim Cook, open letter to customers September 17, 2014</a:t>
-            </a:r>
-          </a:p>
-        </p:txBody>
-      </p:sp>
-    </p:spTree>
-    <p:extLst>
-      <p:ext uri="{BB962C8B-B14F-4D97-AF65-F5344CB8AC3E}">
-        <p14:creationId xmlns:p14="http://schemas.microsoft.com/office/powerpoint/2010/main" val="604499499"/>
-      </p:ext>
-    </p:extLst>
-  </p:cSld>
-  <p:clrMapOvr>
-    <a:masterClrMapping/>
-  </p:clrMapOvr>
-</p:sld>
-</file>
-
-<file path=ppt/slides/slide21.xml><?xml version="1.0" encoding="utf-8"?>
-<p:sld xmlns:a="http://schemas.openxmlformats.org/drawingml/2006/main" xmlns:r="http://schemas.openxmlformats.org/officeDocument/2006/relationships" xmlns:p="http://schemas.openxmlformats.org/presentationml/2006/main" show="0">
-  <p:cSld>
-    <p:spTree>
-      <p:nvGrpSpPr>
-        <p:cNvPr id="1" name=""/>
-        <p:cNvGrpSpPr/>
-        <p:nvPr/>
-      </p:nvGrpSpPr>
-      <p:grpSpPr>
-        <a:xfrm>
-          <a:off x="0" y="0"/>
-          <a:ext cx="0" cy="0"/>
-          <a:chOff x="0" y="0"/>
-          <a:chExt cx="0" cy="0"/>
-        </a:xfrm>
-      </p:grpSpPr>
-      <p:sp>
-        <p:nvSpPr>
-          <p:cNvPr id="7" name="Rectangle 6"/>
-          <p:cNvSpPr/>
-          <p:nvPr/>
-        </p:nvSpPr>
-        <p:spPr>
-          <a:xfrm>
-            <a:off x="5029200" y="927100"/>
-            <a:ext cx="2374900" cy="1701800"/>
-          </a:xfrm>
-          <a:prstGeom prst="rect">
-            <a:avLst/>
-          </a:prstGeom>
-          <a:solidFill>
-            <a:schemeClr val="bg2"/>
-          </a:solidFill>
-        </p:spPr>
-        <p:style>
-          <a:lnRef idx="2">
-            <a:schemeClr val="accent1">
-              <a:shade val="50000"/>
-            </a:schemeClr>
-          </a:lnRef>
-          <a:fillRef idx="1">
-            <a:schemeClr val="accent1"/>
-          </a:fillRef>
-          <a:effectRef idx="0">
-            <a:schemeClr val="accent1"/>
-          </a:effectRef>
-          <a:fontRef idx="minor">
-            <a:schemeClr val="lt1"/>
-          </a:fontRef>
-        </p:style>
-        <p:txBody>
-          <a:bodyPr rtlCol="0" anchor="ctr"/>
-          <a:lstStyle/>
-          <a:p>
-            <a:pPr algn="ctr" defTabSz="914400"/>
-            <a:endParaRPr lang="en-US" dirty="0">
-              <a:solidFill>
-                <a:prstClr val="white"/>
-              </a:solidFill>
-            </a:endParaRPr>
-          </a:p>
-        </p:txBody>
-      </p:sp>
-      <p:sp>
-        <p:nvSpPr>
-          <p:cNvPr id="8" name="Rectangle 7"/>
-          <p:cNvSpPr/>
-          <p:nvPr/>
-        </p:nvSpPr>
-        <p:spPr>
-          <a:xfrm>
-            <a:off x="7620000" y="927100"/>
-            <a:ext cx="2374900" cy="1701800"/>
-          </a:xfrm>
-          <a:prstGeom prst="rect">
-            <a:avLst/>
-          </a:prstGeom>
-          <a:solidFill>
-            <a:schemeClr val="tx2"/>
-          </a:solidFill>
-        </p:spPr>
-        <p:style>
-          <a:lnRef idx="2">
-            <a:schemeClr val="accent1">
-              <a:shade val="50000"/>
-            </a:schemeClr>
-          </a:lnRef>
-          <a:fillRef idx="1">
-            <a:schemeClr val="accent1"/>
-          </a:fillRef>
-          <a:effectRef idx="0">
-            <a:schemeClr val="accent1"/>
-          </a:effectRef>
-          <a:fontRef idx="minor">
-            <a:schemeClr val="lt1"/>
-          </a:fontRef>
-        </p:style>
-        <p:txBody>
-          <a:bodyPr rtlCol="0" anchor="ctr"/>
-          <a:lstStyle/>
-          <a:p>
-            <a:pPr algn="ctr" defTabSz="914400"/>
-            <a:r>
-              <a:rPr lang="en-US" dirty="0">
-                <a:solidFill>
-                  <a:prstClr val="white"/>
-                </a:solidFill>
-              </a:rPr>
-              <a:t>brown</a:t>
-            </a:r>
-          </a:p>
-        </p:txBody>
-      </p:sp>
-      <p:sp>
-        <p:nvSpPr>
-          <p:cNvPr id="9" name="Rectangle 8"/>
-          <p:cNvSpPr/>
-          <p:nvPr/>
-        </p:nvSpPr>
-        <p:spPr>
-          <a:xfrm>
-            <a:off x="2298700" y="2908300"/>
-            <a:ext cx="2374900" cy="1701800"/>
-          </a:xfrm>
-          <a:prstGeom prst="rect">
-            <a:avLst/>
-          </a:prstGeom>
-          <a:solidFill>
-            <a:schemeClr val="accent1"/>
-          </a:solidFill>
-        </p:spPr>
-        <p:style>
-          <a:lnRef idx="2">
-            <a:schemeClr val="accent1">
-              <a:shade val="50000"/>
-            </a:schemeClr>
-          </a:lnRef>
-          <a:fillRef idx="1">
-            <a:schemeClr val="accent1"/>
-          </a:fillRef>
-          <a:effectRef idx="0">
-            <a:schemeClr val="accent1"/>
-          </a:effectRef>
-          <a:fontRef idx="minor">
-            <a:schemeClr val="lt1"/>
-          </a:fontRef>
-        </p:style>
-        <p:txBody>
-          <a:bodyPr rtlCol="0" anchor="ctr"/>
-          <a:lstStyle/>
-          <a:p>
-            <a:pPr algn="ctr" defTabSz="914400"/>
-            <a:r>
-              <a:rPr lang="en-US" dirty="0">
-                <a:solidFill>
-                  <a:prstClr val="white"/>
-                </a:solidFill>
-              </a:rPr>
-              <a:t>Blue</a:t>
-            </a:r>
-          </a:p>
-        </p:txBody>
-      </p:sp>
-      <p:sp>
-        <p:nvSpPr>
-          <p:cNvPr id="10" name="Rectangle 9"/>
-          <p:cNvSpPr/>
-          <p:nvPr/>
-        </p:nvSpPr>
-        <p:spPr>
-          <a:xfrm>
-            <a:off x="5029200" y="2908300"/>
-            <a:ext cx="2374900" cy="1701800"/>
-          </a:xfrm>
-          <a:prstGeom prst="rect">
-            <a:avLst/>
-          </a:prstGeom>
-          <a:solidFill>
-            <a:srgbClr val="DD8047"/>
-          </a:solidFill>
-          <a:ln>
-            <a:solidFill>
-              <a:srgbClr val="DD8047"/>
-            </a:solidFill>
-          </a:ln>
-        </p:spPr>
-        <p:style>
-          <a:lnRef idx="2">
-            <a:schemeClr val="accent1">
-              <a:shade val="50000"/>
-            </a:schemeClr>
-          </a:lnRef>
-          <a:fillRef idx="1">
-            <a:schemeClr val="accent1"/>
-          </a:fillRef>
-          <a:effectRef idx="0">
-            <a:schemeClr val="accent1"/>
-          </a:effectRef>
-          <a:fontRef idx="minor">
-            <a:schemeClr val="lt1"/>
-          </a:fontRef>
-        </p:style>
-        <p:txBody>
-          <a:bodyPr rtlCol="0" anchor="ctr"/>
-          <a:lstStyle/>
-          <a:p>
-            <a:pPr algn="ctr" defTabSz="914400"/>
-            <a:r>
-              <a:rPr lang="en-US" dirty="0">
-                <a:solidFill>
-                  <a:schemeClr val="bg1"/>
-                </a:solidFill>
-              </a:rPr>
-              <a:t>rust</a:t>
-            </a:r>
-          </a:p>
-        </p:txBody>
-      </p:sp>
-      <p:sp>
-        <p:nvSpPr>
-          <p:cNvPr id="11" name="Rectangle 10"/>
-          <p:cNvSpPr/>
-          <p:nvPr/>
-        </p:nvSpPr>
-        <p:spPr>
-          <a:xfrm>
-            <a:off x="7620000" y="2908300"/>
-            <a:ext cx="2374900" cy="1701800"/>
-          </a:xfrm>
-          <a:prstGeom prst="rect">
-            <a:avLst/>
-          </a:prstGeom>
-          <a:solidFill>
-            <a:srgbClr val="A5AB81"/>
-          </a:solidFill>
-        </p:spPr>
-        <p:style>
-          <a:lnRef idx="2">
-            <a:schemeClr val="accent1">
-              <a:shade val="50000"/>
-            </a:schemeClr>
-          </a:lnRef>
-          <a:fillRef idx="1">
-            <a:schemeClr val="accent1"/>
-          </a:fillRef>
-          <a:effectRef idx="0">
-            <a:schemeClr val="accent1"/>
-          </a:effectRef>
-          <a:fontRef idx="minor">
-            <a:schemeClr val="lt1"/>
-          </a:fontRef>
-        </p:style>
-        <p:txBody>
-          <a:bodyPr rtlCol="0" anchor="ctr"/>
-          <a:lstStyle/>
-          <a:p>
-            <a:pPr algn="ctr" defTabSz="914400"/>
-            <a:r>
-              <a:rPr lang="en-US" dirty="0">
-                <a:solidFill>
-                  <a:prstClr val="white"/>
-                </a:solidFill>
-              </a:rPr>
-              <a:t>sage</a:t>
-            </a:r>
-          </a:p>
-        </p:txBody>
-      </p:sp>
-      <p:sp>
-        <p:nvSpPr>
-          <p:cNvPr id="12" name="Rectangle 11"/>
-          <p:cNvSpPr/>
-          <p:nvPr/>
-        </p:nvSpPr>
-        <p:spPr>
-          <a:xfrm>
-            <a:off x="2298700" y="4876800"/>
-            <a:ext cx="2374900" cy="1701800"/>
-          </a:xfrm>
-          <a:prstGeom prst="rect">
-            <a:avLst/>
-          </a:prstGeom>
-          <a:solidFill>
-            <a:schemeClr val="accent4"/>
-          </a:solidFill>
-        </p:spPr>
-        <p:style>
-          <a:lnRef idx="2">
-            <a:schemeClr val="accent1">
-              <a:shade val="50000"/>
-            </a:schemeClr>
-          </a:lnRef>
-          <a:fillRef idx="1">
-            <a:schemeClr val="accent1"/>
-          </a:fillRef>
-          <a:effectRef idx="0">
-            <a:schemeClr val="accent1"/>
-          </a:effectRef>
-          <a:fontRef idx="minor">
-            <a:schemeClr val="lt1"/>
-          </a:fontRef>
-        </p:style>
-        <p:txBody>
-          <a:bodyPr rtlCol="0" anchor="ctr"/>
-          <a:lstStyle/>
-          <a:p>
-            <a:pPr algn="ctr" defTabSz="914400"/>
-            <a:r>
-              <a:rPr lang="en-US" dirty="0">
-                <a:solidFill>
-                  <a:prstClr val="white"/>
-                </a:solidFill>
-              </a:rPr>
-              <a:t>Gold</a:t>
-            </a:r>
-          </a:p>
-        </p:txBody>
-      </p:sp>
-      <p:sp>
-        <p:nvSpPr>
-          <p:cNvPr id="13" name="Rectangle 12"/>
-          <p:cNvSpPr/>
-          <p:nvPr/>
-        </p:nvSpPr>
-        <p:spPr>
-          <a:xfrm>
-            <a:off x="5029200" y="4889500"/>
-            <a:ext cx="2374900" cy="1701800"/>
-          </a:xfrm>
-          <a:prstGeom prst="rect">
-            <a:avLst/>
-          </a:prstGeom>
-          <a:solidFill>
-            <a:schemeClr val="accent5"/>
-          </a:solidFill>
-        </p:spPr>
-        <p:style>
-          <a:lnRef idx="2">
-            <a:schemeClr val="accent1">
-              <a:shade val="50000"/>
-            </a:schemeClr>
-          </a:lnRef>
-          <a:fillRef idx="1">
-            <a:schemeClr val="accent1"/>
-          </a:fillRef>
-          <a:effectRef idx="0">
-            <a:schemeClr val="accent1"/>
-          </a:effectRef>
-          <a:fontRef idx="minor">
-            <a:schemeClr val="lt1"/>
-          </a:fontRef>
-        </p:style>
-        <p:txBody>
-          <a:bodyPr rtlCol="0" anchor="ctr"/>
-          <a:lstStyle/>
-          <a:p>
-            <a:pPr algn="ctr" defTabSz="914400"/>
-            <a:r>
-              <a:rPr lang="en-US" dirty="0">
-                <a:solidFill>
-                  <a:prstClr val="white"/>
-                </a:solidFill>
-              </a:rPr>
-              <a:t>Green</a:t>
-            </a:r>
-          </a:p>
-        </p:txBody>
-      </p:sp>
-      <p:sp>
-        <p:nvSpPr>
-          <p:cNvPr id="14" name="Rectangle 13"/>
-          <p:cNvSpPr/>
-          <p:nvPr/>
-        </p:nvSpPr>
-        <p:spPr>
-          <a:xfrm>
-            <a:off x="7620000" y="4889500"/>
-            <a:ext cx="2374900" cy="1701800"/>
-          </a:xfrm>
-          <a:prstGeom prst="rect">
-            <a:avLst/>
-          </a:prstGeom>
-          <a:solidFill>
-            <a:srgbClr val="968C8C"/>
-          </a:solidFill>
-        </p:spPr>
-        <p:style>
-          <a:lnRef idx="2">
-            <a:schemeClr val="accent1">
-              <a:shade val="50000"/>
-            </a:schemeClr>
-          </a:lnRef>
-          <a:fillRef idx="1">
-            <a:schemeClr val="accent1"/>
-          </a:fillRef>
-          <a:effectRef idx="0">
-            <a:schemeClr val="accent1"/>
-          </a:effectRef>
-          <a:fontRef idx="minor">
-            <a:schemeClr val="lt1"/>
-          </a:fontRef>
-        </p:style>
-        <p:txBody>
-          <a:bodyPr rtlCol="0" anchor="ctr"/>
-          <a:lstStyle/>
-          <a:p>
-            <a:pPr algn="ctr" defTabSz="914400"/>
-            <a:r>
-              <a:rPr lang="en-US" dirty="0">
-                <a:solidFill>
-                  <a:schemeClr val="bg1"/>
-                </a:solidFill>
-              </a:rPr>
-              <a:t>taupe</a:t>
-            </a:r>
-          </a:p>
-        </p:txBody>
-      </p:sp>
-      <p:sp>
-        <p:nvSpPr>
-          <p:cNvPr id="15" name="Rectangle 14"/>
-          <p:cNvSpPr/>
-          <p:nvPr/>
-        </p:nvSpPr>
-        <p:spPr>
-          <a:xfrm>
-            <a:off x="2298700" y="939800"/>
-            <a:ext cx="1181100" cy="1701800"/>
-          </a:xfrm>
-          <a:prstGeom prst="rect">
-            <a:avLst/>
-          </a:prstGeom>
-          <a:solidFill>
-            <a:schemeClr val="bg1"/>
-          </a:solidFill>
-        </p:spPr>
-        <p:style>
-          <a:lnRef idx="2">
-            <a:schemeClr val="accent1">
-              <a:shade val="50000"/>
-            </a:schemeClr>
-          </a:lnRef>
-          <a:fillRef idx="1">
-            <a:schemeClr val="accent1"/>
-          </a:fillRef>
-          <a:effectRef idx="0">
-            <a:schemeClr val="accent1"/>
-          </a:effectRef>
-          <a:fontRef idx="minor">
-            <a:schemeClr val="lt1"/>
-          </a:fontRef>
-        </p:style>
-        <p:txBody>
-          <a:bodyPr rtlCol="0" anchor="ctr"/>
-          <a:lstStyle/>
-          <a:p>
-            <a:pPr algn="ctr" defTabSz="914400"/>
-            <a:endParaRPr lang="en-US" dirty="0">
-              <a:solidFill>
-                <a:prstClr val="white"/>
-              </a:solidFill>
-            </a:endParaRPr>
-          </a:p>
-        </p:txBody>
-      </p:sp>
-      <p:sp>
-        <p:nvSpPr>
-          <p:cNvPr id="16" name="Rectangle 15"/>
-          <p:cNvSpPr/>
-          <p:nvPr/>
-        </p:nvSpPr>
-        <p:spPr>
-          <a:xfrm>
-            <a:off x="3492500" y="939800"/>
-            <a:ext cx="1181100" cy="1701800"/>
-          </a:xfrm>
-          <a:prstGeom prst="rect">
-            <a:avLst/>
-          </a:prstGeom>
-          <a:solidFill>
-            <a:schemeClr val="tx1"/>
-          </a:solidFill>
-        </p:spPr>
-        <p:style>
-          <a:lnRef idx="2">
-            <a:schemeClr val="accent1">
-              <a:shade val="50000"/>
-            </a:schemeClr>
-          </a:lnRef>
-          <a:fillRef idx="1">
-            <a:schemeClr val="accent1"/>
-          </a:fillRef>
-          <a:effectRef idx="0">
-            <a:schemeClr val="accent1"/>
-          </a:effectRef>
-          <a:fontRef idx="minor">
-            <a:schemeClr val="lt1"/>
-          </a:fontRef>
-        </p:style>
-        <p:txBody>
-          <a:bodyPr rtlCol="0" anchor="ctr"/>
-          <a:lstStyle/>
-          <a:p>
-            <a:pPr algn="ctr" defTabSz="914400"/>
-            <a:endParaRPr lang="en-US" dirty="0">
-              <a:solidFill>
-                <a:prstClr val="white"/>
-              </a:solidFill>
-            </a:endParaRPr>
-          </a:p>
-        </p:txBody>
-      </p:sp>
-    </p:spTree>
-    <p:extLst>
-      <p:ext uri="{BB962C8B-B14F-4D97-AF65-F5344CB8AC3E}">
-        <p14:creationId xmlns:p14="http://schemas.microsoft.com/office/powerpoint/2010/main" val="1548161044"/>
       </p:ext>
     </p:extLst>
   </p:cSld>
@@ -6249,6 +7309,36 @@
           <a:xfrm>
             <a:off x="8158595" y="1681595"/>
             <a:ext cx="3266209" cy="3266209"/>
+          </a:xfrm>
+          <a:prstGeom prst="rect">
+            <a:avLst/>
+          </a:prstGeom>
+        </p:spPr>
+      </p:pic>
+      <p:pic>
+        <p:nvPicPr>
+          <p:cNvPr id="7" name="Picture 6">
+            <a:extLst>
+              <a:ext uri="{FF2B5EF4-FFF2-40B4-BE49-F238E27FC236}">
+                <a16:creationId xmlns:a16="http://schemas.microsoft.com/office/drawing/2014/main" id="{EAC43F37-337C-0621-B58F-609EA0BE3C6D}"/>
+              </a:ext>
+            </a:extLst>
+          </p:cNvPr>
+          <p:cNvPicPr>
+            <a:picLocks noChangeAspect="1"/>
+          </p:cNvPicPr>
+          <p:nvPr/>
+        </p:nvPicPr>
+        <p:blipFill>
+          <a:blip r:embed="rId5"/>
+          <a:stretch>
+            <a:fillRect/>
+          </a:stretch>
+        </p:blipFill>
+        <p:spPr>
+          <a:xfrm>
+            <a:off x="11303272" y="58368"/>
+            <a:ext cx="830360" cy="389106"/>
           </a:xfrm>
           <a:prstGeom prst="rect">
             <a:avLst/>
@@ -6314,12 +7404,8 @@
           <a:p>
             <a:pPr lvl="1"/>
             <a:r>
-              <a:rPr lang="en-US" dirty="0" err="1"/>
-              <a:t>xlookup</a:t>
-            </a:r>
-            <a:r>
               <a:rPr lang="en-US" dirty="0"/>
-              <a:t> to translate 8 columns of abbreviations to plain text and added 3-char country code</a:t>
+              <a:t>xlookup to translate 8 columns of abbreviations to plain text and added 3-char country code</a:t>
             </a:r>
           </a:p>
           <a:p>
@@ -6360,21 +7446,8 @@
             <a:pPr lvl="1"/>
             <a:r>
               <a:rPr lang="en-US" dirty="0"/>
-              <a:t>Merge country </a:t>
-            </a:r>
-            <a:r>
-              <a:rPr lang="en-US" dirty="0" err="1"/>
-              <a:t>geoJSON</a:t>
-            </a:r>
-            <a:r>
-              <a:rPr lang="en-US" dirty="0"/>
-              <a:t> with Data Science salary data and export new </a:t>
-            </a:r>
-            <a:r>
-              <a:rPr lang="en-US" dirty="0" err="1"/>
-              <a:t>geoJSON</a:t>
-            </a:r>
-            <a:endParaRPr lang="en-US" dirty="0"/>
+              <a:t>Merge country geoJSON with Data Science salary data and export new geoJSON</a:t>
+            </a:r>
           </a:p>
           <a:p>
             <a:r>
@@ -6412,6 +7485,36 @@
           </a:p>
         </p:txBody>
       </p:sp>
+      <p:pic>
+        <p:nvPicPr>
+          <p:cNvPr id="4" name="Picture 3">
+            <a:extLst>
+              <a:ext uri="{FF2B5EF4-FFF2-40B4-BE49-F238E27FC236}">
+                <a16:creationId xmlns:a16="http://schemas.microsoft.com/office/drawing/2014/main" id="{B514B645-7504-F7E4-984E-515E1511E90C}"/>
+              </a:ext>
+            </a:extLst>
+          </p:cNvPr>
+          <p:cNvPicPr>
+            <a:picLocks noChangeAspect="1"/>
+          </p:cNvPicPr>
+          <p:nvPr/>
+        </p:nvPicPr>
+        <p:blipFill>
+          <a:blip r:embed="rId2"/>
+          <a:stretch>
+            <a:fillRect/>
+          </a:stretch>
+        </p:blipFill>
+        <p:spPr>
+          <a:xfrm>
+            <a:off x="11303272" y="58368"/>
+            <a:ext cx="830360" cy="389106"/>
+          </a:xfrm>
+          <a:prstGeom prst="rect">
+            <a:avLst/>
+          </a:prstGeom>
+        </p:spPr>
+      </p:pic>
     </p:spTree>
     <p:extLst>
       <p:ext uri="{BB962C8B-B14F-4D97-AF65-F5344CB8AC3E}">
@@ -6461,7 +7564,7 @@
         <p:spPr>
           <a:xfrm>
             <a:off x="527050" y="1828800"/>
-            <a:ext cx="11137900" cy="4048124"/>
+            <a:ext cx="10153920" cy="4048124"/>
           </a:xfrm>
         </p:spPr>
         <p:txBody>
@@ -6503,7 +7606,36 @@
           <a:p>
             <a:r>
               <a:rPr lang="en-US" dirty="0"/>
+              <a:t>Chroma.js</a:t>
+            </a:r>
+          </a:p>
+          <a:p>
+            <a:r>
+              <a:rPr lang="en-US" dirty="0"/>
               <a:t>Postgres</a:t>
+            </a:r>
+          </a:p>
+          <a:p>
+            <a:r>
+              <a:rPr lang="en-US" dirty="0"/>
+              <a:t>Darkmode.js (</a:t>
+            </a:r>
+            <a:r>
+              <a:rPr lang="en-US" dirty="0">
+                <a:hlinkClick r:id="rId2"/>
+              </a:rPr>
+              <a:t>https://darkmodejs.learn.uno/</a:t>
+            </a:r>
+            <a:r>
+              <a:rPr lang="en-US" dirty="0"/>
+              <a:t>)</a:t>
+            </a:r>
+          </a:p>
+          <a:p>
+            <a:pPr lvl="1"/>
+            <a:r>
+              <a:rPr lang="en-US" dirty="0"/>
+              <a:t>JavaScript plugin/library, which adds a button to the bottom right of the screen to toggle between normal and dark mode. </a:t>
             </a:r>
           </a:p>
           <a:p>
@@ -6573,6 +7705,36 @@
           </a:p>
         </p:txBody>
       </p:sp>
+      <p:pic>
+        <p:nvPicPr>
+          <p:cNvPr id="2" name="Picture 1">
+            <a:extLst>
+              <a:ext uri="{FF2B5EF4-FFF2-40B4-BE49-F238E27FC236}">
+                <a16:creationId xmlns:a16="http://schemas.microsoft.com/office/drawing/2014/main" id="{D5610E6E-45CF-391B-E405-6C04E4CE2013}"/>
+              </a:ext>
+            </a:extLst>
+          </p:cNvPr>
+          <p:cNvPicPr>
+            <a:picLocks noChangeAspect="1"/>
+          </p:cNvPicPr>
+          <p:nvPr/>
+        </p:nvPicPr>
+        <p:blipFill>
+          <a:blip r:embed="rId3"/>
+          <a:stretch>
+            <a:fillRect/>
+          </a:stretch>
+        </p:blipFill>
+        <p:spPr>
+          <a:xfrm>
+            <a:off x="11303272" y="58368"/>
+            <a:ext cx="830360" cy="389106"/>
+          </a:xfrm>
+          <a:prstGeom prst="rect">
+            <a:avLst/>
+          </a:prstGeom>
+        </p:spPr>
+      </p:pic>
     </p:spTree>
     <p:extLst>
       <p:ext uri="{BB962C8B-B14F-4D97-AF65-F5344CB8AC3E}">
@@ -6734,6 +7896,11 @@
           <a:prstGeom prst="rect">
             <a:avLst/>
           </a:prstGeom>
+          <a:ln>
+            <a:solidFill>
+              <a:schemeClr val="accent1"/>
+            </a:solidFill>
+          </a:ln>
         </p:spPr>
       </p:pic>
       <p:sp>
@@ -6973,6 +8140,36 @@
           </a:p>
         </p:txBody>
       </p:sp>
+      <p:pic>
+        <p:nvPicPr>
+          <p:cNvPr id="2" name="Picture 1">
+            <a:extLst>
+              <a:ext uri="{FF2B5EF4-FFF2-40B4-BE49-F238E27FC236}">
+                <a16:creationId xmlns:a16="http://schemas.microsoft.com/office/drawing/2014/main" id="{EAC3866A-E0BC-E79F-C052-9F5C6CC9B9A9}"/>
+              </a:ext>
+            </a:extLst>
+          </p:cNvPr>
+          <p:cNvPicPr>
+            <a:picLocks noChangeAspect="1"/>
+          </p:cNvPicPr>
+          <p:nvPr/>
+        </p:nvPicPr>
+        <p:blipFill>
+          <a:blip r:embed="rId3"/>
+          <a:stretch>
+            <a:fillRect/>
+          </a:stretch>
+        </p:blipFill>
+        <p:spPr>
+          <a:xfrm>
+            <a:off x="11303272" y="58368"/>
+            <a:ext cx="830360" cy="389106"/>
+          </a:xfrm>
+          <a:prstGeom prst="rect">
+            <a:avLst/>
+          </a:prstGeom>
+        </p:spPr>
+      </p:pic>
     </p:spTree>
     <p:extLst>
       <p:ext uri="{BB962C8B-B14F-4D97-AF65-F5344CB8AC3E}">
@@ -6991,7 +8188,7 @@
   <p:cSld>
     <p:spTree>
       <p:nvGrpSpPr>
-        <p:cNvPr id="1" name=""/>
+        <p:cNvPr id="1" name="Shape 108"/>
         <p:cNvGrpSpPr/>
         <p:nvPr/>
       </p:nvGrpSpPr>
@@ -7005,137 +8202,349 @@
       </p:grpSpPr>
       <p:sp>
         <p:nvSpPr>
-          <p:cNvPr id="3" name="Content Placeholder 2">
-            <a:extLst>
-              <a:ext uri="{FF2B5EF4-FFF2-40B4-BE49-F238E27FC236}">
-                <a16:creationId xmlns:a16="http://schemas.microsoft.com/office/drawing/2014/main" id="{DE1E9757-86EB-473F-E63E-3FCB7FD4F86E}"/>
-              </a:ext>
-            </a:extLst>
-          </p:cNvPr>
-          <p:cNvSpPr>
+          <p:cNvPr id="109" name="Google Shape;109;g20266313f4a_0_0"/>
+          <p:cNvSpPr txBox="1">
             <a:spLocks noGrp="1"/>
           </p:cNvSpPr>
           <p:nvPr>
-            <p:ph sz="half" idx="2"/>
+            <p:ph type="body" idx="2"/>
           </p:nvPr>
         </p:nvSpPr>
         <p:spPr>
           <a:xfrm>
             <a:off x="527050" y="1828800"/>
-            <a:ext cx="11137900" cy="4048124"/>
+            <a:ext cx="11137800" cy="1402200"/>
           </a:xfrm>
+          <a:prstGeom prst="rect">
+            <a:avLst/>
+          </a:prstGeom>
+          <a:noFill/>
+          <a:ln>
+            <a:noFill/>
+          </a:ln>
         </p:spPr>
         <p:txBody>
-          <a:bodyPr/>
+          <a:bodyPr spcFirstLastPara="1" wrap="square" lIns="91425" tIns="45700" rIns="91425" bIns="45700" anchor="t" anchorCtr="0">
+            <a:noAutofit/>
+          </a:bodyPr>
           <a:lstStyle/>
           <a:p>
+            <a:pPr marL="342900" lvl="0" indent="-342900" algn="l" rtl="0">
+              <a:spcBef>
+                <a:spcPts val="0"/>
+              </a:spcBef>
+              <a:spcAft>
+                <a:spcPts val="0"/>
+              </a:spcAft>
+              <a:buClr>
+                <a:schemeClr val="dk2"/>
+              </a:buClr>
+              <a:buSzPts val="2000"/>
+              <a:buFont typeface="Noto Sans Symbols"/>
+              <a:buChar char="▪"/>
+            </a:pPr>
             <a:r>
               <a:rPr lang="en-US" dirty="0"/>
               <a:t>Questions explored: </a:t>
             </a:r>
-          </a:p>
-          <a:p>
-            <a:pPr lvl="1"/>
+            <a:endParaRPr dirty="0"/>
+          </a:p>
+          <a:p>
+            <a:pPr marL="641350" lvl="1" indent="-285750" algn="l" rtl="0">
+              <a:spcBef>
+                <a:spcPts val="360"/>
+              </a:spcBef>
+              <a:spcAft>
+                <a:spcPts val="0"/>
+              </a:spcAft>
+              <a:buSzPts val="1800"/>
+              <a:buChar char="▪"/>
+            </a:pPr>
             <a:r>
               <a:rPr lang="en-US" dirty="0"/>
-              <a:t>How do average data science salaries vary by country?</a:t>
-            </a:r>
-          </a:p>
-          <a:p>
-            <a:pPr lvl="1"/>
-            <a:r>
-              <a:rPr lang="en-US" dirty="0"/>
-              <a:t>How do average data science salaries vary by year?</a:t>
-            </a:r>
-          </a:p>
-          <a:p>
-            <a:r>
-              <a:rPr lang="en-US" dirty="0"/>
-              <a:t>Extract process:</a:t>
-            </a:r>
-          </a:p>
-          <a:p>
-            <a:endParaRPr lang="en-US" dirty="0"/>
-          </a:p>
-          <a:p>
-            <a:r>
-              <a:rPr lang="en-US" dirty="0"/>
-              <a:t>Transform process:</a:t>
-            </a:r>
-          </a:p>
-          <a:p>
-            <a:endParaRPr lang="en-US" dirty="0"/>
-          </a:p>
-          <a:p>
-            <a:r>
-              <a:rPr lang="en-US" dirty="0"/>
-              <a:t>Load process:</a:t>
-            </a:r>
+              <a:t>How does salary vary by experience level in the Data Science/Data Analytics field?</a:t>
+            </a:r>
+            <a:endParaRPr dirty="0"/>
           </a:p>
         </p:txBody>
       </p:sp>
       <p:sp>
         <p:nvSpPr>
-          <p:cNvPr id="4" name="Title 3">
-            <a:extLst>
-              <a:ext uri="{FF2B5EF4-FFF2-40B4-BE49-F238E27FC236}">
-                <a16:creationId xmlns:a16="http://schemas.microsoft.com/office/drawing/2014/main" id="{F9D439AE-488A-332D-0ECD-6E6A2D375E4E}"/>
-              </a:ext>
-            </a:extLst>
-          </p:cNvPr>
-          <p:cNvSpPr>
+          <p:cNvPr id="110" name="Google Shape;110;g20266313f4a_0_0"/>
+          <p:cNvSpPr txBox="1">
             <a:spLocks noGrp="1"/>
           </p:cNvSpPr>
           <p:nvPr>
             <p:ph type="title"/>
           </p:nvPr>
         </p:nvSpPr>
-        <p:spPr/>
+        <p:spPr>
+          <a:xfrm>
+            <a:off x="527050" y="188913"/>
+            <a:ext cx="11137800" cy="1008000"/>
+          </a:xfrm>
+          <a:prstGeom prst="rect">
+            <a:avLst/>
+          </a:prstGeom>
+          <a:noFill/>
+          <a:ln>
+            <a:noFill/>
+          </a:ln>
+        </p:spPr>
         <p:txBody>
-          <a:bodyPr/>
+          <a:bodyPr spcFirstLastPara="1" wrap="square" lIns="0" tIns="0" rIns="0" bIns="0" anchor="ctr" anchorCtr="0">
+            <a:noAutofit/>
+          </a:bodyPr>
           <a:lstStyle/>
           <a:p>
+            <a:pPr marL="0" lvl="0" indent="0" algn="l" rtl="0">
+              <a:lnSpc>
+                <a:spcPct val="90000"/>
+              </a:lnSpc>
+              <a:spcBef>
+                <a:spcPts val="0"/>
+              </a:spcBef>
+              <a:spcAft>
+                <a:spcPts val="0"/>
+              </a:spcAft>
+              <a:buNone/>
+            </a:pPr>
             <a:r>
               <a:rPr lang="en-US" dirty="0"/>
-              <a:t>Average Salaries by Location</a:t>
-            </a:r>
+              <a:t>Average Salaries by Experience</a:t>
+            </a:r>
+            <a:endParaRPr dirty="0"/>
           </a:p>
         </p:txBody>
       </p:sp>
       <p:sp>
         <p:nvSpPr>
-          <p:cNvPr id="5" name="Content Placeholder 4">
+          <p:cNvPr id="111" name="Google Shape;111;g20266313f4a_0_0"/>
+          <p:cNvSpPr txBox="1">
+            <a:spLocks noGrp="1"/>
+          </p:cNvSpPr>
+          <p:nvPr>
+            <p:ph type="body" idx="3"/>
+          </p:nvPr>
+        </p:nvSpPr>
+        <p:spPr>
+          <a:xfrm>
+            <a:off x="527051" y="1268413"/>
+            <a:ext cx="11157000" cy="504000"/>
+          </a:xfrm>
+          <a:prstGeom prst="rect">
+            <a:avLst/>
+          </a:prstGeom>
+          <a:solidFill>
+            <a:schemeClr val="accent5"/>
+          </a:solidFill>
+          <a:ln>
+            <a:noFill/>
+          </a:ln>
+        </p:spPr>
+        <p:txBody>
+          <a:bodyPr spcFirstLastPara="1" wrap="square" lIns="91425" tIns="45700" rIns="91425" bIns="45700" anchor="ctr" anchorCtr="0">
+            <a:noAutofit/>
+          </a:bodyPr>
+          <a:lstStyle/>
+          <a:p>
+            <a:pPr marL="0" lvl="0" indent="0" algn="l" rtl="0">
+              <a:spcBef>
+                <a:spcPts val="0"/>
+              </a:spcBef>
+              <a:spcAft>
+                <a:spcPts val="0"/>
+              </a:spcAft>
+              <a:buSzPts val="2400"/>
+              <a:buNone/>
+            </a:pPr>
+            <a:r>
+              <a:rPr lang="en-US" dirty="0"/>
+              <a:t>https://jeffpinegar.github.io/Joe_Experience_Impact.html</a:t>
+            </a:r>
+            <a:endParaRPr dirty="0"/>
+          </a:p>
+        </p:txBody>
+      </p:sp>
+      <p:sp>
+        <p:nvSpPr>
+          <p:cNvPr id="112" name="Google Shape;112;g20266313f4a_0_0"/>
+          <p:cNvSpPr txBox="1"/>
+          <p:nvPr/>
+        </p:nvSpPr>
+        <p:spPr>
+          <a:xfrm>
+            <a:off x="5858325" y="3750500"/>
+            <a:ext cx="6170100" cy="2196900"/>
+          </a:xfrm>
+          <a:prstGeom prst="rect">
+            <a:avLst/>
+          </a:prstGeom>
+          <a:noFill/>
+          <a:ln>
+            <a:noFill/>
+          </a:ln>
+        </p:spPr>
+        <p:txBody>
+          <a:bodyPr spcFirstLastPara="1" wrap="square" lIns="91425" tIns="45700" rIns="91425" bIns="45700" anchor="t" anchorCtr="0">
+            <a:noAutofit/>
+          </a:bodyPr>
+          <a:lstStyle/>
+          <a:p>
+            <a:pPr marL="457200" marR="0" lvl="0" indent="-342900" algn="l" rtl="0">
+              <a:lnSpc>
+                <a:spcPct val="115000"/>
+              </a:lnSpc>
+              <a:spcBef>
+                <a:spcPts val="360"/>
+              </a:spcBef>
+              <a:spcAft>
+                <a:spcPts val="0"/>
+              </a:spcAft>
+              <a:buSzPts val="1800"/>
+              <a:buFont typeface="Wingdings" panose="05000000000000000000" pitchFamily="2" charset="2"/>
+              <a:buChar char="§"/>
+            </a:pPr>
+            <a:r>
+              <a:rPr lang="en-US" sz="1800" dirty="0"/>
+              <a:t>According to the data, salary increases with more experience in the field of Data Science/Data Analytics.</a:t>
+            </a:r>
+            <a:endParaRPr sz="1800" dirty="0"/>
+          </a:p>
+          <a:p>
+            <a:pPr marL="457200" marR="0" lvl="0" indent="-342900" algn="l" rtl="0">
+              <a:spcBef>
+                <a:spcPts val="0"/>
+              </a:spcBef>
+              <a:spcAft>
+                <a:spcPts val="0"/>
+              </a:spcAft>
+              <a:buSzPts val="1800"/>
+              <a:buFont typeface="Wingdings" panose="05000000000000000000" pitchFamily="2" charset="2"/>
+              <a:buChar char="§"/>
+            </a:pPr>
+            <a:r>
+              <a:rPr lang="en-US" sz="1800" dirty="0"/>
+              <a:t>Salary for entry-level is around $61k.</a:t>
+            </a:r>
+            <a:endParaRPr sz="1800" dirty="0"/>
+          </a:p>
+          <a:p>
+            <a:pPr marL="457200" marR="0" lvl="0" indent="-342900" algn="l" rtl="0">
+              <a:spcBef>
+                <a:spcPts val="0"/>
+              </a:spcBef>
+              <a:spcAft>
+                <a:spcPts val="0"/>
+              </a:spcAft>
+              <a:buSzPts val="1800"/>
+              <a:buFont typeface="Wingdings" panose="05000000000000000000" pitchFamily="2" charset="2"/>
+              <a:buChar char="§"/>
+            </a:pPr>
+            <a:r>
+              <a:rPr lang="en-US" sz="1800" dirty="0"/>
+              <a:t>Salary for mid-level is around $88k.</a:t>
+            </a:r>
+            <a:endParaRPr sz="1800" dirty="0"/>
+          </a:p>
+          <a:p>
+            <a:pPr marL="457200" marR="0" lvl="0" indent="-342900" algn="l" rtl="0">
+              <a:spcBef>
+                <a:spcPts val="0"/>
+              </a:spcBef>
+              <a:spcAft>
+                <a:spcPts val="0"/>
+              </a:spcAft>
+              <a:buSzPts val="1800"/>
+              <a:buFont typeface="Wingdings" panose="05000000000000000000" pitchFamily="2" charset="2"/>
+              <a:buChar char="§"/>
+            </a:pPr>
+            <a:r>
+              <a:rPr lang="en-US" sz="1800" dirty="0"/>
+              <a:t>Salary for senior-level is around $139k.</a:t>
+            </a:r>
+            <a:endParaRPr sz="1800" dirty="0"/>
+          </a:p>
+          <a:p>
+            <a:pPr marL="457200" marR="0" lvl="0" indent="-342900" algn="l" rtl="0">
+              <a:spcBef>
+                <a:spcPts val="0"/>
+              </a:spcBef>
+              <a:spcAft>
+                <a:spcPts val="0"/>
+              </a:spcAft>
+              <a:buSzPts val="1800"/>
+              <a:buFont typeface="Wingdings" panose="05000000000000000000" pitchFamily="2" charset="2"/>
+              <a:buChar char="§"/>
+            </a:pPr>
+            <a:r>
+              <a:rPr lang="en-US" sz="1800" dirty="0"/>
+              <a:t>Salary for executive-level is around $200k.</a:t>
+            </a:r>
+            <a:endParaRPr sz="1800" dirty="0"/>
+          </a:p>
+        </p:txBody>
+      </p:sp>
+      <p:pic>
+        <p:nvPicPr>
+          <p:cNvPr id="113" name="Google Shape;113;g20266313f4a_0_0"/>
+          <p:cNvPicPr preferRelativeResize="0"/>
+          <p:nvPr/>
+        </p:nvPicPr>
+        <p:blipFill rotWithShape="1">
+          <a:blip r:embed="rId3">
+            <a:alphaModFix/>
+          </a:blip>
+          <a:srcRect l="8221" t="3240" r="7169"/>
+          <a:stretch/>
+        </p:blipFill>
+        <p:spPr>
+          <a:xfrm>
+            <a:off x="642025" y="2723745"/>
+            <a:ext cx="5350213" cy="3544903"/>
+          </a:xfrm>
+          <a:prstGeom prst="rect">
+            <a:avLst/>
+          </a:prstGeom>
+          <a:noFill/>
+          <a:ln>
+            <a:solidFill>
+              <a:schemeClr val="accent1"/>
+            </a:solidFill>
+          </a:ln>
+        </p:spPr>
+      </p:pic>
+      <p:pic>
+        <p:nvPicPr>
+          <p:cNvPr id="2" name="Picture 1">
             <a:extLst>
               <a:ext uri="{FF2B5EF4-FFF2-40B4-BE49-F238E27FC236}">
-                <a16:creationId xmlns:a16="http://schemas.microsoft.com/office/drawing/2014/main" id="{B0CB3829-C73B-80C7-909D-0576EA455126}"/>
+                <a16:creationId xmlns:a16="http://schemas.microsoft.com/office/drawing/2014/main" id="{BB4231B3-FA5C-DB76-4036-6BD4E9705A81}"/>
               </a:ext>
             </a:extLst>
           </p:cNvPr>
-          <p:cNvSpPr>
-            <a:spLocks noGrp="1"/>
-          </p:cNvSpPr>
-          <p:nvPr>
-            <p:ph sz="half" idx="10"/>
-          </p:nvPr>
-        </p:nvSpPr>
-        <p:spPr/>
-        <p:txBody>
-          <a:bodyPr/>
-          <a:lstStyle/>
-          <a:p>
-            <a:r>
-              <a:rPr lang="en-US" dirty="0"/>
-              <a:t>https://jeffpinegar.github.io/Kristina_Location.html</a:t>
-            </a:r>
-          </a:p>
-        </p:txBody>
-      </p:sp>
+          <p:cNvPicPr>
+            <a:picLocks noChangeAspect="1"/>
+          </p:cNvPicPr>
+          <p:nvPr/>
+        </p:nvPicPr>
+        <p:blipFill>
+          <a:blip r:embed="rId4"/>
+          <a:stretch>
+            <a:fillRect/>
+          </a:stretch>
+        </p:blipFill>
+        <p:spPr>
+          <a:xfrm>
+            <a:off x="11303272" y="58368"/>
+            <a:ext cx="830360" cy="389106"/>
+          </a:xfrm>
+          <a:prstGeom prst="rect">
+            <a:avLst/>
+          </a:prstGeom>
+        </p:spPr>
+      </p:pic>
     </p:spTree>
-    <p:extLst>
-      <p:ext uri="{BB962C8B-B14F-4D97-AF65-F5344CB8AC3E}">
-        <p14:creationId xmlns:p14="http://schemas.microsoft.com/office/powerpoint/2010/main" val="4265125037"/>
-      </p:ext>
-    </p:extLst>
   </p:cSld>
   <p:clrMapOvr>
     <a:masterClrMapping/>
@@ -7148,7 +8557,7 @@
   <p:cSld>
     <p:spTree>
       <p:nvGrpSpPr>
-        <p:cNvPr id="1" name=""/>
+        <p:cNvPr id="1" name="Shape 117"/>
         <p:cNvGrpSpPr/>
         <p:nvPr/>
       </p:nvGrpSpPr>
@@ -7162,102 +8571,319 @@
       </p:grpSpPr>
       <p:sp>
         <p:nvSpPr>
-          <p:cNvPr id="3" name="Content Placeholder 2">
-            <a:extLst>
-              <a:ext uri="{FF2B5EF4-FFF2-40B4-BE49-F238E27FC236}">
-                <a16:creationId xmlns:a16="http://schemas.microsoft.com/office/drawing/2014/main" id="{DE1E9757-86EB-473F-E63E-3FCB7FD4F86E}"/>
-              </a:ext>
-            </a:extLst>
-          </p:cNvPr>
-          <p:cNvSpPr>
+          <p:cNvPr id="118" name="Google Shape;118;g20266313f4a_0_10"/>
+          <p:cNvSpPr txBox="1">
             <a:spLocks noGrp="1"/>
           </p:cNvSpPr>
           <p:nvPr>
-            <p:ph sz="half" idx="2"/>
+            <p:ph type="body" idx="2"/>
           </p:nvPr>
         </p:nvSpPr>
         <p:spPr>
           <a:xfrm>
             <a:off x="527050" y="1828800"/>
-            <a:ext cx="11137900" cy="4048124"/>
+            <a:ext cx="11137800" cy="1402200"/>
           </a:xfrm>
+          <a:prstGeom prst="rect">
+            <a:avLst/>
+          </a:prstGeom>
+          <a:noFill/>
+          <a:ln>
+            <a:noFill/>
+          </a:ln>
         </p:spPr>
         <p:txBody>
-          <a:bodyPr/>
+          <a:bodyPr spcFirstLastPara="1" wrap="square" lIns="91425" tIns="45700" rIns="91425" bIns="45700" anchor="t" anchorCtr="0">
+            <a:noAutofit/>
+          </a:bodyPr>
           <a:lstStyle/>
           <a:p>
-            <a:pPr marL="0" indent="0">
-              <a:buNone/>
+            <a:pPr marL="342900" lvl="0" indent="-342900" algn="l" rtl="0">
+              <a:spcBef>
+                <a:spcPts val="0"/>
+              </a:spcBef>
+              <a:spcAft>
+                <a:spcPts val="0"/>
+              </a:spcAft>
+              <a:buClr>
+                <a:schemeClr val="dk2"/>
+              </a:buClr>
+              <a:buSzPts val="2000"/>
+              <a:buFont typeface="Noto Sans Symbols"/>
+              <a:buChar char="▪"/>
             </a:pPr>
             <a:r>
               <a:rPr lang="en-US" dirty="0"/>
-              <a:t>Insert screenshot(s) of map here</a:t>
-            </a:r>
+              <a:t>Questions explored: </a:t>
+            </a:r>
+            <a:endParaRPr dirty="0"/>
+          </a:p>
+          <a:p>
+            <a:pPr marL="641350" lvl="1" indent="-285750" algn="l" rtl="0">
+              <a:spcBef>
+                <a:spcPts val="360"/>
+              </a:spcBef>
+              <a:spcAft>
+                <a:spcPts val="0"/>
+              </a:spcAft>
+              <a:buSzPts val="1800"/>
+              <a:buChar char="▪"/>
+            </a:pPr>
+            <a:r>
+              <a:rPr lang="en-US" dirty="0"/>
+              <a:t>How does salary vary by job titles in the Data Science/Data Analytics field?</a:t>
+            </a:r>
+            <a:endParaRPr dirty="0"/>
+          </a:p>
+          <a:p>
+            <a:pPr marL="641350" lvl="1" indent="-285750" algn="l" rtl="0">
+              <a:spcBef>
+                <a:spcPts val="360"/>
+              </a:spcBef>
+              <a:spcAft>
+                <a:spcPts val="0"/>
+              </a:spcAft>
+              <a:buSzPts val="1800"/>
+              <a:buChar char="▪"/>
+            </a:pPr>
+            <a:r>
+              <a:rPr lang="en-US" dirty="0"/>
+              <a:t>How does salary vary by job category in the Data Science/Data Analytics field?</a:t>
+            </a:r>
+            <a:endParaRPr dirty="0"/>
           </a:p>
         </p:txBody>
       </p:sp>
       <p:sp>
         <p:nvSpPr>
-          <p:cNvPr id="4" name="Title 3">
-            <a:extLst>
-              <a:ext uri="{FF2B5EF4-FFF2-40B4-BE49-F238E27FC236}">
-                <a16:creationId xmlns:a16="http://schemas.microsoft.com/office/drawing/2014/main" id="{F9D439AE-488A-332D-0ECD-6E6A2D375E4E}"/>
-              </a:ext>
-            </a:extLst>
-          </p:cNvPr>
-          <p:cNvSpPr>
+          <p:cNvPr id="119" name="Google Shape;119;g20266313f4a_0_10"/>
+          <p:cNvSpPr txBox="1">
             <a:spLocks noGrp="1"/>
           </p:cNvSpPr>
           <p:nvPr>
             <p:ph type="title"/>
           </p:nvPr>
         </p:nvSpPr>
-        <p:spPr/>
+        <p:spPr>
+          <a:xfrm>
+            <a:off x="527050" y="188913"/>
+            <a:ext cx="11137800" cy="1008000"/>
+          </a:xfrm>
+          <a:prstGeom prst="rect">
+            <a:avLst/>
+          </a:prstGeom>
+          <a:noFill/>
+          <a:ln>
+            <a:noFill/>
+          </a:ln>
+        </p:spPr>
         <p:txBody>
-          <a:bodyPr/>
+          <a:bodyPr spcFirstLastPara="1" wrap="square" lIns="0" tIns="0" rIns="0" bIns="0" anchor="ctr" anchorCtr="0">
+            <a:noAutofit/>
+          </a:bodyPr>
           <a:lstStyle/>
           <a:p>
+            <a:pPr marL="0" lvl="0" indent="0" algn="l" rtl="0">
+              <a:lnSpc>
+                <a:spcPct val="90000"/>
+              </a:lnSpc>
+              <a:spcBef>
+                <a:spcPts val="0"/>
+              </a:spcBef>
+              <a:spcAft>
+                <a:spcPts val="0"/>
+              </a:spcAft>
+              <a:buNone/>
+            </a:pPr>
             <a:r>
               <a:rPr lang="en-US" dirty="0"/>
-              <a:t>Average Salaries by Location</a:t>
-            </a:r>
+              <a:t>Average Salaries by Job Titles</a:t>
+            </a:r>
+            <a:endParaRPr dirty="0"/>
           </a:p>
         </p:txBody>
       </p:sp>
       <p:sp>
         <p:nvSpPr>
-          <p:cNvPr id="5" name="Content Placeholder 4">
+          <p:cNvPr id="120" name="Google Shape;120;g20266313f4a_0_10"/>
+          <p:cNvSpPr txBox="1">
+            <a:spLocks noGrp="1"/>
+          </p:cNvSpPr>
+          <p:nvPr>
+            <p:ph type="body" idx="3"/>
+          </p:nvPr>
+        </p:nvSpPr>
+        <p:spPr>
+          <a:xfrm>
+            <a:off x="527051" y="1268413"/>
+            <a:ext cx="11157000" cy="504000"/>
+          </a:xfrm>
+          <a:prstGeom prst="rect">
+            <a:avLst/>
+          </a:prstGeom>
+          <a:solidFill>
+            <a:schemeClr val="accent5"/>
+          </a:solidFill>
+          <a:ln>
+            <a:noFill/>
+          </a:ln>
+        </p:spPr>
+        <p:txBody>
+          <a:bodyPr spcFirstLastPara="1" wrap="square" lIns="91425" tIns="45700" rIns="91425" bIns="45700" anchor="ctr" anchorCtr="0">
+            <a:noAutofit/>
+          </a:bodyPr>
+          <a:lstStyle/>
+          <a:p>
+            <a:pPr marL="0" lvl="0" indent="0" algn="l" rtl="0">
+              <a:spcBef>
+                <a:spcPts val="0"/>
+              </a:spcBef>
+              <a:spcAft>
+                <a:spcPts val="0"/>
+              </a:spcAft>
+              <a:buSzPts val="2400"/>
+              <a:buNone/>
+            </a:pPr>
+            <a:r>
+              <a:rPr lang="en-US" dirty="0"/>
+              <a:t>https://jeffpinegar.github.io/Joe_Position_Impact.html</a:t>
+            </a:r>
+            <a:endParaRPr dirty="0"/>
+          </a:p>
+        </p:txBody>
+      </p:sp>
+      <p:sp>
+        <p:nvSpPr>
+          <p:cNvPr id="121" name="Google Shape;121;g20266313f4a_0_10"/>
+          <p:cNvSpPr txBox="1"/>
+          <p:nvPr/>
+        </p:nvSpPr>
+        <p:spPr>
+          <a:xfrm>
+            <a:off x="7420575" y="3000375"/>
+            <a:ext cx="4326600" cy="3040500"/>
+          </a:xfrm>
+          <a:prstGeom prst="rect">
+            <a:avLst/>
+          </a:prstGeom>
+          <a:noFill/>
+          <a:ln>
+            <a:noFill/>
+          </a:ln>
+        </p:spPr>
+        <p:txBody>
+          <a:bodyPr spcFirstLastPara="1" wrap="square" lIns="91425" tIns="45700" rIns="91425" bIns="45700" anchor="t" anchorCtr="0">
+            <a:noAutofit/>
+          </a:bodyPr>
+          <a:lstStyle/>
+          <a:p>
+            <a:pPr marL="457200" marR="0" lvl="0" indent="-342900" algn="l" rtl="0">
+              <a:lnSpc>
+                <a:spcPct val="115000"/>
+              </a:lnSpc>
+              <a:spcBef>
+                <a:spcPts val="360"/>
+              </a:spcBef>
+              <a:spcAft>
+                <a:spcPts val="0"/>
+              </a:spcAft>
+              <a:buSzPts val="1800"/>
+              <a:buChar char="●"/>
+            </a:pPr>
+            <a:r>
+              <a:rPr lang="en-US" sz="1800" dirty="0"/>
+              <a:t>First graph shows the average salary for different positions in the Data Science/Data Analytics field.</a:t>
+            </a:r>
+            <a:endParaRPr sz="1800" dirty="0"/>
+          </a:p>
+          <a:p>
+            <a:pPr marL="457200" marR="0" lvl="0" indent="-342900" algn="l" rtl="0">
+              <a:lnSpc>
+                <a:spcPct val="115000"/>
+              </a:lnSpc>
+              <a:spcBef>
+                <a:spcPts val="0"/>
+              </a:spcBef>
+              <a:spcAft>
+                <a:spcPts val="0"/>
+              </a:spcAft>
+              <a:buSzPts val="1800"/>
+              <a:buChar char="●"/>
+            </a:pPr>
+            <a:r>
+              <a:rPr lang="en-US" sz="1800" dirty="0"/>
+              <a:t>Second graph shows the average salary for different each job category. Category “Other” includes job titles Data Architect, ETL Developer, Machine Learning Developer, Head of Data, etc.</a:t>
+            </a:r>
+            <a:endParaRPr sz="1800" dirty="0"/>
+          </a:p>
+        </p:txBody>
+      </p:sp>
+      <p:pic>
+        <p:nvPicPr>
+          <p:cNvPr id="3" name="Picture 2">
             <a:extLst>
               <a:ext uri="{FF2B5EF4-FFF2-40B4-BE49-F238E27FC236}">
-                <a16:creationId xmlns:a16="http://schemas.microsoft.com/office/drawing/2014/main" id="{B0CB3829-C73B-80C7-909D-0576EA455126}"/>
+                <a16:creationId xmlns:a16="http://schemas.microsoft.com/office/drawing/2014/main" id="{AB414554-CF3D-043D-F446-DFE4623753D5}"/>
               </a:ext>
             </a:extLst>
           </p:cNvPr>
-          <p:cNvSpPr>
-            <a:spLocks noGrp="1"/>
-          </p:cNvSpPr>
-          <p:nvPr>
-            <p:ph sz="half" idx="10"/>
-          </p:nvPr>
-        </p:nvSpPr>
-        <p:spPr/>
-        <p:txBody>
-          <a:bodyPr/>
-          <a:lstStyle/>
-          <a:p>
-            <a:r>
-              <a:rPr lang="en-US" dirty="0"/>
-              <a:t>https://jeffpinegar.github.io/Kristina_Location.html</a:t>
-            </a:r>
-          </a:p>
-        </p:txBody>
-      </p:sp>
+          <p:cNvPicPr>
+            <a:picLocks noChangeAspect="1"/>
+          </p:cNvPicPr>
+          <p:nvPr/>
+        </p:nvPicPr>
+        <p:blipFill>
+          <a:blip r:embed="rId3"/>
+          <a:stretch>
+            <a:fillRect/>
+          </a:stretch>
+        </p:blipFill>
+        <p:spPr>
+          <a:xfrm>
+            <a:off x="602529" y="3038221"/>
+            <a:ext cx="6742567" cy="3195434"/>
+          </a:xfrm>
+          <a:prstGeom prst="rect">
+            <a:avLst/>
+          </a:prstGeom>
+          <a:ln>
+            <a:solidFill>
+              <a:schemeClr val="accent1"/>
+            </a:solidFill>
+          </a:ln>
+        </p:spPr>
+      </p:pic>
+      <p:pic>
+        <p:nvPicPr>
+          <p:cNvPr id="4" name="Picture 3">
+            <a:extLst>
+              <a:ext uri="{FF2B5EF4-FFF2-40B4-BE49-F238E27FC236}">
+                <a16:creationId xmlns:a16="http://schemas.microsoft.com/office/drawing/2014/main" id="{0BC2DB7B-2567-DA65-80C2-4BD1024FF608}"/>
+              </a:ext>
+            </a:extLst>
+          </p:cNvPr>
+          <p:cNvPicPr>
+            <a:picLocks noChangeAspect="1"/>
+          </p:cNvPicPr>
+          <p:nvPr/>
+        </p:nvPicPr>
+        <p:blipFill>
+          <a:blip r:embed="rId4"/>
+          <a:stretch>
+            <a:fillRect/>
+          </a:stretch>
+        </p:blipFill>
+        <p:spPr>
+          <a:xfrm>
+            <a:off x="11303272" y="58368"/>
+            <a:ext cx="830360" cy="389106"/>
+          </a:xfrm>
+          <a:prstGeom prst="rect">
+            <a:avLst/>
+          </a:prstGeom>
+        </p:spPr>
+      </p:pic>
     </p:spTree>
-    <p:extLst>
-      <p:ext uri="{BB962C8B-B14F-4D97-AF65-F5344CB8AC3E}">
-        <p14:creationId xmlns:p14="http://schemas.microsoft.com/office/powerpoint/2010/main" val="3300086070"/>
-      </p:ext>
-    </p:extLst>
   </p:cSld>
   <p:clrMapOvr>
     <a:masterClrMapping/>
@@ -7301,7 +8927,7 @@
         <p:spPr>
           <a:xfrm>
             <a:off x="527050" y="1828800"/>
-            <a:ext cx="11137900" cy="4048124"/>
+            <a:ext cx="11137900" cy="1828800"/>
           </a:xfrm>
         </p:spPr>
         <p:txBody>
@@ -7317,28 +8943,46 @@
             <a:pPr lvl="1"/>
             <a:r>
               <a:rPr lang="en-US" dirty="0"/>
-              <a:t>How does salary vary by experience level?</a:t>
+              <a:t>How do average data science salaries vary by country?</a:t>
             </a:r>
           </a:p>
           <a:p>
             <a:pPr lvl="1"/>
             <a:r>
               <a:rPr lang="en-US" dirty="0"/>
-              <a:t>How has the level of employment changed with time?</a:t>
+              <a:t>Which countries have the highest data science salaries?</a:t>
             </a:r>
           </a:p>
           <a:p>
             <a:pPr lvl="1"/>
             <a:r>
               <a:rPr lang="en-US" dirty="0"/>
-              <a:t>How do salaries vary by job title</a:t>
+              <a:t>Which countries have the lowest data science salaries?</a:t>
             </a:r>
           </a:p>
           <a:p>
             <a:r>
               <a:rPr lang="en-US" dirty="0"/>
-              <a:t>The questions were examined for the whole data set and for USA alone</a:t>
-            </a:r>
+              <a:t>Creating the Choropleth:</a:t>
+            </a:r>
+          </a:p>
+          <a:p>
+            <a:pPr marL="355600" lvl="1" indent="0">
+              <a:buNone/>
+            </a:pPr>
+            <a:endParaRPr lang="en-US" dirty="0"/>
+          </a:p>
+          <a:p>
+            <a:pPr marL="355600" lvl="1" indent="0">
+              <a:buNone/>
+            </a:pPr>
+            <a:endParaRPr lang="en-US" dirty="0"/>
+          </a:p>
+          <a:p>
+            <a:pPr marL="355600" lvl="1" indent="0">
+              <a:buNone/>
+            </a:pPr>
+            <a:endParaRPr lang="en-US" dirty="0"/>
           </a:p>
         </p:txBody>
       </p:sp>
@@ -7365,7 +9009,7 @@
           <a:p>
             <a:r>
               <a:rPr lang="en-US" dirty="0"/>
-              <a:t>Machine learning</a:t>
+              <a:t>Average Salaries by Location</a:t>
             </a:r>
           </a:p>
         </p:txBody>
@@ -7393,15 +9037,362 @@
           <a:p>
             <a:r>
               <a:rPr lang="en-US" dirty="0"/>
-              <a:t>https://jeffpinegar.github.io/Jeff_Machine_Learning.html</a:t>
+              <a:t>https://jeffpinegar.github.io/Kristina_Location.html</a:t>
             </a:r>
           </a:p>
         </p:txBody>
       </p:sp>
+      <p:sp>
+        <p:nvSpPr>
+          <p:cNvPr id="2" name="TextBox 1">
+            <a:extLst>
+              <a:ext uri="{FF2B5EF4-FFF2-40B4-BE49-F238E27FC236}">
+                <a16:creationId xmlns:a16="http://schemas.microsoft.com/office/drawing/2014/main" id="{94E5A1BA-B3F2-F102-8D81-60CE969DFBDD}"/>
+              </a:ext>
+            </a:extLst>
+          </p:cNvPr>
+          <p:cNvSpPr txBox="1"/>
+          <p:nvPr/>
+        </p:nvSpPr>
+        <p:spPr>
+          <a:xfrm>
+            <a:off x="236104" y="3657600"/>
+            <a:ext cx="4410363" cy="3108543"/>
+          </a:xfrm>
+          <a:prstGeom prst="rect">
+            <a:avLst/>
+          </a:prstGeom>
+          <a:noFill/>
+        </p:spPr>
+        <p:txBody>
+          <a:bodyPr wrap="square" rtlCol="0">
+            <a:spAutoFit/>
+          </a:bodyPr>
+          <a:lstStyle/>
+          <a:p>
+            <a:pPr lvl="1" algn="ctr"/>
+            <a:r>
+              <a:rPr lang="en-US" dirty="0"/>
+              <a:t>JavaScript</a:t>
+            </a:r>
+          </a:p>
+          <a:p>
+            <a:pPr marL="1200150" lvl="2" indent="-285750">
+              <a:buFont typeface="Arial" panose="020B0604020202020204" pitchFamily="34" charset="0"/>
+              <a:buChar char="•"/>
+            </a:pPr>
+            <a:r>
+              <a:rPr lang="en-US" sz="1600" dirty="0"/>
+              <a:t>Create path to the geoJSON</a:t>
+            </a:r>
+          </a:p>
+          <a:p>
+            <a:pPr marL="1200150" lvl="2" indent="-285750">
+              <a:buFont typeface="Arial" panose="020B0604020202020204" pitchFamily="34" charset="0"/>
+              <a:buChar char="•"/>
+            </a:pPr>
+            <a:r>
+              <a:rPr lang="en-US" sz="1600" dirty="0"/>
+              <a:t>Create map object: L.map</a:t>
+            </a:r>
+          </a:p>
+          <a:p>
+            <a:pPr marL="1200150" lvl="2" indent="-285750">
+              <a:buFont typeface="Arial" panose="020B0604020202020204" pitchFamily="34" charset="0"/>
+              <a:buChar char="•"/>
+            </a:pPr>
+            <a:r>
+              <a:rPr lang="en-US" sz="1600" dirty="0"/>
+              <a:t>Add tile layer: openstreetmaps</a:t>
+            </a:r>
+          </a:p>
+          <a:p>
+            <a:pPr marL="1200150" lvl="2" indent="-285750">
+              <a:buFont typeface="Arial" panose="020B0604020202020204" pitchFamily="34" charset="0"/>
+              <a:buChar char="•"/>
+            </a:pPr>
+            <a:r>
+              <a:rPr lang="en-US" sz="1600" dirty="0"/>
+              <a:t>Read in the geoJSON and console.log to check </a:t>
+            </a:r>
+          </a:p>
+          <a:p>
+            <a:pPr marL="1200150" lvl="2" indent="-285750">
+              <a:buFont typeface="Arial" panose="020B0604020202020204" pitchFamily="34" charset="0"/>
+              <a:buChar char="•"/>
+            </a:pPr>
+            <a:r>
+              <a:rPr lang="en-US" sz="1600" dirty="0"/>
+              <a:t>Create Choropleth layer: L.choropleth 	</a:t>
+            </a:r>
+          </a:p>
+          <a:p>
+            <a:pPr marL="1657350" lvl="3" indent="-285750">
+              <a:buFont typeface="Arial" panose="020B0604020202020204" pitchFamily="34" charset="0"/>
+              <a:buChar char="•"/>
+            </a:pPr>
+            <a:r>
+              <a:rPr lang="en-US" sz="1600" dirty="0"/>
+              <a:t>valueProperty: Avg Salary</a:t>
+            </a:r>
+          </a:p>
+          <a:p>
+            <a:pPr marL="1657350" lvl="3" indent="-285750">
+              <a:buFont typeface="Arial" panose="020B0604020202020204" pitchFamily="34" charset="0"/>
+              <a:buChar char="•"/>
+            </a:pPr>
+            <a:r>
+              <a:rPr lang="en-US" sz="1600" dirty="0"/>
+              <a:t>chroma.js</a:t>
+            </a:r>
+          </a:p>
+          <a:p>
+            <a:pPr marL="1657350" lvl="3" indent="-285750">
+              <a:buFont typeface="Arial" panose="020B0604020202020204" pitchFamily="34" charset="0"/>
+              <a:buChar char="•"/>
+            </a:pPr>
+            <a:r>
+              <a:rPr lang="en-US" sz="1600" dirty="0"/>
+              <a:t>quantile data distrubution</a:t>
+            </a:r>
+          </a:p>
+          <a:p>
+            <a:endParaRPr lang="en-US" dirty="0"/>
+          </a:p>
+        </p:txBody>
+      </p:sp>
+      <p:sp>
+        <p:nvSpPr>
+          <p:cNvPr id="7" name="TextBox 6">
+            <a:extLst>
+              <a:ext uri="{FF2B5EF4-FFF2-40B4-BE49-F238E27FC236}">
+                <a16:creationId xmlns:a16="http://schemas.microsoft.com/office/drawing/2014/main" id="{849210B7-9F32-36D2-D764-7CE7434123A5}"/>
+              </a:ext>
+            </a:extLst>
+          </p:cNvPr>
+          <p:cNvSpPr txBox="1"/>
+          <p:nvPr/>
+        </p:nvSpPr>
+        <p:spPr>
+          <a:xfrm>
+            <a:off x="5490663" y="3704492"/>
+            <a:ext cx="2341418" cy="2616101"/>
+          </a:xfrm>
+          <a:prstGeom prst="rect">
+            <a:avLst/>
+          </a:prstGeom>
+          <a:noFill/>
+        </p:spPr>
+        <p:txBody>
+          <a:bodyPr wrap="square" rtlCol="0">
+            <a:spAutoFit/>
+          </a:bodyPr>
+          <a:lstStyle/>
+          <a:p>
+            <a:r>
+              <a:rPr lang="en-US" dirty="0"/>
+              <a:t>HTML</a:t>
+            </a:r>
+          </a:p>
+          <a:p>
+            <a:pPr marL="285750" indent="-285750">
+              <a:buFont typeface="Arial" panose="020B0604020202020204" pitchFamily="34" charset="0"/>
+              <a:buChar char="•"/>
+            </a:pPr>
+            <a:r>
+              <a:rPr lang="en-US" sz="1600" dirty="0"/>
+              <a:t>Leaflet js: correct version for import of L.choropleth function</a:t>
+            </a:r>
+          </a:p>
+          <a:p>
+            <a:pPr marL="285750" indent="-285750">
+              <a:buFont typeface="Arial" panose="020B0604020202020204" pitchFamily="34" charset="0"/>
+              <a:buChar char="•"/>
+            </a:pPr>
+            <a:r>
+              <a:rPr lang="en-US" sz="1600" dirty="0"/>
+              <a:t>Bootstrap containers</a:t>
+            </a:r>
+          </a:p>
+          <a:p>
+            <a:pPr marL="285750" indent="-285750">
+              <a:buFont typeface="Arial" panose="020B0604020202020204" pitchFamily="34" charset="0"/>
+              <a:buChar char="•"/>
+            </a:pPr>
+            <a:r>
+              <a:rPr lang="en-US" sz="1600" dirty="0"/>
+              <a:t>Legend insert to match chroma colors</a:t>
+            </a:r>
+          </a:p>
+          <a:p>
+            <a:endParaRPr lang="en-US" dirty="0"/>
+          </a:p>
+        </p:txBody>
+      </p:sp>
+      <p:sp>
+        <p:nvSpPr>
+          <p:cNvPr id="8" name="TextBox 7">
+            <a:extLst>
+              <a:ext uri="{FF2B5EF4-FFF2-40B4-BE49-F238E27FC236}">
+                <a16:creationId xmlns:a16="http://schemas.microsoft.com/office/drawing/2014/main" id="{234FF5F6-941A-74A3-448B-99A0D17B01C7}"/>
+              </a:ext>
+            </a:extLst>
+          </p:cNvPr>
+          <p:cNvSpPr txBox="1"/>
+          <p:nvPr/>
+        </p:nvSpPr>
+        <p:spPr>
+          <a:xfrm>
+            <a:off x="8792308" y="3681046"/>
+            <a:ext cx="2602523" cy="2585323"/>
+          </a:xfrm>
+          <a:prstGeom prst="rect">
+            <a:avLst/>
+          </a:prstGeom>
+          <a:noFill/>
+        </p:spPr>
+        <p:txBody>
+          <a:bodyPr wrap="square" rtlCol="0">
+            <a:spAutoFit/>
+          </a:bodyPr>
+          <a:lstStyle/>
+          <a:p>
+            <a:r>
+              <a:rPr lang="en-US" dirty="0"/>
+              <a:t>CSS</a:t>
+            </a:r>
+          </a:p>
+          <a:p>
+            <a:pPr marL="285750" indent="-285750">
+              <a:buFont typeface="Arial" panose="020B0604020202020204" pitchFamily="34" charset="0"/>
+              <a:buChar char="•"/>
+            </a:pPr>
+            <a:r>
+              <a:rPr lang="en-US" dirty="0"/>
+              <a:t>styling to align basemap with choropleth:</a:t>
+            </a:r>
+          </a:p>
+          <a:p>
+            <a:endParaRPr lang="en-US" dirty="0"/>
+          </a:p>
+          <a:p>
+            <a:r>
+              <a:rPr lang="en-US" b="0" dirty="0">
+                <a:solidFill>
+                  <a:srgbClr val="D7BA7D"/>
+                </a:solidFill>
+                <a:effectLst/>
+                <a:latin typeface="Menlo" panose="020B0609030804020204" pitchFamily="49" charset="0"/>
+              </a:rPr>
+              <a:t>.leaflet-tile</a:t>
+            </a:r>
+            <a:r>
+              <a:rPr lang="en-US" b="0" dirty="0">
+                <a:solidFill>
+                  <a:srgbClr val="D4D4D4"/>
+                </a:solidFill>
+                <a:effectLst/>
+                <a:latin typeface="Menlo" panose="020B0609030804020204" pitchFamily="49" charset="0"/>
+              </a:rPr>
+              <a:t>{</a:t>
+            </a:r>
+          </a:p>
+          <a:p>
+            <a:r>
+              <a:rPr lang="en-US" b="0" dirty="0">
+                <a:solidFill>
+                  <a:srgbClr val="9CDCFE"/>
+                </a:solidFill>
+                <a:effectLst/>
+                <a:latin typeface="Menlo" panose="020B0609030804020204" pitchFamily="49" charset="0"/>
+              </a:rPr>
+              <a:t>margin-top</a:t>
+            </a:r>
+            <a:r>
+              <a:rPr lang="en-US" b="0" dirty="0">
+                <a:solidFill>
+                  <a:srgbClr val="D4D4D4"/>
+                </a:solidFill>
+                <a:effectLst/>
+                <a:latin typeface="Menlo" panose="020B0609030804020204" pitchFamily="49" charset="0"/>
+              </a:rPr>
+              <a:t>: </a:t>
+            </a:r>
+            <a:r>
+              <a:rPr lang="en-US" b="0" dirty="0">
+                <a:solidFill>
+                  <a:srgbClr val="CE9178"/>
+                </a:solidFill>
+                <a:effectLst/>
+                <a:latin typeface="Menlo" panose="020B0609030804020204" pitchFamily="49" charset="0"/>
+              </a:rPr>
+              <a:t>auto</a:t>
+            </a:r>
+            <a:r>
+              <a:rPr lang="en-US" b="0" dirty="0">
+                <a:solidFill>
+                  <a:srgbClr val="D4D4D4"/>
+                </a:solidFill>
+                <a:effectLst/>
+                <a:latin typeface="Menlo" panose="020B0609030804020204" pitchFamily="49" charset="0"/>
+              </a:rPr>
+              <a:t>;</a:t>
+            </a:r>
+          </a:p>
+          <a:p>
+            <a:r>
+              <a:rPr lang="en-US" b="0" dirty="0">
+                <a:solidFill>
+                  <a:srgbClr val="D4D4D4"/>
+                </a:solidFill>
+                <a:effectLst/>
+                <a:latin typeface="Menlo" panose="020B0609030804020204" pitchFamily="49" charset="0"/>
+              </a:rPr>
+              <a:t>}</a:t>
+            </a:r>
+          </a:p>
+          <a:p>
+            <a:r>
+              <a:rPr lang="en-US" dirty="0"/>
+              <a:t> </a:t>
+            </a:r>
+          </a:p>
+        </p:txBody>
+      </p:sp>
+      <p:pic>
+        <p:nvPicPr>
+          <p:cNvPr id="6" name="Picture 5">
+            <a:extLst>
+              <a:ext uri="{FF2B5EF4-FFF2-40B4-BE49-F238E27FC236}">
+                <a16:creationId xmlns:a16="http://schemas.microsoft.com/office/drawing/2014/main" id="{E49C30F7-011C-5B5C-6D11-2DE2A0A1EA0F}"/>
+              </a:ext>
+            </a:extLst>
+          </p:cNvPr>
+          <p:cNvPicPr>
+            <a:picLocks noChangeAspect="1"/>
+          </p:cNvPicPr>
+          <p:nvPr/>
+        </p:nvPicPr>
+        <p:blipFill>
+          <a:blip r:embed="rId2"/>
+          <a:stretch>
+            <a:fillRect/>
+          </a:stretch>
+        </p:blipFill>
+        <p:spPr>
+          <a:xfrm>
+            <a:off x="11303272" y="58368"/>
+            <a:ext cx="830360" cy="389106"/>
+          </a:xfrm>
+          <a:prstGeom prst="rect">
+            <a:avLst/>
+          </a:prstGeom>
+        </p:spPr>
+      </p:pic>
     </p:spTree>
     <p:extLst>
       <p:ext uri="{BB962C8B-B14F-4D97-AF65-F5344CB8AC3E}">
-        <p14:creationId xmlns:p14="http://schemas.microsoft.com/office/powerpoint/2010/main" val="3164216965"/>
+        <p14:creationId xmlns:p14="http://schemas.microsoft.com/office/powerpoint/2010/main" val="389333735"/>
       </p:ext>
     </p:extLst>
   </p:cSld>
